--- a/content/projects/reinforcement-quantum-boltzmann/figs.pptx
+++ b/content/projects/reinforcement-quantum-boltzmann/figs.pptx
@@ -126,10 +126,6 @@
     </p:ext>
   </p:extLst>
 </p:presentation>
-</file>
-
-<file path=ppt/revisionInfo.xml><?xml version="1.0" encoding="utf-8"?>
-<p1510:revInfo xmlns:a="http://schemas.openxmlformats.org/drawingml/2006/main" xmlns:r="http://schemas.openxmlformats.org/officeDocument/2006/relationships" xmlns:p1510="http://schemas.microsoft.com/office/powerpoint/2015/10/main"/>
 </file>
 
 <file path=ppt/slideLayouts/slideLayout1.xml><?xml version="1.0" encoding="utf-8"?>
@@ -261,7 +257,7 @@
           <a:p>
             <a:fld id="{1AE89FDC-179C-4226-98AC-CB28F9E77BD2}" type="datetimeFigureOut">
               <a:rPr lang="zh-CN" altLang="en-US" smtClean="0"/>
-              <a:t>17/5/16</a:t>
+              <a:t>2020/3/8</a:t>
             </a:fld>
             <a:endParaRPr lang="zh-CN" altLang="en-US"/>
           </a:p>
@@ -429,7 +425,7 @@
           <a:p>
             <a:fld id="{1AE89FDC-179C-4226-98AC-CB28F9E77BD2}" type="datetimeFigureOut">
               <a:rPr lang="zh-CN" altLang="en-US" smtClean="0"/>
-              <a:t>17/5/16</a:t>
+              <a:t>2020/3/8</a:t>
             </a:fld>
             <a:endParaRPr lang="zh-CN" altLang="en-US"/>
           </a:p>
@@ -607,7 +603,7 @@
           <a:p>
             <a:fld id="{1AE89FDC-179C-4226-98AC-CB28F9E77BD2}" type="datetimeFigureOut">
               <a:rPr lang="zh-CN" altLang="en-US" smtClean="0"/>
-              <a:t>17/5/16</a:t>
+              <a:t>2020/3/8</a:t>
             </a:fld>
             <a:endParaRPr lang="zh-CN" altLang="en-US"/>
           </a:p>
@@ -775,7 +771,7 @@
           <a:p>
             <a:fld id="{1AE89FDC-179C-4226-98AC-CB28F9E77BD2}" type="datetimeFigureOut">
               <a:rPr lang="zh-CN" altLang="en-US" smtClean="0"/>
-              <a:t>17/5/16</a:t>
+              <a:t>2020/3/8</a:t>
             </a:fld>
             <a:endParaRPr lang="zh-CN" altLang="en-US"/>
           </a:p>
@@ -1020,7 +1016,7 @@
           <a:p>
             <a:fld id="{1AE89FDC-179C-4226-98AC-CB28F9E77BD2}" type="datetimeFigureOut">
               <a:rPr lang="zh-CN" altLang="en-US" smtClean="0"/>
-              <a:t>17/5/16</a:t>
+              <a:t>2020/3/8</a:t>
             </a:fld>
             <a:endParaRPr lang="zh-CN" altLang="en-US"/>
           </a:p>
@@ -1249,7 +1245,7 @@
           <a:p>
             <a:fld id="{1AE89FDC-179C-4226-98AC-CB28F9E77BD2}" type="datetimeFigureOut">
               <a:rPr lang="zh-CN" altLang="en-US" smtClean="0"/>
-              <a:t>17/5/16</a:t>
+              <a:t>2020/3/8</a:t>
             </a:fld>
             <a:endParaRPr lang="zh-CN" altLang="en-US"/>
           </a:p>
@@ -1613,7 +1609,7 @@
           <a:p>
             <a:fld id="{1AE89FDC-179C-4226-98AC-CB28F9E77BD2}" type="datetimeFigureOut">
               <a:rPr lang="zh-CN" altLang="en-US" smtClean="0"/>
-              <a:t>17/5/16</a:t>
+              <a:t>2020/3/8</a:t>
             </a:fld>
             <a:endParaRPr lang="zh-CN" altLang="en-US"/>
           </a:p>
@@ -1730,7 +1726,7 @@
           <a:p>
             <a:fld id="{1AE89FDC-179C-4226-98AC-CB28F9E77BD2}" type="datetimeFigureOut">
               <a:rPr lang="zh-CN" altLang="en-US" smtClean="0"/>
-              <a:t>17/5/16</a:t>
+              <a:t>2020/3/8</a:t>
             </a:fld>
             <a:endParaRPr lang="zh-CN" altLang="en-US"/>
           </a:p>
@@ -1825,7 +1821,7 @@
           <a:p>
             <a:fld id="{1AE89FDC-179C-4226-98AC-CB28F9E77BD2}" type="datetimeFigureOut">
               <a:rPr lang="zh-CN" altLang="en-US" smtClean="0"/>
-              <a:t>17/5/16</a:t>
+              <a:t>2020/3/8</a:t>
             </a:fld>
             <a:endParaRPr lang="zh-CN" altLang="en-US"/>
           </a:p>
@@ -2100,7 +2096,7 @@
           <a:p>
             <a:fld id="{1AE89FDC-179C-4226-98AC-CB28F9E77BD2}" type="datetimeFigureOut">
               <a:rPr lang="zh-CN" altLang="en-US" smtClean="0"/>
-              <a:t>17/5/16</a:t>
+              <a:t>2020/3/8</a:t>
             </a:fld>
             <a:endParaRPr lang="zh-CN" altLang="en-US"/>
           </a:p>
@@ -2352,7 +2348,7 @@
           <a:p>
             <a:fld id="{1AE89FDC-179C-4226-98AC-CB28F9E77BD2}" type="datetimeFigureOut">
               <a:rPr lang="zh-CN" altLang="en-US" smtClean="0"/>
-              <a:t>17/5/16</a:t>
+              <a:t>2020/3/8</a:t>
             </a:fld>
             <a:endParaRPr lang="zh-CN" altLang="en-US"/>
           </a:p>
@@ -2563,7 +2559,7 @@
           <a:p>
             <a:fld id="{1AE89FDC-179C-4226-98AC-CB28F9E77BD2}" type="datetimeFigureOut">
               <a:rPr lang="zh-CN" altLang="en-US" smtClean="0"/>
-              <a:t>17/5/16</a:t>
+              <a:t>2020/3/8</a:t>
             </a:fld>
             <a:endParaRPr lang="zh-CN" altLang="en-US"/>
           </a:p>
@@ -7189,2362 +7185,924 @@
       </p:grpSpPr>
       <p:grpSp>
         <p:nvGrpSpPr>
-          <p:cNvPr id="3" name="组合 2"/>
+          <p:cNvPr id="6" name="组合 5"/>
           <p:cNvGrpSpPr/>
           <p:nvPr/>
         </p:nvGrpSpPr>
         <p:grpSpPr>
           <a:xfrm>
-            <a:off x="1531884" y="1316562"/>
-            <a:ext cx="8215523" cy="3640965"/>
-            <a:chOff x="1531884" y="1316562"/>
-            <a:chExt cx="8215523" cy="3640965"/>
+            <a:off x="2222950" y="1410533"/>
+            <a:ext cx="785004" cy="785004"/>
+            <a:chOff x="2222950" y="1362339"/>
+            <a:chExt cx="785004" cy="785004"/>
+          </a:xfrm>
+        </p:grpSpPr>
+        <p:sp>
+          <p:nvSpPr>
+            <p:cNvPr id="4" name="椭圆 3"/>
+            <p:cNvSpPr/>
+            <p:nvPr/>
+          </p:nvSpPr>
+          <p:spPr>
+            <a:xfrm>
+              <a:off x="2222950" y="1362339"/>
+              <a:ext cx="785004" cy="785004"/>
+            </a:xfrm>
+            <a:prstGeom prst="ellipse">
+              <a:avLst/>
+            </a:prstGeom>
+            <a:solidFill>
+              <a:srgbClr val="80D6FF"/>
+            </a:solidFill>
+            <a:ln w="38100">
+              <a:solidFill>
+                <a:schemeClr val="tx1"/>
+              </a:solidFill>
+            </a:ln>
+          </p:spPr>
+          <p:style>
+            <a:lnRef idx="2">
+              <a:schemeClr val="accent1">
+                <a:shade val="50000"/>
+              </a:schemeClr>
+            </a:lnRef>
+            <a:fillRef idx="1">
+              <a:schemeClr val="accent1"/>
+            </a:fillRef>
+            <a:effectRef idx="0">
+              <a:schemeClr val="accent1"/>
+            </a:effectRef>
+            <a:fontRef idx="minor">
+              <a:schemeClr val="lt1"/>
+            </a:fontRef>
+          </p:style>
+          <p:txBody>
+            <a:bodyPr rtlCol="0" anchor="ctr"/>
+            <a:lstStyle/>
+            <a:p>
+              <a:pPr algn="ctr"/>
+              <a:endParaRPr lang="zh-CN" altLang="en-US" dirty="0"/>
+            </a:p>
+          </p:txBody>
+        </p:sp>
+        <mc:AlternateContent xmlns:mc="http://schemas.openxmlformats.org/markup-compatibility/2006" xmlns:a14="http://schemas.microsoft.com/office/drawing/2010/main">
+          <mc:Choice Requires="a14">
+            <p:sp>
+              <p:nvSpPr>
+                <p:cNvPr id="5" name="文本框 4"/>
+                <p:cNvSpPr txBox="1"/>
+                <p:nvPr/>
+              </p:nvSpPr>
+              <p:spPr>
+                <a:xfrm>
+                  <a:off x="2325246" y="1458727"/>
+                  <a:ext cx="597664" cy="523220"/>
+                </a:xfrm>
+                <a:prstGeom prst="rect">
+                  <a:avLst/>
+                </a:prstGeom>
+                <a:noFill/>
+              </p:spPr>
+              <p:txBody>
+                <a:bodyPr wrap="none" rtlCol="0">
+                  <a:spAutoFit/>
+                </a:bodyPr>
+                <a:lstStyle/>
+                <a:p>
+                  <a:pPr/>
+                  <a14:m>
+                    <m:oMathPara xmlns:m="http://schemas.openxmlformats.org/officeDocument/2006/math">
+                      <m:oMathParaPr>
+                        <m:jc m:val="centerGroup"/>
+                      </m:oMathParaPr>
+                      <m:oMath xmlns:m="http://schemas.openxmlformats.org/officeDocument/2006/math">
+                        <m:sSub>
+                          <m:sSubPr>
+                            <m:ctrlPr>
+                              <a:rPr lang="en-US" altLang="zh-CN" sz="2800" b="0" i="1" smtClean="0">
+                                <a:latin typeface="Cambria Math" panose="02040503050406030204" pitchFamily="18" charset="0"/>
+                              </a:rPr>
+                            </m:ctrlPr>
+                          </m:sSubPr>
+                          <m:e>
+                            <m:r>
+                              <a:rPr lang="en-US" altLang="zh-CN" sz="2800" b="0" i="1" smtClean="0">
+                                <a:latin typeface="Cambria Math" panose="02040503050406030204" pitchFamily="18" charset="0"/>
+                              </a:rPr>
+                              <m:t>𝑐</m:t>
+                            </m:r>
+                          </m:e>
+                          <m:sub>
+                            <m:r>
+                              <a:rPr lang="en-US" altLang="zh-CN" sz="2800" b="0" i="1" smtClean="0">
+                                <a:latin typeface="Cambria Math" panose="02040503050406030204" pitchFamily="18" charset="0"/>
+                              </a:rPr>
+                              <m:t>1</m:t>
+                            </m:r>
+                          </m:sub>
+                        </m:sSub>
+                      </m:oMath>
+                    </m:oMathPara>
+                  </a14:m>
+                  <a:endParaRPr lang="zh-CN" altLang="en-US" dirty="0"/>
+                </a:p>
+              </p:txBody>
+            </p:sp>
+          </mc:Choice>
+          <mc:Fallback xmlns="">
+            <p:sp>
+              <p:nvSpPr>
+                <p:cNvPr id="5" name="文本框 4"/>
+                <p:cNvSpPr txBox="1">
+                  <a:spLocks noRot="1" noChangeAspect="1" noMove="1" noResize="1" noEditPoints="1" noAdjustHandles="1" noChangeArrowheads="1" noChangeShapeType="1" noTextEdit="1"/>
+                </p:cNvSpPr>
+                <p:nvPr/>
+              </p:nvSpPr>
+              <p:spPr>
+                <a:xfrm>
+                  <a:off x="2325246" y="1458727"/>
+                  <a:ext cx="597664" cy="523220"/>
+                </a:xfrm>
+                <a:prstGeom prst="rect">
+                  <a:avLst/>
+                </a:prstGeom>
+                <a:blipFill>
+                  <a:blip r:embed="rId2"/>
+                  <a:stretch>
+                    <a:fillRect/>
+                  </a:stretch>
+                </a:blipFill>
+              </p:spPr>
+              <p:txBody>
+                <a:bodyPr/>
+                <a:lstStyle/>
+                <a:p>
+                  <a:r>
+                    <a:rPr lang="zh-CN" altLang="en-US">
+                      <a:noFill/>
+                    </a:rPr>
+                    <a:t> </a:t>
+                  </a:r>
+                </a:p>
+              </p:txBody>
+            </p:sp>
+          </mc:Fallback>
+        </mc:AlternateContent>
+      </p:grpSp>
+      <p:grpSp>
+        <p:nvGrpSpPr>
+          <p:cNvPr id="7" name="组合 6"/>
+          <p:cNvGrpSpPr/>
+          <p:nvPr/>
+        </p:nvGrpSpPr>
+        <p:grpSpPr>
+          <a:xfrm>
+            <a:off x="3667809" y="1410533"/>
+            <a:ext cx="785004" cy="785004"/>
+            <a:chOff x="2222950" y="1362339"/>
+            <a:chExt cx="785004" cy="785004"/>
+          </a:xfrm>
+        </p:grpSpPr>
+        <p:sp>
+          <p:nvSpPr>
+            <p:cNvPr id="8" name="椭圆 7"/>
+            <p:cNvSpPr/>
+            <p:nvPr/>
+          </p:nvSpPr>
+          <p:spPr>
+            <a:xfrm>
+              <a:off x="2222950" y="1362339"/>
+              <a:ext cx="785004" cy="785004"/>
+            </a:xfrm>
+            <a:prstGeom prst="ellipse">
+              <a:avLst/>
+            </a:prstGeom>
+            <a:solidFill>
+              <a:srgbClr val="80D6FF"/>
+            </a:solidFill>
+            <a:ln w="38100">
+              <a:solidFill>
+                <a:schemeClr val="tx1"/>
+              </a:solidFill>
+            </a:ln>
+          </p:spPr>
+          <p:style>
+            <a:lnRef idx="2">
+              <a:schemeClr val="accent1">
+                <a:shade val="50000"/>
+              </a:schemeClr>
+            </a:lnRef>
+            <a:fillRef idx="1">
+              <a:schemeClr val="accent1"/>
+            </a:fillRef>
+            <a:effectRef idx="0">
+              <a:schemeClr val="accent1"/>
+            </a:effectRef>
+            <a:fontRef idx="minor">
+              <a:schemeClr val="lt1"/>
+            </a:fontRef>
+          </p:style>
+          <p:txBody>
+            <a:bodyPr rtlCol="0" anchor="ctr"/>
+            <a:lstStyle/>
+            <a:p>
+              <a:pPr algn="ctr"/>
+              <a:endParaRPr lang="zh-CN" altLang="en-US" dirty="0"/>
+            </a:p>
+          </p:txBody>
+        </p:sp>
+        <mc:AlternateContent xmlns:mc="http://schemas.openxmlformats.org/markup-compatibility/2006" xmlns:a14="http://schemas.microsoft.com/office/drawing/2010/main">
+          <mc:Choice Requires="a14">
+            <p:sp>
+              <p:nvSpPr>
+                <p:cNvPr id="9" name="文本框 8"/>
+                <p:cNvSpPr txBox="1"/>
+                <p:nvPr/>
+              </p:nvSpPr>
+              <p:spPr>
+                <a:xfrm>
+                  <a:off x="2325246" y="1458727"/>
+                  <a:ext cx="605935" cy="523220"/>
+                </a:xfrm>
+                <a:prstGeom prst="rect">
+                  <a:avLst/>
+                </a:prstGeom>
+                <a:noFill/>
+              </p:spPr>
+              <p:txBody>
+                <a:bodyPr wrap="none" rtlCol="0">
+                  <a:spAutoFit/>
+                </a:bodyPr>
+                <a:lstStyle/>
+                <a:p>
+                  <a:pPr/>
+                  <a14:m>
+                    <m:oMathPara xmlns:m="http://schemas.openxmlformats.org/officeDocument/2006/math">
+                      <m:oMathParaPr>
+                        <m:jc m:val="centerGroup"/>
+                      </m:oMathParaPr>
+                      <m:oMath xmlns:m="http://schemas.openxmlformats.org/officeDocument/2006/math">
+                        <m:sSub>
+                          <m:sSubPr>
+                            <m:ctrlPr>
+                              <a:rPr lang="en-US" altLang="zh-CN" sz="2800" b="0" i="1" smtClean="0">
+                                <a:latin typeface="Cambria Math" panose="02040503050406030204" pitchFamily="18" charset="0"/>
+                              </a:rPr>
+                            </m:ctrlPr>
+                          </m:sSubPr>
+                          <m:e>
+                            <m:r>
+                              <a:rPr lang="en-US" altLang="zh-CN" sz="2800" b="0" i="1" smtClean="0">
+                                <a:latin typeface="Cambria Math" panose="02040503050406030204" pitchFamily="18" charset="0"/>
+                              </a:rPr>
+                              <m:t>𝑐</m:t>
+                            </m:r>
+                          </m:e>
+                          <m:sub>
+                            <m:r>
+                              <a:rPr lang="en-US" altLang="zh-CN" sz="2800" b="0" i="1" smtClean="0">
+                                <a:latin typeface="Cambria Math" panose="02040503050406030204" pitchFamily="18" charset="0"/>
+                              </a:rPr>
+                              <m:t>2</m:t>
+                            </m:r>
+                          </m:sub>
+                        </m:sSub>
+                      </m:oMath>
+                    </m:oMathPara>
+                  </a14:m>
+                  <a:endParaRPr lang="zh-CN" altLang="en-US" dirty="0"/>
+                </a:p>
+              </p:txBody>
+            </p:sp>
+          </mc:Choice>
+          <mc:Fallback xmlns="">
+            <p:sp>
+              <p:nvSpPr>
+                <p:cNvPr id="9" name="文本框 8"/>
+                <p:cNvSpPr txBox="1">
+                  <a:spLocks noRot="1" noChangeAspect="1" noMove="1" noResize="1" noEditPoints="1" noAdjustHandles="1" noChangeArrowheads="1" noChangeShapeType="1" noTextEdit="1"/>
+                </p:cNvSpPr>
+                <p:nvPr/>
+              </p:nvSpPr>
+              <p:spPr>
+                <a:xfrm>
+                  <a:off x="2325246" y="1458727"/>
+                  <a:ext cx="605935" cy="523220"/>
+                </a:xfrm>
+                <a:prstGeom prst="rect">
+                  <a:avLst/>
+                </a:prstGeom>
+                <a:blipFill>
+                  <a:blip r:embed="rId3"/>
+                  <a:stretch>
+                    <a:fillRect/>
+                  </a:stretch>
+                </a:blipFill>
+              </p:spPr>
+              <p:txBody>
+                <a:bodyPr/>
+                <a:lstStyle/>
+                <a:p>
+                  <a:r>
+                    <a:rPr lang="zh-CN" altLang="en-US">
+                      <a:noFill/>
+                    </a:rPr>
+                    <a:t> </a:t>
+                  </a:r>
+                </a:p>
+              </p:txBody>
+            </p:sp>
+          </mc:Fallback>
+        </mc:AlternateContent>
+      </p:grpSp>
+      <p:grpSp>
+        <p:nvGrpSpPr>
+          <p:cNvPr id="10" name="组合 9"/>
+          <p:cNvGrpSpPr/>
+          <p:nvPr/>
+        </p:nvGrpSpPr>
+        <p:grpSpPr>
+          <a:xfrm>
+            <a:off x="5992555" y="1410533"/>
+            <a:ext cx="785004" cy="785004"/>
+            <a:chOff x="2222950" y="1362339"/>
+            <a:chExt cx="785004" cy="785004"/>
+          </a:xfrm>
+        </p:grpSpPr>
+        <p:sp>
+          <p:nvSpPr>
+            <p:cNvPr id="11" name="椭圆 10"/>
+            <p:cNvSpPr/>
+            <p:nvPr/>
+          </p:nvSpPr>
+          <p:spPr>
+            <a:xfrm>
+              <a:off x="2222950" y="1362339"/>
+              <a:ext cx="785004" cy="785004"/>
+            </a:xfrm>
+            <a:prstGeom prst="ellipse">
+              <a:avLst/>
+            </a:prstGeom>
+            <a:solidFill>
+              <a:srgbClr val="80D6FF"/>
+            </a:solidFill>
+            <a:ln w="38100">
+              <a:solidFill>
+                <a:schemeClr val="tx1"/>
+              </a:solidFill>
+            </a:ln>
+          </p:spPr>
+          <p:style>
+            <a:lnRef idx="2">
+              <a:schemeClr val="accent1">
+                <a:shade val="50000"/>
+              </a:schemeClr>
+            </a:lnRef>
+            <a:fillRef idx="1">
+              <a:schemeClr val="accent1"/>
+            </a:fillRef>
+            <a:effectRef idx="0">
+              <a:schemeClr val="accent1"/>
+            </a:effectRef>
+            <a:fontRef idx="minor">
+              <a:schemeClr val="lt1"/>
+            </a:fontRef>
+          </p:style>
+          <p:txBody>
+            <a:bodyPr rtlCol="0" anchor="ctr"/>
+            <a:lstStyle/>
+            <a:p>
+              <a:pPr algn="ctr"/>
+              <a:endParaRPr lang="zh-CN" altLang="en-US" dirty="0"/>
+            </a:p>
+          </p:txBody>
+        </p:sp>
+        <mc:AlternateContent xmlns:mc="http://schemas.openxmlformats.org/markup-compatibility/2006" xmlns:a14="http://schemas.microsoft.com/office/drawing/2010/main">
+          <mc:Choice Requires="a14">
+            <p:sp>
+              <p:nvSpPr>
+                <p:cNvPr id="12" name="文本框 11"/>
+                <p:cNvSpPr txBox="1"/>
+                <p:nvPr/>
+              </p:nvSpPr>
+              <p:spPr>
+                <a:xfrm>
+                  <a:off x="2325246" y="1458727"/>
+                  <a:ext cx="553934" cy="523220"/>
+                </a:xfrm>
+                <a:prstGeom prst="rect">
+                  <a:avLst/>
+                </a:prstGeom>
+                <a:noFill/>
+              </p:spPr>
+              <p:txBody>
+                <a:bodyPr wrap="none" rtlCol="0">
+                  <a:spAutoFit/>
+                </a:bodyPr>
+                <a:lstStyle/>
+                <a:p>
+                  <a:pPr/>
+                  <a14:m>
+                    <m:oMathPara xmlns:m="http://schemas.openxmlformats.org/officeDocument/2006/math">
+                      <m:oMathParaPr>
+                        <m:jc m:val="centerGroup"/>
+                      </m:oMathParaPr>
+                      <m:oMath xmlns:m="http://schemas.openxmlformats.org/officeDocument/2006/math">
+                        <m:sSub>
+                          <m:sSubPr>
+                            <m:ctrlPr>
+                              <a:rPr lang="en-US" altLang="zh-CN" sz="2800" b="0" i="1" smtClean="0">
+                                <a:latin typeface="Cambria Math" panose="02040503050406030204" pitchFamily="18" charset="0"/>
+                              </a:rPr>
+                            </m:ctrlPr>
+                          </m:sSubPr>
+                          <m:e>
+                            <m:r>
+                              <a:rPr lang="en-US" altLang="zh-CN" sz="2800" b="0" i="1" smtClean="0">
+                                <a:latin typeface="Cambria Math" panose="02040503050406030204" pitchFamily="18" charset="0"/>
+                              </a:rPr>
+                              <m:t>𝑐</m:t>
+                            </m:r>
+                          </m:e>
+                          <m:sub>
+                            <m:r>
+                              <a:rPr lang="en-US" altLang="zh-CN" sz="2800" b="0" i="1" smtClean="0">
+                                <a:latin typeface="Cambria Math" panose="02040503050406030204" pitchFamily="18" charset="0"/>
+                              </a:rPr>
+                              <m:t>𝑖</m:t>
+                            </m:r>
+                          </m:sub>
+                        </m:sSub>
+                      </m:oMath>
+                    </m:oMathPara>
+                  </a14:m>
+                  <a:endParaRPr lang="zh-CN" altLang="en-US" dirty="0"/>
+                </a:p>
+              </p:txBody>
+            </p:sp>
+          </mc:Choice>
+          <mc:Fallback xmlns="">
+            <p:sp>
+              <p:nvSpPr>
+                <p:cNvPr id="12" name="文本框 11"/>
+                <p:cNvSpPr txBox="1">
+                  <a:spLocks noRot="1" noChangeAspect="1" noMove="1" noResize="1" noEditPoints="1" noAdjustHandles="1" noChangeArrowheads="1" noChangeShapeType="1" noTextEdit="1"/>
+                </p:cNvSpPr>
+                <p:nvPr/>
+              </p:nvSpPr>
+              <p:spPr>
+                <a:xfrm>
+                  <a:off x="2325246" y="1458727"/>
+                  <a:ext cx="553934" cy="523220"/>
+                </a:xfrm>
+                <a:prstGeom prst="rect">
+                  <a:avLst/>
+                </a:prstGeom>
+                <a:blipFill>
+                  <a:blip r:embed="rId4"/>
+                  <a:stretch>
+                    <a:fillRect/>
+                  </a:stretch>
+                </a:blipFill>
+              </p:spPr>
+              <p:txBody>
+                <a:bodyPr/>
+                <a:lstStyle/>
+                <a:p>
+                  <a:r>
+                    <a:rPr lang="zh-CN" altLang="en-US">
+                      <a:noFill/>
+                    </a:rPr>
+                    <a:t> </a:t>
+                  </a:r>
+                </a:p>
+              </p:txBody>
+            </p:sp>
+          </mc:Fallback>
+        </mc:AlternateContent>
+      </p:grpSp>
+      <p:grpSp>
+        <p:nvGrpSpPr>
+          <p:cNvPr id="13" name="组合 12"/>
+          <p:cNvGrpSpPr/>
+          <p:nvPr/>
+        </p:nvGrpSpPr>
+        <p:grpSpPr>
+          <a:xfrm>
+            <a:off x="8317302" y="1410533"/>
+            <a:ext cx="785004" cy="785004"/>
+            <a:chOff x="2222950" y="1362339"/>
+            <a:chExt cx="785004" cy="785004"/>
+          </a:xfrm>
+        </p:grpSpPr>
+        <p:sp>
+          <p:nvSpPr>
+            <p:cNvPr id="14" name="椭圆 13"/>
+            <p:cNvSpPr/>
+            <p:nvPr/>
+          </p:nvSpPr>
+          <p:spPr>
+            <a:xfrm>
+              <a:off x="2222950" y="1362339"/>
+              <a:ext cx="785004" cy="785004"/>
+            </a:xfrm>
+            <a:prstGeom prst="ellipse">
+              <a:avLst/>
+            </a:prstGeom>
+            <a:solidFill>
+              <a:srgbClr val="80D6FF"/>
+            </a:solidFill>
+            <a:ln w="38100">
+              <a:solidFill>
+                <a:schemeClr val="tx1"/>
+              </a:solidFill>
+            </a:ln>
+          </p:spPr>
+          <p:style>
+            <a:lnRef idx="2">
+              <a:schemeClr val="accent1">
+                <a:shade val="50000"/>
+              </a:schemeClr>
+            </a:lnRef>
+            <a:fillRef idx="1">
+              <a:schemeClr val="accent1"/>
+            </a:fillRef>
+            <a:effectRef idx="0">
+              <a:schemeClr val="accent1"/>
+            </a:effectRef>
+            <a:fontRef idx="minor">
+              <a:schemeClr val="lt1"/>
+            </a:fontRef>
+          </p:style>
+          <p:txBody>
+            <a:bodyPr rtlCol="0" anchor="ctr"/>
+            <a:lstStyle/>
+            <a:p>
+              <a:pPr algn="ctr"/>
+              <a:endParaRPr lang="zh-CN" altLang="en-US" dirty="0"/>
+            </a:p>
+          </p:txBody>
+        </p:sp>
+        <mc:AlternateContent xmlns:mc="http://schemas.openxmlformats.org/markup-compatibility/2006" xmlns:a14="http://schemas.microsoft.com/office/drawing/2010/main">
+          <mc:Choice Requires="a14">
+            <p:sp>
+              <p:nvSpPr>
+                <p:cNvPr id="15" name="文本框 14"/>
+                <p:cNvSpPr txBox="1"/>
+                <p:nvPr/>
+              </p:nvSpPr>
+              <p:spPr>
+                <a:xfrm>
+                  <a:off x="2325246" y="1458727"/>
+                  <a:ext cx="628057" cy="523220"/>
+                </a:xfrm>
+                <a:prstGeom prst="rect">
+                  <a:avLst/>
+                </a:prstGeom>
+                <a:noFill/>
+              </p:spPr>
+              <p:txBody>
+                <a:bodyPr wrap="none" rtlCol="0">
+                  <a:spAutoFit/>
+                </a:bodyPr>
+                <a:lstStyle/>
+                <a:p>
+                  <a:pPr/>
+                  <a14:m>
+                    <m:oMathPara xmlns:m="http://schemas.openxmlformats.org/officeDocument/2006/math">
+                      <m:oMathParaPr>
+                        <m:jc m:val="centerGroup"/>
+                      </m:oMathParaPr>
+                      <m:oMath xmlns:m="http://schemas.openxmlformats.org/officeDocument/2006/math">
+                        <m:sSub>
+                          <m:sSubPr>
+                            <m:ctrlPr>
+                              <a:rPr lang="en-US" altLang="zh-CN" sz="2800" b="0" i="1" smtClean="0">
+                                <a:latin typeface="Cambria Math" panose="02040503050406030204" pitchFamily="18" charset="0"/>
+                              </a:rPr>
+                            </m:ctrlPr>
+                          </m:sSubPr>
+                          <m:e>
+                            <m:r>
+                              <a:rPr lang="en-US" altLang="zh-CN" sz="2800" b="0" i="1" smtClean="0">
+                                <a:latin typeface="Cambria Math" panose="02040503050406030204" pitchFamily="18" charset="0"/>
+                              </a:rPr>
+                              <m:t>𝑐</m:t>
+                            </m:r>
+                          </m:e>
+                          <m:sub>
+                            <m:r>
+                              <a:rPr lang="en-US" altLang="zh-CN" sz="2800" b="0" i="1" smtClean="0">
+                                <a:latin typeface="Cambria Math" panose="02040503050406030204" pitchFamily="18" charset="0"/>
+                              </a:rPr>
+                              <m:t>𝑛</m:t>
+                            </m:r>
+                          </m:sub>
+                        </m:sSub>
+                      </m:oMath>
+                    </m:oMathPara>
+                  </a14:m>
+                  <a:endParaRPr lang="zh-CN" altLang="en-US" dirty="0"/>
+                </a:p>
+              </p:txBody>
+            </p:sp>
+          </mc:Choice>
+          <mc:Fallback xmlns="">
+            <p:sp>
+              <p:nvSpPr>
+                <p:cNvPr id="15" name="文本框 14"/>
+                <p:cNvSpPr txBox="1">
+                  <a:spLocks noRot="1" noChangeAspect="1" noMove="1" noResize="1" noEditPoints="1" noAdjustHandles="1" noChangeArrowheads="1" noChangeShapeType="1" noTextEdit="1"/>
+                </p:cNvSpPr>
+                <p:nvPr/>
+              </p:nvSpPr>
+              <p:spPr>
+                <a:xfrm>
+                  <a:off x="2325246" y="1458727"/>
+                  <a:ext cx="628057" cy="523220"/>
+                </a:xfrm>
+                <a:prstGeom prst="rect">
+                  <a:avLst/>
+                </a:prstGeom>
+                <a:blipFill>
+                  <a:blip r:embed="rId5"/>
+                  <a:stretch>
+                    <a:fillRect/>
+                  </a:stretch>
+                </a:blipFill>
+              </p:spPr>
+              <p:txBody>
+                <a:bodyPr/>
+                <a:lstStyle/>
+                <a:p>
+                  <a:r>
+                    <a:rPr lang="zh-CN" altLang="en-US">
+                      <a:noFill/>
+                    </a:rPr>
+                    <a:t> </a:t>
+                  </a:r>
+                </a:p>
+              </p:txBody>
+            </p:sp>
+          </mc:Fallback>
+        </mc:AlternateContent>
+      </p:grpSp>
+      <mc:AlternateContent xmlns:mc="http://schemas.openxmlformats.org/markup-compatibility/2006">
+        <mc:Choice xmlns:a14="http://schemas.microsoft.com/office/drawing/2010/main" Requires="a14">
+          <p:sp>
+            <p:nvSpPr>
+              <p:cNvPr id="34" name="文本框 33"/>
+              <p:cNvSpPr txBox="1"/>
+              <p:nvPr/>
+            </p:nvSpPr>
+            <p:spPr>
+              <a:xfrm>
+                <a:off x="4866657" y="1322255"/>
+                <a:ext cx="712053" cy="707886"/>
+              </a:xfrm>
+              <a:prstGeom prst="rect">
+                <a:avLst/>
+              </a:prstGeom>
+              <a:noFill/>
+            </p:spPr>
+            <p:txBody>
+              <a:bodyPr wrap="none" rtlCol="0">
+                <a:spAutoFit/>
+              </a:bodyPr>
+              <a:lstStyle/>
+              <a:p>
+                <a:pPr/>
+                <a14:m>
+                  <m:oMathPara xmlns:m="http://schemas.openxmlformats.org/officeDocument/2006/math">
+                    <m:oMathParaPr>
+                      <m:jc m:val="centerGroup"/>
+                    </m:oMathParaPr>
+                    <m:oMath xmlns:m="http://schemas.openxmlformats.org/officeDocument/2006/math">
+                      <m:r>
+                        <a:rPr lang="en-US" altLang="zh-CN" sz="4000" b="0" i="1" smtClean="0">
+                          <a:latin typeface="Cambria Math" panose="02040503050406030204" pitchFamily="18" charset="0"/>
+                        </a:rPr>
+                        <m:t>…</m:t>
+                      </m:r>
+                    </m:oMath>
+                  </m:oMathPara>
+                </a14:m>
+                <a:endParaRPr lang="zh-CN" altLang="en-US" sz="4000" dirty="0"/>
+              </a:p>
+            </p:txBody>
+          </p:sp>
+        </mc:Choice>
+        <mc:Fallback>
+          <p:sp>
+            <p:nvSpPr>
+              <p:cNvPr id="34" name="文本框 33"/>
+              <p:cNvSpPr txBox="1">
+                <a:spLocks noRot="1" noChangeAspect="1" noMove="1" noResize="1" noEditPoints="1" noAdjustHandles="1" noChangeArrowheads="1" noChangeShapeType="1" noTextEdit="1"/>
+              </p:cNvSpPr>
+              <p:nvPr/>
+            </p:nvSpPr>
+            <p:spPr>
+              <a:xfrm>
+                <a:off x="4866657" y="1322255"/>
+                <a:ext cx="712053" cy="707886"/>
+              </a:xfrm>
+              <a:prstGeom prst="rect">
+                <a:avLst/>
+              </a:prstGeom>
+              <a:blipFill>
+                <a:blip r:embed="rId6"/>
+                <a:stretch>
+                  <a:fillRect/>
+                </a:stretch>
+              </a:blipFill>
+            </p:spPr>
+            <p:txBody>
+              <a:bodyPr/>
+              <a:lstStyle/>
+              <a:p>
+                <a:r>
+                  <a:rPr lang="en-US">
+                    <a:noFill/>
+                  </a:rPr>
+                  <a:t> </a:t>
+                </a:r>
+              </a:p>
+            </p:txBody>
+          </p:sp>
+        </mc:Fallback>
+      </mc:AlternateContent>
+      <mc:AlternateContent xmlns:mc="http://schemas.openxmlformats.org/markup-compatibility/2006">
+        <mc:Choice xmlns:a14="http://schemas.microsoft.com/office/drawing/2010/main" Requires="a14">
+          <p:sp>
+            <p:nvSpPr>
+              <p:cNvPr id="35" name="文本框 34"/>
+              <p:cNvSpPr txBox="1"/>
+              <p:nvPr/>
+            </p:nvSpPr>
+            <p:spPr>
+              <a:xfrm>
+                <a:off x="7198075" y="1316562"/>
+                <a:ext cx="712053" cy="707886"/>
+              </a:xfrm>
+              <a:prstGeom prst="rect">
+                <a:avLst/>
+              </a:prstGeom>
+              <a:noFill/>
+            </p:spPr>
+            <p:txBody>
+              <a:bodyPr wrap="none" rtlCol="0">
+                <a:spAutoFit/>
+              </a:bodyPr>
+              <a:lstStyle/>
+              <a:p>
+                <a:pPr/>
+                <a14:m>
+                  <m:oMathPara xmlns:m="http://schemas.openxmlformats.org/officeDocument/2006/math">
+                    <m:oMathParaPr>
+                      <m:jc m:val="centerGroup"/>
+                    </m:oMathParaPr>
+                    <m:oMath xmlns:m="http://schemas.openxmlformats.org/officeDocument/2006/math">
+                      <m:r>
+                        <a:rPr lang="en-US" altLang="zh-CN" sz="4000" b="0" i="1" smtClean="0">
+                          <a:latin typeface="Cambria Math" panose="02040503050406030204" pitchFamily="18" charset="0"/>
+                        </a:rPr>
+                        <m:t>…</m:t>
+                      </m:r>
+                    </m:oMath>
+                  </m:oMathPara>
+                </a14:m>
+                <a:endParaRPr lang="zh-CN" altLang="en-US" sz="4000" dirty="0"/>
+              </a:p>
+            </p:txBody>
+          </p:sp>
+        </mc:Choice>
+        <mc:Fallback>
+          <p:sp>
+            <p:nvSpPr>
+              <p:cNvPr id="35" name="文本框 34"/>
+              <p:cNvSpPr txBox="1">
+                <a:spLocks noRot="1" noChangeAspect="1" noMove="1" noResize="1" noEditPoints="1" noAdjustHandles="1" noChangeArrowheads="1" noChangeShapeType="1" noTextEdit="1"/>
+              </p:cNvSpPr>
+              <p:nvPr/>
+            </p:nvSpPr>
+            <p:spPr>
+              <a:xfrm>
+                <a:off x="7198075" y="1316562"/>
+                <a:ext cx="712053" cy="707886"/>
+              </a:xfrm>
+              <a:prstGeom prst="rect">
+                <a:avLst/>
+              </a:prstGeom>
+              <a:blipFill>
+                <a:blip r:embed="rId7"/>
+                <a:stretch>
+                  <a:fillRect/>
+                </a:stretch>
+              </a:blipFill>
+            </p:spPr>
+            <p:txBody>
+              <a:bodyPr/>
+              <a:lstStyle/>
+              <a:p>
+                <a:r>
+                  <a:rPr lang="en-US">
+                    <a:noFill/>
+                  </a:rPr>
+                  <a:t> </a:t>
+                </a:r>
+              </a:p>
+            </p:txBody>
+          </p:sp>
+        </mc:Fallback>
+      </mc:AlternateContent>
+      <p:grpSp>
+        <p:nvGrpSpPr>
+          <p:cNvPr id="39" name="组合 38"/>
+          <p:cNvGrpSpPr/>
+          <p:nvPr/>
+        </p:nvGrpSpPr>
+        <p:grpSpPr>
+          <a:xfrm>
+            <a:off x="2222950" y="4072859"/>
+            <a:ext cx="6903871" cy="884668"/>
+            <a:chOff x="2222950" y="4072859"/>
+            <a:chExt cx="6903871" cy="884668"/>
           </a:xfrm>
         </p:grpSpPr>
         <p:grpSp>
           <p:nvGrpSpPr>
-            <p:cNvPr id="2" name="组合 1"/>
+            <p:cNvPr id="16" name="组合 15"/>
             <p:cNvGrpSpPr/>
             <p:nvPr/>
           </p:nvGrpSpPr>
           <p:grpSpPr>
             <a:xfrm>
-              <a:off x="1531884" y="1316562"/>
-              <a:ext cx="7738456" cy="3640965"/>
-              <a:chOff x="1531884" y="1316562"/>
-              <a:chExt cx="7738456" cy="3640965"/>
+              <a:off x="2222950" y="4172523"/>
+              <a:ext cx="785004" cy="785004"/>
+              <a:chOff x="2222950" y="1362339"/>
+              <a:chExt cx="785004" cy="785004"/>
             </a:xfrm>
           </p:grpSpPr>
-          <p:grpSp>
-            <p:nvGrpSpPr>
-              <p:cNvPr id="38" name="组合 37"/>
-              <p:cNvGrpSpPr/>
+          <p:sp>
+            <p:nvSpPr>
+              <p:cNvPr id="17" name="椭圆 16"/>
+              <p:cNvSpPr/>
               <p:nvPr/>
-            </p:nvGrpSpPr>
-            <p:grpSpPr>
-              <a:xfrm>
-                <a:off x="2222950" y="1316562"/>
-                <a:ext cx="6879356" cy="878975"/>
-                <a:chOff x="2222950" y="1316562"/>
-                <a:chExt cx="6879356" cy="878975"/>
-              </a:xfrm>
-            </p:grpSpPr>
-            <p:grpSp>
-              <p:nvGrpSpPr>
-                <p:cNvPr id="6" name="组合 5"/>
-                <p:cNvGrpSpPr/>
-                <p:nvPr/>
-              </p:nvGrpSpPr>
-              <p:grpSpPr>
-                <a:xfrm>
-                  <a:off x="2222950" y="1410533"/>
-                  <a:ext cx="785004" cy="785004"/>
-                  <a:chOff x="2222950" y="1362339"/>
-                  <a:chExt cx="785004" cy="785004"/>
-                </a:xfrm>
-              </p:grpSpPr>
-              <p:sp>
-                <p:nvSpPr>
-                  <p:cNvPr id="4" name="椭圆 3"/>
-                  <p:cNvSpPr/>
-                  <p:nvPr/>
-                </p:nvSpPr>
-                <p:spPr>
-                  <a:xfrm>
-                    <a:off x="2222950" y="1362339"/>
-                    <a:ext cx="785004" cy="785004"/>
-                  </a:xfrm>
-                  <a:prstGeom prst="ellipse">
-                    <a:avLst/>
-                  </a:prstGeom>
-                  <a:solidFill>
-                    <a:srgbClr val="80D6FF"/>
-                  </a:solidFill>
-                  <a:ln w="38100">
-                    <a:solidFill>
-                      <a:schemeClr val="tx1"/>
-                    </a:solidFill>
-                  </a:ln>
-                </p:spPr>
-                <p:style>
-                  <a:lnRef idx="2">
-                    <a:schemeClr val="accent1">
-                      <a:shade val="50000"/>
-                    </a:schemeClr>
-                  </a:lnRef>
-                  <a:fillRef idx="1">
-                    <a:schemeClr val="accent1"/>
-                  </a:fillRef>
-                  <a:effectRef idx="0">
-                    <a:schemeClr val="accent1"/>
-                  </a:effectRef>
-                  <a:fontRef idx="minor">
-                    <a:schemeClr val="lt1"/>
-                  </a:fontRef>
-                </p:style>
-                <p:txBody>
-                  <a:bodyPr rtlCol="0" anchor="ctr"/>
-                  <a:lstStyle/>
-                  <a:p>
-                    <a:pPr algn="ctr"/>
-                    <a:endParaRPr lang="zh-CN" altLang="en-US" dirty="0"/>
-                  </a:p>
-                </p:txBody>
-              </p:sp>
-              <mc:AlternateContent xmlns:mc="http://schemas.openxmlformats.org/markup-compatibility/2006" xmlns:a14="http://schemas.microsoft.com/office/drawing/2010/main">
-                <mc:Choice Requires="a14">
-                  <p:sp>
-                    <p:nvSpPr>
-                      <p:cNvPr id="5" name="文本框 4"/>
-                      <p:cNvSpPr txBox="1"/>
-                      <p:nvPr/>
-                    </p:nvSpPr>
-                    <p:spPr>
-                      <a:xfrm>
-                        <a:off x="2325246" y="1458727"/>
-                        <a:ext cx="597664" cy="523220"/>
-                      </a:xfrm>
-                      <a:prstGeom prst="rect">
-                        <a:avLst/>
-                      </a:prstGeom>
-                      <a:noFill/>
-                    </p:spPr>
-                    <p:txBody>
-                      <a:bodyPr wrap="none" rtlCol="0">
-                        <a:spAutoFit/>
-                      </a:bodyPr>
-                      <a:lstStyle/>
-                      <a:p>
-                        <a:pPr/>
-                        <a14:m>
-                          <m:oMathPara xmlns:m="http://schemas.openxmlformats.org/officeDocument/2006/math">
-                            <m:oMathParaPr>
-                              <m:jc m:val="centerGroup"/>
-                            </m:oMathParaPr>
-                            <m:oMath xmlns:m="http://schemas.openxmlformats.org/officeDocument/2006/math">
-                              <m:sSub>
-                                <m:sSubPr>
-                                  <m:ctrlPr>
-                                    <a:rPr lang="en-US" altLang="zh-CN" sz="2800" b="0" i="1" smtClean="0">
-                                      <a:latin typeface="Cambria Math" panose="02040503050406030204" pitchFamily="18" charset="0"/>
-                                    </a:rPr>
-                                  </m:ctrlPr>
-                                </m:sSubPr>
-                                <m:e>
-                                  <m:r>
-                                    <a:rPr lang="en-US" altLang="zh-CN" sz="2800" b="0" i="1" smtClean="0">
-                                      <a:latin typeface="Cambria Math" panose="02040503050406030204" pitchFamily="18" charset="0"/>
-                                    </a:rPr>
-                                    <m:t>𝑐</m:t>
-                                  </m:r>
-                                </m:e>
-                                <m:sub>
-                                  <m:r>
-                                    <a:rPr lang="en-US" altLang="zh-CN" sz="2800" b="0" i="1" smtClean="0">
-                                      <a:latin typeface="Cambria Math" panose="02040503050406030204" pitchFamily="18" charset="0"/>
-                                    </a:rPr>
-                                    <m:t>1</m:t>
-                                  </m:r>
-                                </m:sub>
-                              </m:sSub>
-                            </m:oMath>
-                          </m:oMathPara>
-                        </a14:m>
-                        <a:endParaRPr lang="zh-CN" altLang="en-US" dirty="0"/>
-                      </a:p>
-                    </p:txBody>
-                  </p:sp>
-                </mc:Choice>
-                <mc:Fallback xmlns="">
-                  <p:sp>
-                    <p:nvSpPr>
-                      <p:cNvPr id="5" name="文本框 4"/>
-                      <p:cNvSpPr txBox="1">
-                        <a:spLocks noRot="1" noChangeAspect="1" noMove="1" noResize="1" noEditPoints="1" noAdjustHandles="1" noChangeArrowheads="1" noChangeShapeType="1" noTextEdit="1"/>
-                      </p:cNvSpPr>
-                      <p:nvPr/>
-                    </p:nvSpPr>
-                    <p:spPr>
-                      <a:xfrm>
-                        <a:off x="2325246" y="1458727"/>
-                        <a:ext cx="597664" cy="523220"/>
-                      </a:xfrm>
-                      <a:prstGeom prst="rect">
-                        <a:avLst/>
-                      </a:prstGeom>
-                      <a:blipFill>
-                        <a:blip r:embed="rId2"/>
-                        <a:stretch>
-                          <a:fillRect/>
-                        </a:stretch>
-                      </a:blipFill>
-                    </p:spPr>
-                    <p:txBody>
-                      <a:bodyPr/>
-                      <a:lstStyle/>
-                      <a:p>
-                        <a:r>
-                          <a:rPr lang="zh-CN" altLang="en-US">
-                            <a:noFill/>
-                          </a:rPr>
-                          <a:t> </a:t>
-                        </a:r>
-                      </a:p>
-                    </p:txBody>
-                  </p:sp>
-                </mc:Fallback>
-              </mc:AlternateContent>
-            </p:grpSp>
-            <p:grpSp>
-              <p:nvGrpSpPr>
-                <p:cNvPr id="7" name="组合 6"/>
-                <p:cNvGrpSpPr/>
-                <p:nvPr/>
-              </p:nvGrpSpPr>
-              <p:grpSpPr>
-                <a:xfrm>
-                  <a:off x="3667809" y="1410533"/>
-                  <a:ext cx="785004" cy="785004"/>
-                  <a:chOff x="2222950" y="1362339"/>
-                  <a:chExt cx="785004" cy="785004"/>
-                </a:xfrm>
-              </p:grpSpPr>
-              <p:sp>
-                <p:nvSpPr>
-                  <p:cNvPr id="8" name="椭圆 7"/>
-                  <p:cNvSpPr/>
-                  <p:nvPr/>
-                </p:nvSpPr>
-                <p:spPr>
-                  <a:xfrm>
-                    <a:off x="2222950" y="1362339"/>
-                    <a:ext cx="785004" cy="785004"/>
-                  </a:xfrm>
-                  <a:prstGeom prst="ellipse">
-                    <a:avLst/>
-                  </a:prstGeom>
-                  <a:solidFill>
-                    <a:srgbClr val="80D6FF"/>
-                  </a:solidFill>
-                  <a:ln w="38100">
-                    <a:solidFill>
-                      <a:schemeClr val="tx1"/>
-                    </a:solidFill>
-                  </a:ln>
-                </p:spPr>
-                <p:style>
-                  <a:lnRef idx="2">
-                    <a:schemeClr val="accent1">
-                      <a:shade val="50000"/>
-                    </a:schemeClr>
-                  </a:lnRef>
-                  <a:fillRef idx="1">
-                    <a:schemeClr val="accent1"/>
-                  </a:fillRef>
-                  <a:effectRef idx="0">
-                    <a:schemeClr val="accent1"/>
-                  </a:effectRef>
-                  <a:fontRef idx="minor">
-                    <a:schemeClr val="lt1"/>
-                  </a:fontRef>
-                </p:style>
-                <p:txBody>
-                  <a:bodyPr rtlCol="0" anchor="ctr"/>
-                  <a:lstStyle/>
-                  <a:p>
-                    <a:pPr algn="ctr"/>
-                    <a:endParaRPr lang="zh-CN" altLang="en-US" dirty="0"/>
-                  </a:p>
-                </p:txBody>
-              </p:sp>
-              <mc:AlternateContent xmlns:mc="http://schemas.openxmlformats.org/markup-compatibility/2006" xmlns:a14="http://schemas.microsoft.com/office/drawing/2010/main">
-                <mc:Choice Requires="a14">
-                  <p:sp>
-                    <p:nvSpPr>
-                      <p:cNvPr id="9" name="文本框 8"/>
-                      <p:cNvSpPr txBox="1"/>
-                      <p:nvPr/>
-                    </p:nvSpPr>
-                    <p:spPr>
-                      <a:xfrm>
-                        <a:off x="2325246" y="1458727"/>
-                        <a:ext cx="605935" cy="523220"/>
-                      </a:xfrm>
-                      <a:prstGeom prst="rect">
-                        <a:avLst/>
-                      </a:prstGeom>
-                      <a:noFill/>
-                    </p:spPr>
-                    <p:txBody>
-                      <a:bodyPr wrap="none" rtlCol="0">
-                        <a:spAutoFit/>
-                      </a:bodyPr>
-                      <a:lstStyle/>
-                      <a:p>
-                        <a:pPr/>
-                        <a14:m>
-                          <m:oMathPara xmlns:m="http://schemas.openxmlformats.org/officeDocument/2006/math">
-                            <m:oMathParaPr>
-                              <m:jc m:val="centerGroup"/>
-                            </m:oMathParaPr>
-                            <m:oMath xmlns:m="http://schemas.openxmlformats.org/officeDocument/2006/math">
-                              <m:sSub>
-                                <m:sSubPr>
-                                  <m:ctrlPr>
-                                    <a:rPr lang="en-US" altLang="zh-CN" sz="2800" b="0" i="1" smtClean="0">
-                                      <a:latin typeface="Cambria Math" panose="02040503050406030204" pitchFamily="18" charset="0"/>
-                                    </a:rPr>
-                                  </m:ctrlPr>
-                                </m:sSubPr>
-                                <m:e>
-                                  <m:r>
-                                    <a:rPr lang="en-US" altLang="zh-CN" sz="2800" b="0" i="1" smtClean="0">
-                                      <a:latin typeface="Cambria Math" panose="02040503050406030204" pitchFamily="18" charset="0"/>
-                                    </a:rPr>
-                                    <m:t>𝑐</m:t>
-                                  </m:r>
-                                </m:e>
-                                <m:sub>
-                                  <m:r>
-                                    <a:rPr lang="en-US" altLang="zh-CN" sz="2800" b="0" i="1" smtClean="0">
-                                      <a:latin typeface="Cambria Math" panose="02040503050406030204" pitchFamily="18" charset="0"/>
-                                    </a:rPr>
-                                    <m:t>2</m:t>
-                                  </m:r>
-                                </m:sub>
-                              </m:sSub>
-                            </m:oMath>
-                          </m:oMathPara>
-                        </a14:m>
-                        <a:endParaRPr lang="zh-CN" altLang="en-US" dirty="0"/>
-                      </a:p>
-                    </p:txBody>
-                  </p:sp>
-                </mc:Choice>
-                <mc:Fallback xmlns="">
-                  <p:sp>
-                    <p:nvSpPr>
-                      <p:cNvPr id="9" name="文本框 8"/>
-                      <p:cNvSpPr txBox="1">
-                        <a:spLocks noRot="1" noChangeAspect="1" noMove="1" noResize="1" noEditPoints="1" noAdjustHandles="1" noChangeArrowheads="1" noChangeShapeType="1" noTextEdit="1"/>
-                      </p:cNvSpPr>
-                      <p:nvPr/>
-                    </p:nvSpPr>
-                    <p:spPr>
-                      <a:xfrm>
-                        <a:off x="2325246" y="1458727"/>
-                        <a:ext cx="605935" cy="523220"/>
-                      </a:xfrm>
-                      <a:prstGeom prst="rect">
-                        <a:avLst/>
-                      </a:prstGeom>
-                      <a:blipFill>
-                        <a:blip r:embed="rId3"/>
-                        <a:stretch>
-                          <a:fillRect/>
-                        </a:stretch>
-                      </a:blipFill>
-                    </p:spPr>
-                    <p:txBody>
-                      <a:bodyPr/>
-                      <a:lstStyle/>
-                      <a:p>
-                        <a:r>
-                          <a:rPr lang="zh-CN" altLang="en-US">
-                            <a:noFill/>
-                          </a:rPr>
-                          <a:t> </a:t>
-                        </a:r>
-                      </a:p>
-                    </p:txBody>
-                  </p:sp>
-                </mc:Fallback>
-              </mc:AlternateContent>
-            </p:grpSp>
-            <p:grpSp>
-              <p:nvGrpSpPr>
-                <p:cNvPr id="10" name="组合 9"/>
-                <p:cNvGrpSpPr/>
-                <p:nvPr/>
-              </p:nvGrpSpPr>
-              <p:grpSpPr>
-                <a:xfrm>
-                  <a:off x="5992555" y="1410533"/>
-                  <a:ext cx="785004" cy="785004"/>
-                  <a:chOff x="2222950" y="1362339"/>
-                  <a:chExt cx="785004" cy="785004"/>
-                </a:xfrm>
-              </p:grpSpPr>
-              <p:sp>
-                <p:nvSpPr>
-                  <p:cNvPr id="11" name="椭圆 10"/>
-                  <p:cNvSpPr/>
-                  <p:nvPr/>
-                </p:nvSpPr>
-                <p:spPr>
-                  <a:xfrm>
-                    <a:off x="2222950" y="1362339"/>
-                    <a:ext cx="785004" cy="785004"/>
-                  </a:xfrm>
-                  <a:prstGeom prst="ellipse">
-                    <a:avLst/>
-                  </a:prstGeom>
-                  <a:solidFill>
-                    <a:srgbClr val="80D6FF"/>
-                  </a:solidFill>
-                  <a:ln w="38100">
-                    <a:solidFill>
-                      <a:schemeClr val="tx1"/>
-                    </a:solidFill>
-                  </a:ln>
-                </p:spPr>
-                <p:style>
-                  <a:lnRef idx="2">
-                    <a:schemeClr val="accent1">
-                      <a:shade val="50000"/>
-                    </a:schemeClr>
-                  </a:lnRef>
-                  <a:fillRef idx="1">
-                    <a:schemeClr val="accent1"/>
-                  </a:fillRef>
-                  <a:effectRef idx="0">
-                    <a:schemeClr val="accent1"/>
-                  </a:effectRef>
-                  <a:fontRef idx="minor">
-                    <a:schemeClr val="lt1"/>
-                  </a:fontRef>
-                </p:style>
-                <p:txBody>
-                  <a:bodyPr rtlCol="0" anchor="ctr"/>
-                  <a:lstStyle/>
-                  <a:p>
-                    <a:pPr algn="ctr"/>
-                    <a:endParaRPr lang="zh-CN" altLang="en-US" dirty="0"/>
-                  </a:p>
-                </p:txBody>
-              </p:sp>
-              <mc:AlternateContent xmlns:mc="http://schemas.openxmlformats.org/markup-compatibility/2006" xmlns:a14="http://schemas.microsoft.com/office/drawing/2010/main">
-                <mc:Choice Requires="a14">
-                  <p:sp>
-                    <p:nvSpPr>
-                      <p:cNvPr id="12" name="文本框 11"/>
-                      <p:cNvSpPr txBox="1"/>
-                      <p:nvPr/>
-                    </p:nvSpPr>
-                    <p:spPr>
-                      <a:xfrm>
-                        <a:off x="2325246" y="1458727"/>
-                        <a:ext cx="553934" cy="523220"/>
-                      </a:xfrm>
-                      <a:prstGeom prst="rect">
-                        <a:avLst/>
-                      </a:prstGeom>
-                      <a:noFill/>
-                    </p:spPr>
-                    <p:txBody>
-                      <a:bodyPr wrap="none" rtlCol="0">
-                        <a:spAutoFit/>
-                      </a:bodyPr>
-                      <a:lstStyle/>
-                      <a:p>
-                        <a:pPr/>
-                        <a14:m>
-                          <m:oMathPara xmlns:m="http://schemas.openxmlformats.org/officeDocument/2006/math">
-                            <m:oMathParaPr>
-                              <m:jc m:val="centerGroup"/>
-                            </m:oMathParaPr>
-                            <m:oMath xmlns:m="http://schemas.openxmlformats.org/officeDocument/2006/math">
-                              <m:sSub>
-                                <m:sSubPr>
-                                  <m:ctrlPr>
-                                    <a:rPr lang="en-US" altLang="zh-CN" sz="2800" b="0" i="1" smtClean="0">
-                                      <a:latin typeface="Cambria Math" panose="02040503050406030204" pitchFamily="18" charset="0"/>
-                                    </a:rPr>
-                                  </m:ctrlPr>
-                                </m:sSubPr>
-                                <m:e>
-                                  <m:r>
-                                    <a:rPr lang="en-US" altLang="zh-CN" sz="2800" b="0" i="1" smtClean="0">
-                                      <a:latin typeface="Cambria Math" panose="02040503050406030204" pitchFamily="18" charset="0"/>
-                                    </a:rPr>
-                                    <m:t>𝑐</m:t>
-                                  </m:r>
-                                </m:e>
-                                <m:sub>
-                                  <m:r>
-                                    <a:rPr lang="en-US" altLang="zh-CN" sz="2800" b="0" i="1" smtClean="0">
-                                      <a:latin typeface="Cambria Math" panose="02040503050406030204" pitchFamily="18" charset="0"/>
-                                    </a:rPr>
-                                    <m:t>𝑖</m:t>
-                                  </m:r>
-                                </m:sub>
-                              </m:sSub>
-                            </m:oMath>
-                          </m:oMathPara>
-                        </a14:m>
-                        <a:endParaRPr lang="zh-CN" altLang="en-US" dirty="0"/>
-                      </a:p>
-                    </p:txBody>
-                  </p:sp>
-                </mc:Choice>
-                <mc:Fallback xmlns="">
-                  <p:sp>
-                    <p:nvSpPr>
-                      <p:cNvPr id="12" name="文本框 11"/>
-                      <p:cNvSpPr txBox="1">
-                        <a:spLocks noRot="1" noChangeAspect="1" noMove="1" noResize="1" noEditPoints="1" noAdjustHandles="1" noChangeArrowheads="1" noChangeShapeType="1" noTextEdit="1"/>
-                      </p:cNvSpPr>
-                      <p:nvPr/>
-                    </p:nvSpPr>
-                    <p:spPr>
-                      <a:xfrm>
-                        <a:off x="2325246" y="1458727"/>
-                        <a:ext cx="553934" cy="523220"/>
-                      </a:xfrm>
-                      <a:prstGeom prst="rect">
-                        <a:avLst/>
-                      </a:prstGeom>
-                      <a:blipFill>
-                        <a:blip r:embed="rId4"/>
-                        <a:stretch>
-                          <a:fillRect/>
-                        </a:stretch>
-                      </a:blipFill>
-                    </p:spPr>
-                    <p:txBody>
-                      <a:bodyPr/>
-                      <a:lstStyle/>
-                      <a:p>
-                        <a:r>
-                          <a:rPr lang="zh-CN" altLang="en-US">
-                            <a:noFill/>
-                          </a:rPr>
-                          <a:t> </a:t>
-                        </a:r>
-                      </a:p>
-                    </p:txBody>
-                  </p:sp>
-                </mc:Fallback>
-              </mc:AlternateContent>
-            </p:grpSp>
-            <p:grpSp>
-              <p:nvGrpSpPr>
-                <p:cNvPr id="13" name="组合 12"/>
-                <p:cNvGrpSpPr/>
-                <p:nvPr/>
-              </p:nvGrpSpPr>
-              <p:grpSpPr>
-                <a:xfrm>
-                  <a:off x="8317302" y="1410533"/>
-                  <a:ext cx="785004" cy="785004"/>
-                  <a:chOff x="2222950" y="1362339"/>
-                  <a:chExt cx="785004" cy="785004"/>
-                </a:xfrm>
-              </p:grpSpPr>
-              <p:sp>
-                <p:nvSpPr>
-                  <p:cNvPr id="14" name="椭圆 13"/>
-                  <p:cNvSpPr/>
-                  <p:nvPr/>
-                </p:nvSpPr>
-                <p:spPr>
-                  <a:xfrm>
-                    <a:off x="2222950" y="1362339"/>
-                    <a:ext cx="785004" cy="785004"/>
-                  </a:xfrm>
-                  <a:prstGeom prst="ellipse">
-                    <a:avLst/>
-                  </a:prstGeom>
-                  <a:solidFill>
-                    <a:srgbClr val="80D6FF"/>
-                  </a:solidFill>
-                  <a:ln w="38100">
-                    <a:solidFill>
-                      <a:schemeClr val="tx1"/>
-                    </a:solidFill>
-                  </a:ln>
-                </p:spPr>
-                <p:style>
-                  <a:lnRef idx="2">
-                    <a:schemeClr val="accent1">
-                      <a:shade val="50000"/>
-                    </a:schemeClr>
-                  </a:lnRef>
-                  <a:fillRef idx="1">
-                    <a:schemeClr val="accent1"/>
-                  </a:fillRef>
-                  <a:effectRef idx="0">
-                    <a:schemeClr val="accent1"/>
-                  </a:effectRef>
-                  <a:fontRef idx="minor">
-                    <a:schemeClr val="lt1"/>
-                  </a:fontRef>
-                </p:style>
-                <p:txBody>
-                  <a:bodyPr rtlCol="0" anchor="ctr"/>
-                  <a:lstStyle/>
-                  <a:p>
-                    <a:pPr algn="ctr"/>
-                    <a:endParaRPr lang="zh-CN" altLang="en-US" dirty="0"/>
-                  </a:p>
-                </p:txBody>
-              </p:sp>
-              <mc:AlternateContent xmlns:mc="http://schemas.openxmlformats.org/markup-compatibility/2006" xmlns:a14="http://schemas.microsoft.com/office/drawing/2010/main">
-                <mc:Choice Requires="a14">
-                  <p:sp>
-                    <p:nvSpPr>
-                      <p:cNvPr id="15" name="文本框 14"/>
-                      <p:cNvSpPr txBox="1"/>
-                      <p:nvPr/>
-                    </p:nvSpPr>
-                    <p:spPr>
-                      <a:xfrm>
-                        <a:off x="2325246" y="1458727"/>
-                        <a:ext cx="628057" cy="523220"/>
-                      </a:xfrm>
-                      <a:prstGeom prst="rect">
-                        <a:avLst/>
-                      </a:prstGeom>
-                      <a:noFill/>
-                    </p:spPr>
-                    <p:txBody>
-                      <a:bodyPr wrap="none" rtlCol="0">
-                        <a:spAutoFit/>
-                      </a:bodyPr>
-                      <a:lstStyle/>
-                      <a:p>
-                        <a:pPr/>
-                        <a14:m>
-                          <m:oMathPara xmlns:m="http://schemas.openxmlformats.org/officeDocument/2006/math">
-                            <m:oMathParaPr>
-                              <m:jc m:val="centerGroup"/>
-                            </m:oMathParaPr>
-                            <m:oMath xmlns:m="http://schemas.openxmlformats.org/officeDocument/2006/math">
-                              <m:sSub>
-                                <m:sSubPr>
-                                  <m:ctrlPr>
-                                    <a:rPr lang="en-US" altLang="zh-CN" sz="2800" b="0" i="1" smtClean="0">
-                                      <a:latin typeface="Cambria Math" panose="02040503050406030204" pitchFamily="18" charset="0"/>
-                                    </a:rPr>
-                                  </m:ctrlPr>
-                                </m:sSubPr>
-                                <m:e>
-                                  <m:r>
-                                    <a:rPr lang="en-US" altLang="zh-CN" sz="2800" b="0" i="1" smtClean="0">
-                                      <a:latin typeface="Cambria Math" panose="02040503050406030204" pitchFamily="18" charset="0"/>
-                                    </a:rPr>
-                                    <m:t>𝑐</m:t>
-                                  </m:r>
-                                </m:e>
-                                <m:sub>
-                                  <m:r>
-                                    <a:rPr lang="en-US" altLang="zh-CN" sz="2800" b="0" i="1" smtClean="0">
-                                      <a:latin typeface="Cambria Math" panose="02040503050406030204" pitchFamily="18" charset="0"/>
-                                    </a:rPr>
-                                    <m:t>𝑛</m:t>
-                                  </m:r>
-                                </m:sub>
-                              </m:sSub>
-                            </m:oMath>
-                          </m:oMathPara>
-                        </a14:m>
-                        <a:endParaRPr lang="zh-CN" altLang="en-US" dirty="0"/>
-                      </a:p>
-                    </p:txBody>
-                  </p:sp>
-                </mc:Choice>
-                <mc:Fallback xmlns="">
-                  <p:sp>
-                    <p:nvSpPr>
-                      <p:cNvPr id="15" name="文本框 14"/>
-                      <p:cNvSpPr txBox="1">
-                        <a:spLocks noRot="1" noChangeAspect="1" noMove="1" noResize="1" noEditPoints="1" noAdjustHandles="1" noChangeArrowheads="1" noChangeShapeType="1" noTextEdit="1"/>
-                      </p:cNvSpPr>
-                      <p:nvPr/>
-                    </p:nvSpPr>
-                    <p:spPr>
-                      <a:xfrm>
-                        <a:off x="2325246" y="1458727"/>
-                        <a:ext cx="628057" cy="523220"/>
-                      </a:xfrm>
-                      <a:prstGeom prst="rect">
-                        <a:avLst/>
-                      </a:prstGeom>
-                      <a:blipFill>
-                        <a:blip r:embed="rId5"/>
-                        <a:stretch>
-                          <a:fillRect/>
-                        </a:stretch>
-                      </a:blipFill>
-                    </p:spPr>
-                    <p:txBody>
-                      <a:bodyPr/>
-                      <a:lstStyle/>
-                      <a:p>
-                        <a:r>
-                          <a:rPr lang="zh-CN" altLang="en-US">
-                            <a:noFill/>
-                          </a:rPr>
-                          <a:t> </a:t>
-                        </a:r>
-                      </a:p>
-                    </p:txBody>
-                  </p:sp>
-                </mc:Fallback>
-              </mc:AlternateContent>
-            </p:grpSp>
-            <mc:AlternateContent xmlns:mc="http://schemas.openxmlformats.org/markup-compatibility/2006" xmlns:a14="http://schemas.microsoft.com/office/drawing/2010/main">
-              <mc:Choice Requires="a14">
-                <p:sp>
-                  <p:nvSpPr>
-                    <p:cNvPr id="34" name="文本框 33"/>
-                    <p:cNvSpPr txBox="1"/>
-                    <p:nvPr/>
-                  </p:nvSpPr>
-                  <p:spPr>
-                    <a:xfrm>
-                      <a:off x="4866657" y="1322255"/>
-                      <a:ext cx="712053" cy="707886"/>
-                    </a:xfrm>
-                    <a:prstGeom prst="rect">
-                      <a:avLst/>
-                    </a:prstGeom>
-                    <a:noFill/>
-                  </p:spPr>
-                  <p:txBody>
-                    <a:bodyPr wrap="none" rtlCol="0">
-                      <a:spAutoFit/>
-                    </a:bodyPr>
-                    <a:lstStyle/>
-                    <a:p>
-                      <a:pPr/>
-                      <a14:m>
-                        <m:oMathPara xmlns:m="http://schemas.openxmlformats.org/officeDocument/2006/math">
-                          <m:oMathParaPr>
-                            <m:jc m:val="centerGroup"/>
-                          </m:oMathParaPr>
-                          <m:oMath xmlns:m="http://schemas.openxmlformats.org/officeDocument/2006/math">
-                            <m:r>
-                              <a:rPr lang="en-US" altLang="zh-CN" sz="4000" b="0" i="1" smtClean="0">
-                                <a:latin typeface="Cambria Math" panose="02040503050406030204" pitchFamily="18" charset="0"/>
-                              </a:rPr>
-                              <m:t>…</m:t>
-                            </m:r>
-                          </m:oMath>
-                        </m:oMathPara>
-                      </a14:m>
-                      <a:endParaRPr lang="zh-CN" altLang="en-US" sz="4000" dirty="0"/>
-                    </a:p>
-                  </p:txBody>
-                </p:sp>
-              </mc:Choice>
-              <mc:Fallback xmlns="">
-                <p:sp>
-                  <p:nvSpPr>
-                    <p:cNvPr id="34" name="文本框 33"/>
-                    <p:cNvSpPr txBox="1">
-                      <a:spLocks noRot="1" noChangeAspect="1" noMove="1" noResize="1" noEditPoints="1" noAdjustHandles="1" noChangeArrowheads="1" noChangeShapeType="1" noTextEdit="1"/>
-                    </p:cNvSpPr>
-                    <p:nvPr/>
-                  </p:nvSpPr>
-                  <p:spPr>
-                    <a:xfrm>
-                      <a:off x="4866657" y="1322255"/>
-                      <a:ext cx="712053" cy="707886"/>
-                    </a:xfrm>
-                    <a:prstGeom prst="rect">
-                      <a:avLst/>
-                    </a:prstGeom>
-                    <a:blipFill>
-                      <a:blip r:embed="rId6"/>
-                      <a:stretch>
-                        <a:fillRect/>
-                      </a:stretch>
-                    </a:blipFill>
-                  </p:spPr>
-                  <p:txBody>
-                    <a:bodyPr/>
-                    <a:lstStyle/>
-                    <a:p>
-                      <a:r>
-                        <a:rPr lang="zh-CN" altLang="en-US">
-                          <a:noFill/>
-                        </a:rPr>
-                        <a:t> </a:t>
-                      </a:r>
-                    </a:p>
-                  </p:txBody>
-                </p:sp>
-              </mc:Fallback>
-            </mc:AlternateContent>
-            <mc:AlternateContent xmlns:mc="http://schemas.openxmlformats.org/markup-compatibility/2006" xmlns:a14="http://schemas.microsoft.com/office/drawing/2010/main">
-              <mc:Choice Requires="a14">
-                <p:sp>
-                  <p:nvSpPr>
-                    <p:cNvPr id="35" name="文本框 34"/>
-                    <p:cNvSpPr txBox="1"/>
-                    <p:nvPr/>
-                  </p:nvSpPr>
-                  <p:spPr>
-                    <a:xfrm>
-                      <a:off x="7198075" y="1316562"/>
-                      <a:ext cx="712053" cy="707886"/>
-                    </a:xfrm>
-                    <a:prstGeom prst="rect">
-                      <a:avLst/>
-                    </a:prstGeom>
-                    <a:noFill/>
-                  </p:spPr>
-                  <p:txBody>
-                    <a:bodyPr wrap="none" rtlCol="0">
-                      <a:spAutoFit/>
-                    </a:bodyPr>
-                    <a:lstStyle/>
-                    <a:p>
-                      <a:pPr/>
-                      <a14:m>
-                        <m:oMathPara xmlns:m="http://schemas.openxmlformats.org/officeDocument/2006/math">
-                          <m:oMathParaPr>
-                            <m:jc m:val="centerGroup"/>
-                          </m:oMathParaPr>
-                          <m:oMath xmlns:m="http://schemas.openxmlformats.org/officeDocument/2006/math">
-                            <m:r>
-                              <a:rPr lang="en-US" altLang="zh-CN" sz="4000" b="0" i="1" smtClean="0">
-                                <a:latin typeface="Cambria Math" panose="02040503050406030204" pitchFamily="18" charset="0"/>
-                              </a:rPr>
-                              <m:t>…</m:t>
-                            </m:r>
-                          </m:oMath>
-                        </m:oMathPara>
-                      </a14:m>
-                      <a:endParaRPr lang="zh-CN" altLang="en-US" sz="4000" dirty="0"/>
-                    </a:p>
-                  </p:txBody>
-                </p:sp>
-              </mc:Choice>
-              <mc:Fallback xmlns="">
-                <p:sp>
-                  <p:nvSpPr>
-                    <p:cNvPr id="35" name="文本框 34"/>
-                    <p:cNvSpPr txBox="1">
-                      <a:spLocks noRot="1" noChangeAspect="1" noMove="1" noResize="1" noEditPoints="1" noAdjustHandles="1" noChangeArrowheads="1" noChangeShapeType="1" noTextEdit="1"/>
-                    </p:cNvSpPr>
-                    <p:nvPr/>
-                  </p:nvSpPr>
-                  <p:spPr>
-                    <a:xfrm>
-                      <a:off x="7198075" y="1316562"/>
-                      <a:ext cx="712053" cy="707886"/>
-                    </a:xfrm>
-                    <a:prstGeom prst="rect">
-                      <a:avLst/>
-                    </a:prstGeom>
-                    <a:blipFill>
-                      <a:blip r:embed="rId7"/>
-                      <a:stretch>
-                        <a:fillRect/>
-                      </a:stretch>
-                    </a:blipFill>
-                  </p:spPr>
-                  <p:txBody>
-                    <a:bodyPr/>
-                    <a:lstStyle/>
-                    <a:p>
-                      <a:r>
-                        <a:rPr lang="zh-CN" altLang="en-US">
-                          <a:noFill/>
-                        </a:rPr>
-                        <a:t> </a:t>
-                      </a:r>
-                    </a:p>
-                  </p:txBody>
-                </p:sp>
-              </mc:Fallback>
-            </mc:AlternateContent>
-          </p:grpSp>
-          <p:grpSp>
-            <p:nvGrpSpPr>
-              <p:cNvPr id="39" name="组合 38"/>
-              <p:cNvGrpSpPr/>
-              <p:nvPr/>
-            </p:nvGrpSpPr>
-            <p:grpSpPr>
-              <a:xfrm>
-                <a:off x="2222950" y="4072859"/>
-                <a:ext cx="6903871" cy="884668"/>
-                <a:chOff x="2222950" y="4072859"/>
-                <a:chExt cx="6903871" cy="884668"/>
-              </a:xfrm>
-            </p:grpSpPr>
-            <p:grpSp>
-              <p:nvGrpSpPr>
-                <p:cNvPr id="16" name="组合 15"/>
-                <p:cNvGrpSpPr/>
-                <p:nvPr/>
-              </p:nvGrpSpPr>
-              <p:grpSpPr>
-                <a:xfrm>
-                  <a:off x="2222950" y="4172523"/>
-                  <a:ext cx="785004" cy="785004"/>
-                  <a:chOff x="2222950" y="1362339"/>
-                  <a:chExt cx="785004" cy="785004"/>
-                </a:xfrm>
-              </p:grpSpPr>
-              <p:sp>
-                <p:nvSpPr>
-                  <p:cNvPr id="17" name="椭圆 16"/>
-                  <p:cNvSpPr/>
-                  <p:nvPr/>
-                </p:nvSpPr>
-                <p:spPr>
-                  <a:xfrm>
-                    <a:off x="2222950" y="1362339"/>
-                    <a:ext cx="785004" cy="785004"/>
-                  </a:xfrm>
-                  <a:prstGeom prst="ellipse">
-                    <a:avLst/>
-                  </a:prstGeom>
-                  <a:solidFill>
-                    <a:srgbClr val="FFEB3B"/>
-                  </a:solidFill>
-                  <a:ln w="38100">
-                    <a:solidFill>
-                      <a:schemeClr val="tx1"/>
-                    </a:solidFill>
-                  </a:ln>
-                </p:spPr>
-                <p:style>
-                  <a:lnRef idx="2">
-                    <a:schemeClr val="accent1">
-                      <a:shade val="50000"/>
-                    </a:schemeClr>
-                  </a:lnRef>
-                  <a:fillRef idx="1">
-                    <a:schemeClr val="accent1"/>
-                  </a:fillRef>
-                  <a:effectRef idx="0">
-                    <a:schemeClr val="accent1"/>
-                  </a:effectRef>
-                  <a:fontRef idx="minor">
-                    <a:schemeClr val="lt1"/>
-                  </a:fontRef>
-                </p:style>
-                <p:txBody>
-                  <a:bodyPr rtlCol="0" anchor="ctr"/>
-                  <a:lstStyle/>
-                  <a:p>
-                    <a:pPr algn="ctr"/>
-                    <a:endParaRPr lang="zh-CN" altLang="en-US" dirty="0"/>
-                  </a:p>
-                </p:txBody>
-              </p:sp>
-              <mc:AlternateContent xmlns:mc="http://schemas.openxmlformats.org/markup-compatibility/2006" xmlns:a14="http://schemas.microsoft.com/office/drawing/2010/main">
-                <mc:Choice Requires="a14">
-                  <p:sp>
-                    <p:nvSpPr>
-                      <p:cNvPr id="18" name="文本框 17"/>
-                      <p:cNvSpPr txBox="1"/>
-                      <p:nvPr/>
-                    </p:nvSpPr>
-                    <p:spPr>
-                      <a:xfrm>
-                        <a:off x="2325246" y="1458727"/>
-                        <a:ext cx="623889" cy="523220"/>
-                      </a:xfrm>
-                      <a:prstGeom prst="rect">
-                        <a:avLst/>
-                      </a:prstGeom>
-                      <a:noFill/>
-                    </p:spPr>
-                    <p:txBody>
-                      <a:bodyPr wrap="none" rtlCol="0">
-                        <a:spAutoFit/>
-                      </a:bodyPr>
-                      <a:lstStyle/>
-                      <a:p>
-                        <a:pPr/>
-                        <a14:m>
-                          <m:oMathPara xmlns:m="http://schemas.openxmlformats.org/officeDocument/2006/math">
-                            <m:oMathParaPr>
-                              <m:jc m:val="centerGroup"/>
-                            </m:oMathParaPr>
-                            <m:oMath xmlns:m="http://schemas.openxmlformats.org/officeDocument/2006/math">
-                              <m:sSub>
-                                <m:sSubPr>
-                                  <m:ctrlPr>
-                                    <a:rPr lang="en-US" altLang="zh-CN" sz="2800" b="0" i="1" smtClean="0">
-                                      <a:latin typeface="Cambria Math" panose="02040503050406030204" pitchFamily="18" charset="0"/>
-                                    </a:rPr>
-                                  </m:ctrlPr>
-                                </m:sSubPr>
-                                <m:e>
-                                  <m:r>
-                                    <a:rPr lang="en-US" altLang="zh-CN" sz="2800" b="0" i="1" smtClean="0">
-                                      <a:latin typeface="Cambria Math" panose="02040503050406030204" pitchFamily="18" charset="0"/>
-                                    </a:rPr>
-                                    <m:t>𝑏</m:t>
-                                  </m:r>
-                                </m:e>
-                                <m:sub>
-                                  <m:r>
-                                    <a:rPr lang="en-US" altLang="zh-CN" sz="2800" b="0" i="1" smtClean="0">
-                                      <a:latin typeface="Cambria Math" panose="02040503050406030204" pitchFamily="18" charset="0"/>
-                                    </a:rPr>
-                                    <m:t>1</m:t>
-                                  </m:r>
-                                </m:sub>
-                              </m:sSub>
-                            </m:oMath>
-                          </m:oMathPara>
-                        </a14:m>
-                        <a:endParaRPr lang="zh-CN" altLang="en-US" dirty="0"/>
-                      </a:p>
-                    </p:txBody>
-                  </p:sp>
-                </mc:Choice>
-                <mc:Fallback xmlns="">
-                  <p:sp>
-                    <p:nvSpPr>
-                      <p:cNvPr id="18" name="文本框 17"/>
-                      <p:cNvSpPr txBox="1">
-                        <a:spLocks noRot="1" noChangeAspect="1" noMove="1" noResize="1" noEditPoints="1" noAdjustHandles="1" noChangeArrowheads="1" noChangeShapeType="1" noTextEdit="1"/>
-                      </p:cNvSpPr>
-                      <p:nvPr/>
-                    </p:nvSpPr>
-                    <p:spPr>
-                      <a:xfrm>
-                        <a:off x="2325246" y="1458727"/>
-                        <a:ext cx="623889" cy="523220"/>
-                      </a:xfrm>
-                      <a:prstGeom prst="rect">
-                        <a:avLst/>
-                      </a:prstGeom>
-                      <a:blipFill>
-                        <a:blip r:embed="rId8"/>
-                        <a:stretch>
-                          <a:fillRect/>
-                        </a:stretch>
-                      </a:blipFill>
-                    </p:spPr>
-                    <p:txBody>
-                      <a:bodyPr/>
-                      <a:lstStyle/>
-                      <a:p>
-                        <a:r>
-                          <a:rPr lang="zh-CN" altLang="en-US">
-                            <a:noFill/>
-                          </a:rPr>
-                          <a:t> </a:t>
-                        </a:r>
-                      </a:p>
-                    </p:txBody>
-                  </p:sp>
-                </mc:Fallback>
-              </mc:AlternateContent>
-            </p:grpSp>
-            <p:grpSp>
-              <p:nvGrpSpPr>
-                <p:cNvPr id="25" name="组合 24"/>
-                <p:cNvGrpSpPr/>
-                <p:nvPr/>
-              </p:nvGrpSpPr>
-              <p:grpSpPr>
-                <a:xfrm>
-                  <a:off x="3667809" y="4172523"/>
-                  <a:ext cx="785004" cy="785004"/>
-                  <a:chOff x="2222950" y="1362339"/>
-                  <a:chExt cx="785004" cy="785004"/>
-                </a:xfrm>
-              </p:grpSpPr>
-              <p:sp>
-                <p:nvSpPr>
-                  <p:cNvPr id="26" name="椭圆 25"/>
-                  <p:cNvSpPr/>
-                  <p:nvPr/>
-                </p:nvSpPr>
-                <p:spPr>
-                  <a:xfrm>
-                    <a:off x="2222950" y="1362339"/>
-                    <a:ext cx="785004" cy="785004"/>
-                  </a:xfrm>
-                  <a:prstGeom prst="ellipse">
-                    <a:avLst/>
-                  </a:prstGeom>
-                  <a:solidFill>
-                    <a:srgbClr val="FFEB3B"/>
-                  </a:solidFill>
-                  <a:ln w="38100">
-                    <a:solidFill>
-                      <a:schemeClr val="tx1"/>
-                    </a:solidFill>
-                  </a:ln>
-                </p:spPr>
-                <p:style>
-                  <a:lnRef idx="2">
-                    <a:schemeClr val="accent1">
-                      <a:shade val="50000"/>
-                    </a:schemeClr>
-                  </a:lnRef>
-                  <a:fillRef idx="1">
-                    <a:schemeClr val="accent1"/>
-                  </a:fillRef>
-                  <a:effectRef idx="0">
-                    <a:schemeClr val="accent1"/>
-                  </a:effectRef>
-                  <a:fontRef idx="minor">
-                    <a:schemeClr val="lt1"/>
-                  </a:fontRef>
-                </p:style>
-                <p:txBody>
-                  <a:bodyPr rtlCol="0" anchor="ctr"/>
-                  <a:lstStyle/>
-                  <a:p>
-                    <a:pPr algn="ctr"/>
-                    <a:endParaRPr lang="zh-CN" altLang="en-US" dirty="0"/>
-                  </a:p>
-                </p:txBody>
-              </p:sp>
-              <mc:AlternateContent xmlns:mc="http://schemas.openxmlformats.org/markup-compatibility/2006" xmlns:a14="http://schemas.microsoft.com/office/drawing/2010/main">
-                <mc:Choice Requires="a14">
-                  <p:sp>
-                    <p:nvSpPr>
-                      <p:cNvPr id="27" name="文本框 26"/>
-                      <p:cNvSpPr txBox="1"/>
-                      <p:nvPr/>
-                    </p:nvSpPr>
-                    <p:spPr>
-                      <a:xfrm>
-                        <a:off x="2325246" y="1458727"/>
-                        <a:ext cx="632161" cy="523220"/>
-                      </a:xfrm>
-                      <a:prstGeom prst="rect">
-                        <a:avLst/>
-                      </a:prstGeom>
-                      <a:noFill/>
-                    </p:spPr>
-                    <p:txBody>
-                      <a:bodyPr wrap="none" rtlCol="0">
-                        <a:spAutoFit/>
-                      </a:bodyPr>
-                      <a:lstStyle/>
-                      <a:p>
-                        <a:pPr/>
-                        <a14:m>
-                          <m:oMathPara xmlns:m="http://schemas.openxmlformats.org/officeDocument/2006/math">
-                            <m:oMathParaPr>
-                              <m:jc m:val="centerGroup"/>
-                            </m:oMathParaPr>
-                            <m:oMath xmlns:m="http://schemas.openxmlformats.org/officeDocument/2006/math">
-                              <m:sSub>
-                                <m:sSubPr>
-                                  <m:ctrlPr>
-                                    <a:rPr lang="en-US" altLang="zh-CN" sz="2800" b="0" i="1" smtClean="0">
-                                      <a:latin typeface="Cambria Math" panose="02040503050406030204" pitchFamily="18" charset="0"/>
-                                    </a:rPr>
-                                  </m:ctrlPr>
-                                </m:sSubPr>
-                                <m:e>
-                                  <m:r>
-                                    <a:rPr lang="en-US" altLang="zh-CN" sz="2800" b="0" i="1" smtClean="0">
-                                      <a:latin typeface="Cambria Math" panose="02040503050406030204" pitchFamily="18" charset="0"/>
-                                    </a:rPr>
-                                    <m:t>𝑏</m:t>
-                                  </m:r>
-                                </m:e>
-                                <m:sub>
-                                  <m:r>
-                                    <a:rPr lang="en-US" altLang="zh-CN" sz="2800" b="0" i="1" smtClean="0">
-                                      <a:latin typeface="Cambria Math" panose="02040503050406030204" pitchFamily="18" charset="0"/>
-                                    </a:rPr>
-                                    <m:t>2</m:t>
-                                  </m:r>
-                                </m:sub>
-                              </m:sSub>
-                            </m:oMath>
-                          </m:oMathPara>
-                        </a14:m>
-                        <a:endParaRPr lang="zh-CN" altLang="en-US" dirty="0"/>
-                      </a:p>
-                    </p:txBody>
-                  </p:sp>
-                </mc:Choice>
-                <mc:Fallback xmlns="">
-                  <p:sp>
-                    <p:nvSpPr>
-                      <p:cNvPr id="27" name="文本框 26"/>
-                      <p:cNvSpPr txBox="1">
-                        <a:spLocks noRot="1" noChangeAspect="1" noMove="1" noResize="1" noEditPoints="1" noAdjustHandles="1" noChangeArrowheads="1" noChangeShapeType="1" noTextEdit="1"/>
-                      </p:cNvSpPr>
-                      <p:nvPr/>
-                    </p:nvSpPr>
-                    <p:spPr>
-                      <a:xfrm>
-                        <a:off x="2325246" y="1458727"/>
-                        <a:ext cx="632161" cy="523220"/>
-                      </a:xfrm>
-                      <a:prstGeom prst="rect">
-                        <a:avLst/>
-                      </a:prstGeom>
-                      <a:blipFill>
-                        <a:blip r:embed="rId9"/>
-                        <a:stretch>
-                          <a:fillRect/>
-                        </a:stretch>
-                      </a:blipFill>
-                    </p:spPr>
-                    <p:txBody>
-                      <a:bodyPr/>
-                      <a:lstStyle/>
-                      <a:p>
-                        <a:r>
-                          <a:rPr lang="zh-CN" altLang="en-US">
-                            <a:noFill/>
-                          </a:rPr>
-                          <a:t> </a:t>
-                        </a:r>
-                      </a:p>
-                    </p:txBody>
-                  </p:sp>
-                </mc:Fallback>
-              </mc:AlternateContent>
-            </p:grpSp>
-            <p:grpSp>
-              <p:nvGrpSpPr>
-                <p:cNvPr id="28" name="组合 27"/>
-                <p:cNvGrpSpPr/>
-                <p:nvPr/>
-              </p:nvGrpSpPr>
-              <p:grpSpPr>
-                <a:xfrm>
-                  <a:off x="8292786" y="4172523"/>
-                  <a:ext cx="834035" cy="785004"/>
-                  <a:chOff x="2222950" y="1362339"/>
-                  <a:chExt cx="834035" cy="785004"/>
-                </a:xfrm>
-              </p:grpSpPr>
-              <p:sp>
-                <p:nvSpPr>
-                  <p:cNvPr id="29" name="椭圆 28"/>
-                  <p:cNvSpPr/>
-                  <p:nvPr/>
-                </p:nvSpPr>
-                <p:spPr>
-                  <a:xfrm>
-                    <a:off x="2222950" y="1362339"/>
-                    <a:ext cx="785004" cy="785004"/>
-                  </a:xfrm>
-                  <a:prstGeom prst="ellipse">
-                    <a:avLst/>
-                  </a:prstGeom>
-                  <a:solidFill>
-                    <a:srgbClr val="FFEB3B"/>
-                  </a:solidFill>
-                  <a:ln w="38100">
-                    <a:solidFill>
-                      <a:schemeClr val="tx1"/>
-                    </a:solidFill>
-                  </a:ln>
-                </p:spPr>
-                <p:style>
-                  <a:lnRef idx="2">
-                    <a:schemeClr val="accent1">
-                      <a:shade val="50000"/>
-                    </a:schemeClr>
-                  </a:lnRef>
-                  <a:fillRef idx="1">
-                    <a:schemeClr val="accent1"/>
-                  </a:fillRef>
-                  <a:effectRef idx="0">
-                    <a:schemeClr val="accent1"/>
-                  </a:effectRef>
-                  <a:fontRef idx="minor">
-                    <a:schemeClr val="lt1"/>
-                  </a:fontRef>
-                </p:style>
-                <p:txBody>
-                  <a:bodyPr rtlCol="0" anchor="ctr"/>
-                  <a:lstStyle/>
-                  <a:p>
-                    <a:pPr algn="ctr"/>
-                    <a:endParaRPr lang="zh-CN" altLang="en-US" dirty="0"/>
-                  </a:p>
-                </p:txBody>
-              </p:sp>
-              <mc:AlternateContent xmlns:mc="http://schemas.openxmlformats.org/markup-compatibility/2006" xmlns:a14="http://schemas.microsoft.com/office/drawing/2010/main">
-                <mc:Choice Requires="a14">
-                  <p:sp>
-                    <p:nvSpPr>
-                      <p:cNvPr id="30" name="文本框 29"/>
-                      <p:cNvSpPr txBox="1"/>
-                      <p:nvPr/>
-                    </p:nvSpPr>
-                    <p:spPr>
-                      <a:xfrm>
-                        <a:off x="2325246" y="1458727"/>
-                        <a:ext cx="731739" cy="523220"/>
-                      </a:xfrm>
-                      <a:prstGeom prst="rect">
-                        <a:avLst/>
-                      </a:prstGeom>
-                      <a:noFill/>
-                    </p:spPr>
-                    <p:txBody>
-                      <a:bodyPr wrap="none" rtlCol="0">
-                        <a:spAutoFit/>
-                      </a:bodyPr>
-                      <a:lstStyle/>
-                      <a:p>
-                        <a:pPr/>
-                        <a14:m>
-                          <m:oMathPara xmlns:m="http://schemas.openxmlformats.org/officeDocument/2006/math">
-                            <m:oMathParaPr>
-                              <m:jc m:val="centerGroup"/>
-                            </m:oMathParaPr>
-                            <m:oMath xmlns:m="http://schemas.openxmlformats.org/officeDocument/2006/math">
-                              <m:sSub>
-                                <m:sSubPr>
-                                  <m:ctrlPr>
-                                    <a:rPr lang="en-US" altLang="zh-CN" sz="2800" b="0" i="1" smtClean="0">
-                                      <a:latin typeface="Cambria Math" panose="02040503050406030204" pitchFamily="18" charset="0"/>
-                                    </a:rPr>
-                                  </m:ctrlPr>
-                                </m:sSubPr>
-                                <m:e>
-                                  <m:r>
-                                    <a:rPr lang="en-US" altLang="zh-CN" sz="2800" b="0" i="1" smtClean="0">
-                                      <a:latin typeface="Cambria Math" panose="02040503050406030204" pitchFamily="18" charset="0"/>
-                                    </a:rPr>
-                                    <m:t>𝑏</m:t>
-                                  </m:r>
-                                </m:e>
-                                <m:sub>
-                                  <m:r>
-                                    <a:rPr lang="en-US" altLang="zh-CN" sz="2800" b="0" i="1" smtClean="0">
-                                      <a:latin typeface="Cambria Math" panose="02040503050406030204" pitchFamily="18" charset="0"/>
-                                    </a:rPr>
-                                    <m:t>𝑚</m:t>
-                                  </m:r>
-                                </m:sub>
-                              </m:sSub>
-                            </m:oMath>
-                          </m:oMathPara>
-                        </a14:m>
-                        <a:endParaRPr lang="zh-CN" altLang="en-US" dirty="0"/>
-                      </a:p>
-                    </p:txBody>
-                  </p:sp>
-                </mc:Choice>
-                <mc:Fallback xmlns="">
-                  <p:sp>
-                    <p:nvSpPr>
-                      <p:cNvPr id="30" name="文本框 29"/>
-                      <p:cNvSpPr txBox="1">
-                        <a:spLocks noRot="1" noChangeAspect="1" noMove="1" noResize="1" noEditPoints="1" noAdjustHandles="1" noChangeArrowheads="1" noChangeShapeType="1" noTextEdit="1"/>
-                      </p:cNvSpPr>
-                      <p:nvPr/>
-                    </p:nvSpPr>
-                    <p:spPr>
-                      <a:xfrm>
-                        <a:off x="2325246" y="1458727"/>
-                        <a:ext cx="731739" cy="523220"/>
-                      </a:xfrm>
-                      <a:prstGeom prst="rect">
-                        <a:avLst/>
-                      </a:prstGeom>
-                      <a:blipFill>
-                        <a:blip r:embed="rId10"/>
-                        <a:stretch>
-                          <a:fillRect/>
-                        </a:stretch>
-                      </a:blipFill>
-                    </p:spPr>
-                    <p:txBody>
-                      <a:bodyPr/>
-                      <a:lstStyle/>
-                      <a:p>
-                        <a:r>
-                          <a:rPr lang="zh-CN" altLang="en-US">
-                            <a:noFill/>
-                          </a:rPr>
-                          <a:t> </a:t>
-                        </a:r>
-                      </a:p>
-                    </p:txBody>
-                  </p:sp>
-                </mc:Fallback>
-              </mc:AlternateContent>
-            </p:grpSp>
-            <p:grpSp>
-              <p:nvGrpSpPr>
-                <p:cNvPr id="31" name="组合 30"/>
-                <p:cNvGrpSpPr/>
-                <p:nvPr/>
-              </p:nvGrpSpPr>
-              <p:grpSpPr>
-                <a:xfrm>
-                  <a:off x="5991348" y="4172523"/>
-                  <a:ext cx="785004" cy="785004"/>
-                  <a:chOff x="2222950" y="1362339"/>
-                  <a:chExt cx="785004" cy="785004"/>
-                </a:xfrm>
-              </p:grpSpPr>
-              <p:sp>
-                <p:nvSpPr>
-                  <p:cNvPr id="32" name="椭圆 31"/>
-                  <p:cNvSpPr/>
-                  <p:nvPr/>
-                </p:nvSpPr>
-                <p:spPr>
-                  <a:xfrm>
-                    <a:off x="2222950" y="1362339"/>
-                    <a:ext cx="785004" cy="785004"/>
-                  </a:xfrm>
-                  <a:prstGeom prst="ellipse">
-                    <a:avLst/>
-                  </a:prstGeom>
-                  <a:solidFill>
-                    <a:srgbClr val="FFEB3B"/>
-                  </a:solidFill>
-                  <a:ln w="38100">
-                    <a:solidFill>
-                      <a:schemeClr val="tx1"/>
-                    </a:solidFill>
-                  </a:ln>
-                </p:spPr>
-                <p:style>
-                  <a:lnRef idx="2">
-                    <a:schemeClr val="accent1">
-                      <a:shade val="50000"/>
-                    </a:schemeClr>
-                  </a:lnRef>
-                  <a:fillRef idx="1">
-                    <a:schemeClr val="accent1"/>
-                  </a:fillRef>
-                  <a:effectRef idx="0">
-                    <a:schemeClr val="accent1"/>
-                  </a:effectRef>
-                  <a:fontRef idx="minor">
-                    <a:schemeClr val="lt1"/>
-                  </a:fontRef>
-                </p:style>
-                <p:txBody>
-                  <a:bodyPr rtlCol="0" anchor="ctr"/>
-                  <a:lstStyle/>
-                  <a:p>
-                    <a:pPr algn="ctr"/>
-                    <a:endParaRPr lang="zh-CN" altLang="en-US" dirty="0"/>
-                  </a:p>
-                </p:txBody>
-              </p:sp>
-              <mc:AlternateContent xmlns:mc="http://schemas.openxmlformats.org/markup-compatibility/2006" xmlns:a14="http://schemas.microsoft.com/office/drawing/2010/main">
-                <mc:Choice Requires="a14">
-                  <p:sp>
-                    <p:nvSpPr>
-                      <p:cNvPr id="33" name="文本框 32"/>
-                      <p:cNvSpPr txBox="1"/>
-                      <p:nvPr/>
-                    </p:nvSpPr>
-                    <p:spPr>
-                      <a:xfrm>
-                        <a:off x="2325246" y="1458727"/>
-                        <a:ext cx="580287" cy="557910"/>
-                      </a:xfrm>
-                      <a:prstGeom prst="rect">
-                        <a:avLst/>
-                      </a:prstGeom>
-                      <a:noFill/>
-                    </p:spPr>
-                    <p:txBody>
-                      <a:bodyPr wrap="none" rtlCol="0">
-                        <a:spAutoFit/>
-                      </a:bodyPr>
-                      <a:lstStyle/>
-                      <a:p>
-                        <a:pPr/>
-                        <a14:m>
-                          <m:oMathPara xmlns:m="http://schemas.openxmlformats.org/officeDocument/2006/math">
-                            <m:oMathParaPr>
-                              <m:jc m:val="centerGroup"/>
-                            </m:oMathParaPr>
-                            <m:oMath xmlns:m="http://schemas.openxmlformats.org/officeDocument/2006/math">
-                              <m:sSub>
-                                <m:sSubPr>
-                                  <m:ctrlPr>
-                                    <a:rPr lang="en-US" altLang="zh-CN" sz="2800" b="0" i="1" smtClean="0">
-                                      <a:latin typeface="Cambria Math" panose="02040503050406030204" pitchFamily="18" charset="0"/>
-                                    </a:rPr>
-                                  </m:ctrlPr>
-                                </m:sSubPr>
-                                <m:e>
-                                  <m:r>
-                                    <a:rPr lang="en-US" altLang="zh-CN" sz="2800" b="0" i="1" smtClean="0">
-                                      <a:latin typeface="Cambria Math" panose="02040503050406030204" pitchFamily="18" charset="0"/>
-                                    </a:rPr>
-                                    <m:t>𝑏</m:t>
-                                  </m:r>
-                                </m:e>
-                                <m:sub>
-                                  <m:r>
-                                    <a:rPr lang="en-US" altLang="zh-CN" sz="2800" b="0" i="1" smtClean="0">
-                                      <a:latin typeface="Cambria Math" panose="02040503050406030204" pitchFamily="18" charset="0"/>
-                                    </a:rPr>
-                                    <m:t>𝑗</m:t>
-                                  </m:r>
-                                </m:sub>
-                              </m:sSub>
-                            </m:oMath>
-                          </m:oMathPara>
-                        </a14:m>
-                        <a:endParaRPr lang="zh-CN" altLang="en-US" dirty="0"/>
-                      </a:p>
-                    </p:txBody>
-                  </p:sp>
-                </mc:Choice>
-                <mc:Fallback xmlns="">
-                  <p:sp>
-                    <p:nvSpPr>
-                      <p:cNvPr id="33" name="文本框 32"/>
-                      <p:cNvSpPr txBox="1">
-                        <a:spLocks noRot="1" noChangeAspect="1" noMove="1" noResize="1" noEditPoints="1" noAdjustHandles="1" noChangeArrowheads="1" noChangeShapeType="1" noTextEdit="1"/>
-                      </p:cNvSpPr>
-                      <p:nvPr/>
-                    </p:nvSpPr>
-                    <p:spPr>
-                      <a:xfrm>
-                        <a:off x="2325246" y="1458727"/>
-                        <a:ext cx="580287" cy="557910"/>
-                      </a:xfrm>
-                      <a:prstGeom prst="rect">
-                        <a:avLst/>
-                      </a:prstGeom>
-                      <a:blipFill>
-                        <a:blip r:embed="rId11"/>
-                        <a:stretch>
-                          <a:fillRect/>
-                        </a:stretch>
-                      </a:blipFill>
-                    </p:spPr>
-                    <p:txBody>
-                      <a:bodyPr/>
-                      <a:lstStyle/>
-                      <a:p>
-                        <a:r>
-                          <a:rPr lang="zh-CN" altLang="en-US">
-                            <a:noFill/>
-                          </a:rPr>
-                          <a:t> </a:t>
-                        </a:r>
-                      </a:p>
-                    </p:txBody>
-                  </p:sp>
-                </mc:Fallback>
-              </mc:AlternateContent>
-            </p:grpSp>
-            <mc:AlternateContent xmlns:mc="http://schemas.openxmlformats.org/markup-compatibility/2006" xmlns:a14="http://schemas.microsoft.com/office/drawing/2010/main">
-              <mc:Choice Requires="a14">
-                <p:sp>
-                  <p:nvSpPr>
-                    <p:cNvPr id="36" name="文本框 35"/>
-                    <p:cNvSpPr txBox="1"/>
-                    <p:nvPr/>
-                  </p:nvSpPr>
-                  <p:spPr>
-                    <a:xfrm>
-                      <a:off x="4893125" y="4078552"/>
-                      <a:ext cx="712053" cy="707886"/>
-                    </a:xfrm>
-                    <a:prstGeom prst="rect">
-                      <a:avLst/>
-                    </a:prstGeom>
-                    <a:noFill/>
-                  </p:spPr>
-                  <p:txBody>
-                    <a:bodyPr wrap="none" rtlCol="0">
-                      <a:spAutoFit/>
-                    </a:bodyPr>
-                    <a:lstStyle/>
-                    <a:p>
-                      <a:pPr/>
-                      <a14:m>
-                        <m:oMathPara xmlns:m="http://schemas.openxmlformats.org/officeDocument/2006/math">
-                          <m:oMathParaPr>
-                            <m:jc m:val="centerGroup"/>
-                          </m:oMathParaPr>
-                          <m:oMath xmlns:m="http://schemas.openxmlformats.org/officeDocument/2006/math">
-                            <m:r>
-                              <a:rPr lang="en-US" altLang="zh-CN" sz="4000" b="0" i="1" smtClean="0">
-                                <a:latin typeface="Cambria Math" panose="02040503050406030204" pitchFamily="18" charset="0"/>
-                              </a:rPr>
-                              <m:t>…</m:t>
-                            </m:r>
-                          </m:oMath>
-                        </m:oMathPara>
-                      </a14:m>
-                      <a:endParaRPr lang="zh-CN" altLang="en-US" sz="4000" dirty="0"/>
-                    </a:p>
-                  </p:txBody>
-                </p:sp>
-              </mc:Choice>
-              <mc:Fallback xmlns="">
-                <p:sp>
-                  <p:nvSpPr>
-                    <p:cNvPr id="36" name="文本框 35"/>
-                    <p:cNvSpPr txBox="1">
-                      <a:spLocks noRot="1" noChangeAspect="1" noMove="1" noResize="1" noEditPoints="1" noAdjustHandles="1" noChangeArrowheads="1" noChangeShapeType="1" noTextEdit="1"/>
-                    </p:cNvSpPr>
-                    <p:nvPr/>
-                  </p:nvSpPr>
-                  <p:spPr>
-                    <a:xfrm>
-                      <a:off x="4893125" y="4078552"/>
-                      <a:ext cx="712053" cy="707886"/>
-                    </a:xfrm>
-                    <a:prstGeom prst="rect">
-                      <a:avLst/>
-                    </a:prstGeom>
-                    <a:blipFill>
-                      <a:blip r:embed="rId12"/>
-                      <a:stretch>
-                        <a:fillRect/>
-                      </a:stretch>
-                    </a:blipFill>
-                  </p:spPr>
-                  <p:txBody>
-                    <a:bodyPr/>
-                    <a:lstStyle/>
-                    <a:p>
-                      <a:r>
-                        <a:rPr lang="zh-CN" altLang="en-US">
-                          <a:noFill/>
-                        </a:rPr>
-                        <a:t> </a:t>
-                      </a:r>
-                    </a:p>
-                  </p:txBody>
-                </p:sp>
-              </mc:Fallback>
-            </mc:AlternateContent>
-            <mc:AlternateContent xmlns:mc="http://schemas.openxmlformats.org/markup-compatibility/2006" xmlns:a14="http://schemas.microsoft.com/office/drawing/2010/main">
-              <mc:Choice Requires="a14">
-                <p:sp>
-                  <p:nvSpPr>
-                    <p:cNvPr id="37" name="文本框 36"/>
-                    <p:cNvSpPr txBox="1"/>
-                    <p:nvPr/>
-                  </p:nvSpPr>
-                  <p:spPr>
-                    <a:xfrm>
-                      <a:off x="7224543" y="4072859"/>
-                      <a:ext cx="712053" cy="707886"/>
-                    </a:xfrm>
-                    <a:prstGeom prst="rect">
-                      <a:avLst/>
-                    </a:prstGeom>
-                    <a:noFill/>
-                  </p:spPr>
-                  <p:txBody>
-                    <a:bodyPr wrap="none" rtlCol="0">
-                      <a:spAutoFit/>
-                    </a:bodyPr>
-                    <a:lstStyle/>
-                    <a:p>
-                      <a:pPr/>
-                      <a14:m>
-                        <m:oMathPara xmlns:m="http://schemas.openxmlformats.org/officeDocument/2006/math">
-                          <m:oMathParaPr>
-                            <m:jc m:val="centerGroup"/>
-                          </m:oMathParaPr>
-                          <m:oMath xmlns:m="http://schemas.openxmlformats.org/officeDocument/2006/math">
-                            <m:r>
-                              <a:rPr lang="en-US" altLang="zh-CN" sz="4000" b="0" i="1" smtClean="0">
-                                <a:latin typeface="Cambria Math" panose="02040503050406030204" pitchFamily="18" charset="0"/>
-                              </a:rPr>
-                              <m:t>…</m:t>
-                            </m:r>
-                          </m:oMath>
-                        </m:oMathPara>
-                      </a14:m>
-                      <a:endParaRPr lang="zh-CN" altLang="en-US" sz="4000" dirty="0"/>
-                    </a:p>
-                  </p:txBody>
-                </p:sp>
-              </mc:Choice>
-              <mc:Fallback xmlns="">
-                <p:sp>
-                  <p:nvSpPr>
-                    <p:cNvPr id="37" name="文本框 36"/>
-                    <p:cNvSpPr txBox="1">
-                      <a:spLocks noRot="1" noChangeAspect="1" noMove="1" noResize="1" noEditPoints="1" noAdjustHandles="1" noChangeArrowheads="1" noChangeShapeType="1" noTextEdit="1"/>
-                    </p:cNvSpPr>
-                    <p:nvPr/>
-                  </p:nvSpPr>
-                  <p:spPr>
-                    <a:xfrm>
-                      <a:off x="7224543" y="4072859"/>
-                      <a:ext cx="712053" cy="707886"/>
-                    </a:xfrm>
-                    <a:prstGeom prst="rect">
-                      <a:avLst/>
-                    </a:prstGeom>
-                    <a:blipFill>
-                      <a:blip r:embed="rId13"/>
-                      <a:stretch>
-                        <a:fillRect/>
-                      </a:stretch>
-                    </a:blipFill>
-                  </p:spPr>
-                  <p:txBody>
-                    <a:bodyPr/>
-                    <a:lstStyle/>
-                    <a:p>
-                      <a:r>
-                        <a:rPr lang="zh-CN" altLang="en-US">
-                          <a:noFill/>
-                        </a:rPr>
-                        <a:t> </a:t>
-                      </a:r>
-                    </a:p>
-                  </p:txBody>
-                </p:sp>
-              </mc:Fallback>
-            </mc:AlternateContent>
-          </p:grpSp>
-          <p:cxnSp>
-            <p:nvCxnSpPr>
-              <p:cNvPr id="41" name="直接连接符 40"/>
-              <p:cNvCxnSpPr>
-                <a:cxnSpLocks/>
-                <a:stCxn id="4" idx="4"/>
-                <a:endCxn id="17" idx="0"/>
-              </p:cNvCxnSpPr>
-              <p:nvPr/>
-            </p:nvCxnSpPr>
+            </p:nvSpPr>
             <p:spPr>
               <a:xfrm>
-                <a:off x="2615452" y="2195537"/>
-                <a:ext cx="0" cy="1976986"/>
+                <a:off x="2222950" y="1362339"/>
+                <a:ext cx="785004" cy="785004"/>
               </a:xfrm>
-              <a:prstGeom prst="line">
+              <a:prstGeom prst="ellipse">
                 <a:avLst/>
               </a:prstGeom>
-              <a:ln w="28575">
+              <a:solidFill>
+                <a:srgbClr val="FFEB3B"/>
+              </a:solidFill>
+              <a:ln w="38100">
                 <a:solidFill>
                   <a:schemeClr val="tx1"/>
                 </a:solidFill>
               </a:ln>
             </p:spPr>
             <p:style>
-              <a:lnRef idx="1">
-                <a:schemeClr val="accent1"/>
+              <a:lnRef idx="2">
+                <a:schemeClr val="accent1">
+                  <a:shade val="50000"/>
+                </a:schemeClr>
               </a:lnRef>
-              <a:fillRef idx="0">
+              <a:fillRef idx="1">
                 <a:schemeClr val="accent1"/>
               </a:fillRef>
               <a:effectRef idx="0">
                 <a:schemeClr val="accent1"/>
               </a:effectRef>
               <a:fontRef idx="minor">
-                <a:schemeClr val="tx1"/>
+                <a:schemeClr val="lt1"/>
               </a:fontRef>
             </p:style>
-          </p:cxnSp>
-          <p:cxnSp>
-            <p:nvCxnSpPr>
-              <p:cNvPr id="43" name="直接连接符 42"/>
-              <p:cNvCxnSpPr>
-                <a:cxnSpLocks/>
-                <a:stCxn id="4" idx="4"/>
-                <a:endCxn id="26" idx="0"/>
-              </p:cNvCxnSpPr>
-              <p:nvPr/>
-            </p:nvCxnSpPr>
-            <p:spPr>
-              <a:xfrm>
-                <a:off x="2615452" y="2195537"/>
-                <a:ext cx="1444859" cy="1976986"/>
-              </a:xfrm>
-              <a:prstGeom prst="line">
-                <a:avLst/>
-              </a:prstGeom>
-              <a:ln w="28575">
-                <a:solidFill>
-                  <a:schemeClr val="tx1"/>
-                </a:solidFill>
-              </a:ln>
-            </p:spPr>
-            <p:style>
-              <a:lnRef idx="1">
-                <a:schemeClr val="accent1"/>
-              </a:lnRef>
-              <a:fillRef idx="0">
-                <a:schemeClr val="accent1"/>
-              </a:fillRef>
-              <a:effectRef idx="0">
-                <a:schemeClr val="accent1"/>
-              </a:effectRef>
-              <a:fontRef idx="minor">
-                <a:schemeClr val="tx1"/>
-              </a:fontRef>
-            </p:style>
-          </p:cxnSp>
-          <p:cxnSp>
-            <p:nvCxnSpPr>
-              <p:cNvPr id="46" name="直接连接符 45"/>
-              <p:cNvCxnSpPr>
-                <a:cxnSpLocks/>
-                <a:stCxn id="4" idx="4"/>
-                <a:endCxn id="32" idx="0"/>
-              </p:cNvCxnSpPr>
-              <p:nvPr/>
-            </p:nvCxnSpPr>
-            <p:spPr>
-              <a:xfrm>
-                <a:off x="2615452" y="2195537"/>
-                <a:ext cx="3768398" cy="1976986"/>
-              </a:xfrm>
-              <a:prstGeom prst="line">
-                <a:avLst/>
-              </a:prstGeom>
-              <a:ln w="28575">
-                <a:solidFill>
-                  <a:schemeClr val="tx1"/>
-                </a:solidFill>
-              </a:ln>
-            </p:spPr>
-            <p:style>
-              <a:lnRef idx="1">
-                <a:schemeClr val="accent1"/>
-              </a:lnRef>
-              <a:fillRef idx="0">
-                <a:schemeClr val="accent1"/>
-              </a:fillRef>
-              <a:effectRef idx="0">
-                <a:schemeClr val="accent1"/>
-              </a:effectRef>
-              <a:fontRef idx="minor">
-                <a:schemeClr val="tx1"/>
-              </a:fontRef>
-            </p:style>
-          </p:cxnSp>
-          <p:cxnSp>
-            <p:nvCxnSpPr>
-              <p:cNvPr id="47" name="直接连接符 46"/>
-              <p:cNvCxnSpPr>
-                <a:cxnSpLocks/>
-                <a:stCxn id="4" idx="4"/>
-                <a:endCxn id="29" idx="0"/>
-              </p:cNvCxnSpPr>
-              <p:nvPr/>
-            </p:nvCxnSpPr>
-            <p:spPr>
-              <a:xfrm>
-                <a:off x="2615452" y="2195537"/>
-                <a:ext cx="6069836" cy="1976986"/>
-              </a:xfrm>
-              <a:prstGeom prst="line">
-                <a:avLst/>
-              </a:prstGeom>
-              <a:ln w="28575">
-                <a:solidFill>
-                  <a:schemeClr val="tx1"/>
-                </a:solidFill>
-              </a:ln>
-            </p:spPr>
-            <p:style>
-              <a:lnRef idx="1">
-                <a:schemeClr val="accent1"/>
-              </a:lnRef>
-              <a:fillRef idx="0">
-                <a:schemeClr val="accent1"/>
-              </a:fillRef>
-              <a:effectRef idx="0">
-                <a:schemeClr val="accent1"/>
-              </a:effectRef>
-              <a:fontRef idx="minor">
-                <a:schemeClr val="tx1"/>
-              </a:fontRef>
-            </p:style>
-          </p:cxnSp>
-          <p:cxnSp>
-            <p:nvCxnSpPr>
-              <p:cNvPr id="48" name="直接连接符 47"/>
-              <p:cNvCxnSpPr>
-                <a:cxnSpLocks/>
-                <a:stCxn id="8" idx="4"/>
-                <a:endCxn id="17" idx="0"/>
-              </p:cNvCxnSpPr>
-              <p:nvPr/>
-            </p:nvCxnSpPr>
-            <p:spPr>
-              <a:xfrm flipH="1">
-                <a:off x="2615452" y="2195537"/>
-                <a:ext cx="1444859" cy="1976986"/>
-              </a:xfrm>
-              <a:prstGeom prst="line">
-                <a:avLst/>
-              </a:prstGeom>
-              <a:ln w="28575">
-                <a:solidFill>
-                  <a:schemeClr val="tx1"/>
-                </a:solidFill>
-              </a:ln>
-            </p:spPr>
-            <p:style>
-              <a:lnRef idx="1">
-                <a:schemeClr val="accent1"/>
-              </a:lnRef>
-              <a:fillRef idx="0">
-                <a:schemeClr val="accent1"/>
-              </a:fillRef>
-              <a:effectRef idx="0">
-                <a:schemeClr val="accent1"/>
-              </a:effectRef>
-              <a:fontRef idx="minor">
-                <a:schemeClr val="tx1"/>
-              </a:fontRef>
-            </p:style>
-          </p:cxnSp>
-          <p:cxnSp>
-            <p:nvCxnSpPr>
-              <p:cNvPr id="49" name="直接连接符 48"/>
-              <p:cNvCxnSpPr>
-                <a:cxnSpLocks/>
-                <a:stCxn id="8" idx="4"/>
-                <a:endCxn id="26" idx="0"/>
-              </p:cNvCxnSpPr>
-              <p:nvPr/>
-            </p:nvCxnSpPr>
-            <p:spPr>
-              <a:xfrm>
-                <a:off x="4060311" y="2195537"/>
-                <a:ext cx="0" cy="1976986"/>
-              </a:xfrm>
-              <a:prstGeom prst="line">
-                <a:avLst/>
-              </a:prstGeom>
-              <a:ln w="28575">
-                <a:solidFill>
-                  <a:schemeClr val="tx1"/>
-                </a:solidFill>
-              </a:ln>
-            </p:spPr>
-            <p:style>
-              <a:lnRef idx="1">
-                <a:schemeClr val="accent1"/>
-              </a:lnRef>
-              <a:fillRef idx="0">
-                <a:schemeClr val="accent1"/>
-              </a:fillRef>
-              <a:effectRef idx="0">
-                <a:schemeClr val="accent1"/>
-              </a:effectRef>
-              <a:fontRef idx="minor">
-                <a:schemeClr val="tx1"/>
-              </a:fontRef>
-            </p:style>
-          </p:cxnSp>
-          <p:cxnSp>
-            <p:nvCxnSpPr>
-              <p:cNvPr id="58" name="直接连接符 57"/>
-              <p:cNvCxnSpPr>
-                <a:cxnSpLocks/>
-                <a:stCxn id="11" idx="4"/>
-                <a:endCxn id="26" idx="0"/>
-              </p:cNvCxnSpPr>
-              <p:nvPr/>
-            </p:nvCxnSpPr>
-            <p:spPr>
-              <a:xfrm flipH="1">
-                <a:off x="4060311" y="2195537"/>
-                <a:ext cx="2324746" cy="1976986"/>
-              </a:xfrm>
-              <a:prstGeom prst="line">
-                <a:avLst/>
-              </a:prstGeom>
-              <a:ln w="28575">
-                <a:solidFill>
-                  <a:schemeClr val="tx1"/>
-                </a:solidFill>
-              </a:ln>
-            </p:spPr>
-            <p:style>
-              <a:lnRef idx="1">
-                <a:schemeClr val="accent1"/>
-              </a:lnRef>
-              <a:fillRef idx="0">
-                <a:schemeClr val="accent1"/>
-              </a:fillRef>
-              <a:effectRef idx="0">
-                <a:schemeClr val="accent1"/>
-              </a:effectRef>
-              <a:fontRef idx="minor">
-                <a:schemeClr val="tx1"/>
-              </a:fontRef>
-            </p:style>
-          </p:cxnSp>
-          <p:cxnSp>
-            <p:nvCxnSpPr>
-              <p:cNvPr id="59" name="直接连接符 58"/>
-              <p:cNvCxnSpPr>
-                <a:cxnSpLocks/>
-                <a:stCxn id="11" idx="4"/>
-                <a:endCxn id="29" idx="0"/>
-              </p:cNvCxnSpPr>
-              <p:nvPr/>
-            </p:nvCxnSpPr>
-            <p:spPr>
-              <a:xfrm>
-                <a:off x="6385057" y="2195537"/>
-                <a:ext cx="2300231" cy="1976986"/>
-              </a:xfrm>
-              <a:prstGeom prst="line">
-                <a:avLst/>
-              </a:prstGeom>
-              <a:ln w="28575">
-                <a:solidFill>
-                  <a:schemeClr val="tx1"/>
-                </a:solidFill>
-              </a:ln>
-            </p:spPr>
-            <p:style>
-              <a:lnRef idx="1">
-                <a:schemeClr val="accent1"/>
-              </a:lnRef>
-              <a:fillRef idx="0">
-                <a:schemeClr val="accent1"/>
-              </a:fillRef>
-              <a:effectRef idx="0">
-                <a:schemeClr val="accent1"/>
-              </a:effectRef>
-              <a:fontRef idx="minor">
-                <a:schemeClr val="tx1"/>
-              </a:fontRef>
-            </p:style>
-          </p:cxnSp>
-          <p:cxnSp>
-            <p:nvCxnSpPr>
-              <p:cNvPr id="60" name="直接连接符 59"/>
-              <p:cNvCxnSpPr>
-                <a:cxnSpLocks/>
-                <a:stCxn id="11" idx="4"/>
-                <a:endCxn id="32" idx="0"/>
-              </p:cNvCxnSpPr>
-              <p:nvPr/>
-            </p:nvCxnSpPr>
-            <p:spPr>
-              <a:xfrm flipH="1">
-                <a:off x="6383850" y="2195537"/>
-                <a:ext cx="1207" cy="1976986"/>
-              </a:xfrm>
-              <a:prstGeom prst="line">
-                <a:avLst/>
-              </a:prstGeom>
-              <a:ln w="28575">
-                <a:solidFill>
-                  <a:schemeClr val="tx1"/>
-                </a:solidFill>
-              </a:ln>
-            </p:spPr>
-            <p:style>
-              <a:lnRef idx="1">
-                <a:schemeClr val="accent1"/>
-              </a:lnRef>
-              <a:fillRef idx="0">
-                <a:schemeClr val="accent1"/>
-              </a:fillRef>
-              <a:effectRef idx="0">
-                <a:schemeClr val="accent1"/>
-              </a:effectRef>
-              <a:fontRef idx="minor">
-                <a:schemeClr val="tx1"/>
-              </a:fontRef>
-            </p:style>
-          </p:cxnSp>
-          <p:cxnSp>
-            <p:nvCxnSpPr>
-              <p:cNvPr id="61" name="直接连接符 60"/>
-              <p:cNvCxnSpPr>
-                <a:cxnSpLocks/>
-                <a:stCxn id="11" idx="4"/>
-                <a:endCxn id="17" idx="0"/>
-              </p:cNvCxnSpPr>
-              <p:nvPr/>
-            </p:nvCxnSpPr>
-            <p:spPr>
-              <a:xfrm flipH="1">
-                <a:off x="2615452" y="2195537"/>
-                <a:ext cx="3769605" cy="1976986"/>
-              </a:xfrm>
-              <a:prstGeom prst="line">
-                <a:avLst/>
-              </a:prstGeom>
-              <a:ln w="28575">
-                <a:solidFill>
-                  <a:schemeClr val="tx1"/>
-                </a:solidFill>
-              </a:ln>
-            </p:spPr>
-            <p:style>
-              <a:lnRef idx="1">
-                <a:schemeClr val="accent1"/>
-              </a:lnRef>
-              <a:fillRef idx="0">
-                <a:schemeClr val="accent1"/>
-              </a:fillRef>
-              <a:effectRef idx="0">
-                <a:schemeClr val="accent1"/>
-              </a:effectRef>
-              <a:fontRef idx="minor">
-                <a:schemeClr val="tx1"/>
-              </a:fontRef>
-            </p:style>
-          </p:cxnSp>
-          <p:cxnSp>
-            <p:nvCxnSpPr>
-              <p:cNvPr id="62" name="直接连接符 61"/>
-              <p:cNvCxnSpPr>
-                <a:cxnSpLocks/>
-                <a:stCxn id="8" idx="4"/>
-                <a:endCxn id="32" idx="0"/>
-              </p:cNvCxnSpPr>
-              <p:nvPr/>
-            </p:nvCxnSpPr>
-            <p:spPr>
-              <a:xfrm>
-                <a:off x="4060311" y="2195537"/>
-                <a:ext cx="2323539" cy="1976986"/>
-              </a:xfrm>
-              <a:prstGeom prst="line">
-                <a:avLst/>
-              </a:prstGeom>
-              <a:ln w="28575">
-                <a:solidFill>
-                  <a:schemeClr val="tx1"/>
-                </a:solidFill>
-              </a:ln>
-            </p:spPr>
-            <p:style>
-              <a:lnRef idx="1">
-                <a:schemeClr val="accent1"/>
-              </a:lnRef>
-              <a:fillRef idx="0">
-                <a:schemeClr val="accent1"/>
-              </a:fillRef>
-              <a:effectRef idx="0">
-                <a:schemeClr val="accent1"/>
-              </a:effectRef>
-              <a:fontRef idx="minor">
-                <a:schemeClr val="tx1"/>
-              </a:fontRef>
-            </p:style>
-          </p:cxnSp>
-          <p:cxnSp>
-            <p:nvCxnSpPr>
-              <p:cNvPr id="73" name="直接连接符 72"/>
-              <p:cNvCxnSpPr>
-                <a:cxnSpLocks/>
-                <a:stCxn id="8" idx="4"/>
-                <a:endCxn id="29" idx="0"/>
-              </p:cNvCxnSpPr>
-              <p:nvPr/>
-            </p:nvCxnSpPr>
-            <p:spPr>
-              <a:xfrm>
-                <a:off x="4060311" y="2195537"/>
-                <a:ext cx="4624977" cy="1976986"/>
-              </a:xfrm>
-              <a:prstGeom prst="line">
-                <a:avLst/>
-              </a:prstGeom>
-              <a:ln w="28575">
-                <a:solidFill>
-                  <a:schemeClr val="tx1"/>
-                </a:solidFill>
-              </a:ln>
-            </p:spPr>
-            <p:style>
-              <a:lnRef idx="1">
-                <a:schemeClr val="accent1"/>
-              </a:lnRef>
-              <a:fillRef idx="0">
-                <a:schemeClr val="accent1"/>
-              </a:fillRef>
-              <a:effectRef idx="0">
-                <a:schemeClr val="accent1"/>
-              </a:effectRef>
-              <a:fontRef idx="minor">
-                <a:schemeClr val="tx1"/>
-              </a:fontRef>
-            </p:style>
-          </p:cxnSp>
-          <p:cxnSp>
-            <p:nvCxnSpPr>
-              <p:cNvPr id="76" name="直接连接符 75"/>
-              <p:cNvCxnSpPr>
-                <a:cxnSpLocks/>
-                <a:stCxn id="14" idx="4"/>
-                <a:endCxn id="29" idx="0"/>
-              </p:cNvCxnSpPr>
-              <p:nvPr/>
-            </p:nvCxnSpPr>
-            <p:spPr>
-              <a:xfrm flipH="1">
-                <a:off x="8685288" y="2195537"/>
-                <a:ext cx="24516" cy="1976986"/>
-              </a:xfrm>
-              <a:prstGeom prst="line">
-                <a:avLst/>
-              </a:prstGeom>
-              <a:ln w="28575">
-                <a:solidFill>
-                  <a:schemeClr val="tx1"/>
-                </a:solidFill>
-              </a:ln>
-            </p:spPr>
-            <p:style>
-              <a:lnRef idx="1">
-                <a:schemeClr val="accent1"/>
-              </a:lnRef>
-              <a:fillRef idx="0">
-                <a:schemeClr val="accent1"/>
-              </a:fillRef>
-              <a:effectRef idx="0">
-                <a:schemeClr val="accent1"/>
-              </a:effectRef>
-              <a:fontRef idx="minor">
-                <a:schemeClr val="tx1"/>
-              </a:fontRef>
-            </p:style>
-          </p:cxnSp>
-          <p:cxnSp>
-            <p:nvCxnSpPr>
-              <p:cNvPr id="77" name="直接连接符 76"/>
-              <p:cNvCxnSpPr>
-                <a:cxnSpLocks/>
-                <a:stCxn id="14" idx="4"/>
-                <a:endCxn id="32" idx="0"/>
-              </p:cNvCxnSpPr>
-              <p:nvPr/>
-            </p:nvCxnSpPr>
-            <p:spPr>
-              <a:xfrm flipH="1">
-                <a:off x="6383850" y="2195537"/>
-                <a:ext cx="2325954" cy="1976986"/>
-              </a:xfrm>
-              <a:prstGeom prst="line">
-                <a:avLst/>
-              </a:prstGeom>
-              <a:ln w="28575">
-                <a:solidFill>
-                  <a:schemeClr val="tx1"/>
-                </a:solidFill>
-              </a:ln>
-            </p:spPr>
-            <p:style>
-              <a:lnRef idx="1">
-                <a:schemeClr val="accent1"/>
-              </a:lnRef>
-              <a:fillRef idx="0">
-                <a:schemeClr val="accent1"/>
-              </a:fillRef>
-              <a:effectRef idx="0">
-                <a:schemeClr val="accent1"/>
-              </a:effectRef>
-              <a:fontRef idx="minor">
-                <a:schemeClr val="tx1"/>
-              </a:fontRef>
-            </p:style>
-          </p:cxnSp>
-          <p:cxnSp>
-            <p:nvCxnSpPr>
-              <p:cNvPr id="78" name="直接连接符 77"/>
-              <p:cNvCxnSpPr>
-                <a:cxnSpLocks/>
-                <a:stCxn id="14" idx="4"/>
-                <a:endCxn id="26" idx="0"/>
-              </p:cNvCxnSpPr>
-              <p:nvPr/>
-            </p:nvCxnSpPr>
-            <p:spPr>
-              <a:xfrm flipH="1">
-                <a:off x="4060311" y="2195537"/>
-                <a:ext cx="4649493" cy="1976986"/>
-              </a:xfrm>
-              <a:prstGeom prst="line">
-                <a:avLst/>
-              </a:prstGeom>
-              <a:ln w="28575">
-                <a:solidFill>
-                  <a:schemeClr val="tx1"/>
-                </a:solidFill>
-              </a:ln>
-            </p:spPr>
-            <p:style>
-              <a:lnRef idx="1">
-                <a:schemeClr val="accent1"/>
-              </a:lnRef>
-              <a:fillRef idx="0">
-                <a:schemeClr val="accent1"/>
-              </a:fillRef>
-              <a:effectRef idx="0">
-                <a:schemeClr val="accent1"/>
-              </a:effectRef>
-              <a:fontRef idx="minor">
-                <a:schemeClr val="tx1"/>
-              </a:fontRef>
-            </p:style>
-          </p:cxnSp>
-          <p:cxnSp>
-            <p:nvCxnSpPr>
-              <p:cNvPr id="79" name="直接连接符 78"/>
-              <p:cNvCxnSpPr>
-                <a:cxnSpLocks/>
-                <a:stCxn id="14" idx="4"/>
-                <a:endCxn id="17" idx="0"/>
-              </p:cNvCxnSpPr>
-              <p:nvPr/>
-            </p:nvCxnSpPr>
-            <p:spPr>
-              <a:xfrm flipH="1">
-                <a:off x="2615452" y="2195537"/>
-                <a:ext cx="6094352" cy="1976986"/>
-              </a:xfrm>
-              <a:prstGeom prst="line">
-                <a:avLst/>
-              </a:prstGeom>
-              <a:ln w="28575">
-                <a:solidFill>
-                  <a:schemeClr val="tx1"/>
-                </a:solidFill>
-              </a:ln>
-            </p:spPr>
-            <p:style>
-              <a:lnRef idx="1">
-                <a:schemeClr val="accent1"/>
-              </a:lnRef>
-              <a:fillRef idx="0">
-                <a:schemeClr val="accent1"/>
-              </a:fillRef>
-              <a:effectRef idx="0">
-                <a:schemeClr val="accent1"/>
-              </a:effectRef>
-              <a:fontRef idx="minor">
-                <a:schemeClr val="tx1"/>
-              </a:fontRef>
-            </p:style>
-          </p:cxnSp>
+            <p:txBody>
+              <a:bodyPr rtlCol="0" anchor="ctr"/>
+              <a:lstStyle/>
+              <a:p>
+                <a:pPr algn="ctr"/>
+                <a:endParaRPr lang="zh-CN" altLang="en-US" dirty="0"/>
+              </a:p>
+            </p:txBody>
+          </p:sp>
           <mc:AlternateContent xmlns:mc="http://schemas.openxmlformats.org/markup-compatibility/2006" xmlns:a14="http://schemas.microsoft.com/office/drawing/2010/main">
             <mc:Choice Requires="a14">
               <p:sp>
                 <p:nvSpPr>
-                  <p:cNvPr id="140" name="文本框 139"/>
+                  <p:cNvPr id="18" name="文本框 17"/>
                   <p:cNvSpPr txBox="1"/>
                   <p:nvPr/>
                 </p:nvSpPr>
                 <p:spPr>
                   <a:xfrm>
-                    <a:off x="8712880" y="2966766"/>
-                    <a:ext cx="557460" cy="523220"/>
+                    <a:off x="2325246" y="1458727"/>
+                    <a:ext cx="623889" cy="523220"/>
                   </a:xfrm>
                   <a:prstGeom prst="rect">
                     <a:avLst/>
@@ -9564,16 +8122,35 @@
                           <m:jc m:val="centerGroup"/>
                         </m:oMathParaPr>
                         <m:oMath xmlns:m="http://schemas.openxmlformats.org/officeDocument/2006/math">
-                          <m:r>
-                            <a:rPr lang="en-US" altLang="zh-CN" sz="2800" b="0" i="1" smtClean="0">
-                              <a:latin typeface="Cambria Math" panose="02040503050406030204" pitchFamily="18" charset="0"/>
-                            </a:rPr>
-                            <m:t>𝑤</m:t>
-                          </m:r>
+                          <m:sSub>
+                            <m:sSubPr>
+                              <m:ctrlPr>
+                                <a:rPr lang="en-US" altLang="zh-CN" sz="2800" b="0" i="1" smtClean="0">
+                                  <a:latin typeface="Cambria Math" panose="02040503050406030204" pitchFamily="18" charset="0"/>
+                                </a:rPr>
+                              </m:ctrlPr>
+                            </m:sSubPr>
+                            <m:e>
+                              <m:r>
+                                <a:rPr lang="en-US" altLang="zh-CN" sz="2800" b="0" i="1" smtClean="0">
+                                  <a:latin typeface="Cambria Math" panose="02040503050406030204" pitchFamily="18" charset="0"/>
+                                </a:rPr>
+                                <m:t>𝑏</m:t>
+                              </m:r>
+                            </m:e>
+                            <m:sub>
+                              <m:r>
+                                <a:rPr lang="en-US" altLang="zh-CN" sz="2800" b="0" i="1" smtClean="0">
+                                  <a:latin typeface="Cambria Math" panose="02040503050406030204" pitchFamily="18" charset="0"/>
+                                </a:rPr>
+                                <m:t>1</m:t>
+                              </m:r>
+                            </m:sub>
+                          </m:sSub>
                         </m:oMath>
                       </m:oMathPara>
                     </a14:m>
-                    <a:endParaRPr lang="zh-CN" altLang="en-US" sz="2800" dirty="0"/>
+                    <a:endParaRPr lang="zh-CN" altLang="en-US" dirty="0"/>
                   </a:p>
                 </p:txBody>
               </p:sp>
@@ -9581,7 +8158,7 @@
             <mc:Fallback xmlns="">
               <p:sp>
                 <p:nvSpPr>
-                  <p:cNvPr id="140" name="文本框 139"/>
+                  <p:cNvPr id="18" name="文本框 17"/>
                   <p:cNvSpPr txBox="1">
                     <a:spLocks noRot="1" noChangeAspect="1" noMove="1" noResize="1" noEditPoints="1" noAdjustHandles="1" noChangeArrowheads="1" noChangeShapeType="1" noTextEdit="1"/>
                   </p:cNvSpPr>
@@ -9589,182 +8166,14 @@
                 </p:nvSpPr>
                 <p:spPr>
                   <a:xfrm>
-                    <a:off x="8712880" y="2966766"/>
-                    <a:ext cx="557460" cy="523220"/>
+                    <a:off x="2325246" y="1458727"/>
+                    <a:ext cx="623889" cy="523220"/>
                   </a:xfrm>
                   <a:prstGeom prst="rect">
                     <a:avLst/>
                   </a:prstGeom>
                   <a:blipFill>
-                    <a:blip r:embed="rId14"/>
-                    <a:stretch>
-                      <a:fillRect/>
-                    </a:stretch>
-                  </a:blipFill>
-                </p:spPr>
-                <p:txBody>
-                  <a:bodyPr/>
-                  <a:lstStyle/>
-                  <a:p>
-                    <a:r>
-                      <a:rPr lang="zh-CN" altLang="en-US">
-                        <a:noFill/>
-                      </a:rPr>
-                      <a:t> </a:t>
-                    </a:r>
-                  </a:p>
-                </p:txBody>
-              </p:sp>
-            </mc:Fallback>
-          </mc:AlternateContent>
-          <mc:AlternateContent xmlns:mc="http://schemas.openxmlformats.org/markup-compatibility/2006" xmlns:a14="http://schemas.microsoft.com/office/drawing/2010/main">
-            <mc:Choice Requires="a14">
-              <p:sp>
-                <p:nvSpPr>
-                  <p:cNvPr id="147" name="文本框 146"/>
-                  <p:cNvSpPr txBox="1"/>
-                  <p:nvPr/>
-                </p:nvSpPr>
-                <p:spPr>
-                  <a:xfrm>
-                    <a:off x="1562376" y="4311842"/>
-                    <a:ext cx="516487" cy="523220"/>
-                  </a:xfrm>
-                  <a:prstGeom prst="rect">
-                    <a:avLst/>
-                  </a:prstGeom>
-                  <a:noFill/>
-                </p:spPr>
-                <p:txBody>
-                  <a:bodyPr wrap="none" rtlCol="0">
-                    <a:spAutoFit/>
-                  </a:bodyPr>
-                  <a:lstStyle/>
-                  <a:p>
-                    <a:pPr/>
-                    <a14:m>
-                      <m:oMathPara xmlns:m="http://schemas.openxmlformats.org/officeDocument/2006/math">
-                        <m:oMathParaPr>
-                          <m:jc m:val="centerGroup"/>
-                        </m:oMathParaPr>
-                        <m:oMath xmlns:m="http://schemas.openxmlformats.org/officeDocument/2006/math">
-                          <m:r>
-                            <a:rPr lang="en-US" altLang="zh-CN" sz="2800" b="1" i="1" smtClean="0">
-                              <a:latin typeface="Cambria Math" panose="02040503050406030204" pitchFamily="18" charset="0"/>
-                            </a:rPr>
-                            <m:t>𝑽</m:t>
-                          </m:r>
-                        </m:oMath>
-                      </m:oMathPara>
-                    </a14:m>
-                    <a:endParaRPr lang="zh-CN" altLang="en-US" sz="2000" b="1" dirty="0"/>
-                  </a:p>
-                </p:txBody>
-              </p:sp>
-            </mc:Choice>
-            <mc:Fallback xmlns="">
-              <p:sp>
-                <p:nvSpPr>
-                  <p:cNvPr id="147" name="文本框 146"/>
-                  <p:cNvSpPr txBox="1">
-                    <a:spLocks noRot="1" noChangeAspect="1" noMove="1" noResize="1" noEditPoints="1" noAdjustHandles="1" noChangeArrowheads="1" noChangeShapeType="1" noTextEdit="1"/>
-                  </p:cNvSpPr>
-                  <p:nvPr/>
-                </p:nvSpPr>
-                <p:spPr>
-                  <a:xfrm>
-                    <a:off x="1562376" y="4311842"/>
-                    <a:ext cx="516487" cy="523220"/>
-                  </a:xfrm>
-                  <a:prstGeom prst="rect">
-                    <a:avLst/>
-                  </a:prstGeom>
-                  <a:blipFill>
-                    <a:blip r:embed="rId15"/>
-                    <a:stretch>
-                      <a:fillRect/>
-                    </a:stretch>
-                  </a:blipFill>
-                </p:spPr>
-                <p:txBody>
-                  <a:bodyPr/>
-                  <a:lstStyle/>
-                  <a:p>
-                    <a:r>
-                      <a:rPr lang="zh-CN" altLang="en-US">
-                        <a:noFill/>
-                      </a:rPr>
-                      <a:t> </a:t>
-                    </a:r>
-                  </a:p>
-                </p:txBody>
-              </p:sp>
-            </mc:Fallback>
-          </mc:AlternateContent>
-          <mc:AlternateContent xmlns:mc="http://schemas.openxmlformats.org/markup-compatibility/2006" xmlns:a14="http://schemas.microsoft.com/office/drawing/2010/main">
-            <mc:Choice Requires="a14">
-              <p:sp>
-                <p:nvSpPr>
-                  <p:cNvPr id="148" name="文本框 147"/>
-                  <p:cNvSpPr txBox="1"/>
-                  <p:nvPr/>
-                </p:nvSpPr>
-                <p:spPr>
-                  <a:xfrm>
-                    <a:off x="1531884" y="1541425"/>
-                    <a:ext cx="567784" cy="523220"/>
-                  </a:xfrm>
-                  <a:prstGeom prst="rect">
-                    <a:avLst/>
-                  </a:prstGeom>
-                  <a:noFill/>
-                </p:spPr>
-                <p:txBody>
-                  <a:bodyPr wrap="none" rtlCol="0">
-                    <a:spAutoFit/>
-                  </a:bodyPr>
-                  <a:lstStyle/>
-                  <a:p>
-                    <a:pPr/>
-                    <a14:m>
-                      <m:oMathPara xmlns:m="http://schemas.openxmlformats.org/officeDocument/2006/math">
-                        <m:oMathParaPr>
-                          <m:jc m:val="centerGroup"/>
-                        </m:oMathParaPr>
-                        <m:oMath xmlns:m="http://schemas.openxmlformats.org/officeDocument/2006/math">
-                          <m:r>
-                            <a:rPr lang="en-US" altLang="zh-CN" sz="2800" b="1" i="1" smtClean="0">
-                              <a:latin typeface="Cambria Math" panose="02040503050406030204" pitchFamily="18" charset="0"/>
-                            </a:rPr>
-                            <m:t>𝑯</m:t>
-                          </m:r>
-                        </m:oMath>
-                      </m:oMathPara>
-                    </a14:m>
-                    <a:endParaRPr lang="zh-CN" altLang="en-US" sz="2000" b="1" dirty="0"/>
-                  </a:p>
-                </p:txBody>
-              </p:sp>
-            </mc:Choice>
-            <mc:Fallback xmlns="">
-              <p:sp>
-                <p:nvSpPr>
-                  <p:cNvPr id="148" name="文本框 147"/>
-                  <p:cNvSpPr txBox="1">
-                    <a:spLocks noRot="1" noChangeAspect="1" noMove="1" noResize="1" noEditPoints="1" noAdjustHandles="1" noChangeArrowheads="1" noChangeShapeType="1" noTextEdit="1"/>
-                  </p:cNvSpPr>
-                  <p:nvPr/>
-                </p:nvSpPr>
-                <p:spPr>
-                  <a:xfrm>
-                    <a:off x="1531884" y="1541425"/>
-                    <a:ext cx="567784" cy="523220"/>
-                  </a:xfrm>
-                  <a:prstGeom prst="rect">
-                    <a:avLst/>
-                  </a:prstGeom>
-                  <a:blipFill>
-                    <a:blip r:embed="rId16"/>
+                    <a:blip r:embed="rId8"/>
                     <a:stretch>
                       <a:fillRect/>
                     </a:stretch>
@@ -9788,30 +8197,78 @@
         </p:grpSp>
         <p:grpSp>
           <p:nvGrpSpPr>
-            <p:cNvPr id="52" name="组合 51"/>
+            <p:cNvPr id="25" name="组合 24"/>
             <p:cNvGrpSpPr/>
             <p:nvPr/>
           </p:nvGrpSpPr>
           <p:grpSpPr>
             <a:xfrm>
-              <a:off x="2950494" y="1539028"/>
-              <a:ext cx="6796913" cy="3286151"/>
-              <a:chOff x="2950494" y="1539028"/>
-              <a:chExt cx="6796913" cy="3286151"/>
+              <a:off x="3667809" y="4172523"/>
+              <a:ext cx="785004" cy="785004"/>
+              <a:chOff x="2222950" y="1362339"/>
+              <a:chExt cx="785004" cy="785004"/>
             </a:xfrm>
           </p:grpSpPr>
+          <p:sp>
+            <p:nvSpPr>
+              <p:cNvPr id="26" name="椭圆 25"/>
+              <p:cNvSpPr/>
+              <p:nvPr/>
+            </p:nvSpPr>
+            <p:spPr>
+              <a:xfrm>
+                <a:off x="2222950" y="1362339"/>
+                <a:ext cx="785004" cy="785004"/>
+              </a:xfrm>
+              <a:prstGeom prst="ellipse">
+                <a:avLst/>
+              </a:prstGeom>
+              <a:solidFill>
+                <a:srgbClr val="FFEB3B"/>
+              </a:solidFill>
+              <a:ln w="38100">
+                <a:solidFill>
+                  <a:schemeClr val="tx1"/>
+                </a:solidFill>
+              </a:ln>
+            </p:spPr>
+            <p:style>
+              <a:lnRef idx="2">
+                <a:schemeClr val="accent1">
+                  <a:shade val="50000"/>
+                </a:schemeClr>
+              </a:lnRef>
+              <a:fillRef idx="1">
+                <a:schemeClr val="accent1"/>
+              </a:fillRef>
+              <a:effectRef idx="0">
+                <a:schemeClr val="accent1"/>
+              </a:effectRef>
+              <a:fontRef idx="minor">
+                <a:schemeClr val="lt1"/>
+              </a:fontRef>
+            </p:style>
+            <p:txBody>
+              <a:bodyPr rtlCol="0" anchor="ctr"/>
+              <a:lstStyle/>
+              <a:p>
+                <a:pPr algn="ctr"/>
+                <a:endParaRPr lang="zh-CN" altLang="en-US" dirty="0"/>
+              </a:p>
+            </p:txBody>
+          </p:sp>
           <mc:AlternateContent xmlns:mc="http://schemas.openxmlformats.org/markup-compatibility/2006" xmlns:a14="http://schemas.microsoft.com/office/drawing/2010/main">
             <mc:Choice Requires="a14">
               <p:sp>
                 <p:nvSpPr>
-                  <p:cNvPr id="53" name="文本框 52"/>
+                  <p:cNvPr id="27" name="文本框 26"/>
                   <p:cNvSpPr txBox="1"/>
                   <p:nvPr/>
                 </p:nvSpPr>
                 <p:spPr>
                   <a:xfrm>
-                    <a:off x="2950925" y="1539028"/>
-                    <a:ext cx="640111" cy="523220"/>
+                    <a:off x="2325246" y="1458727"/>
+                    <a:ext cx="632161" cy="523220"/>
                   </a:xfrm>
                   <a:prstGeom prst="rect">
                     <a:avLst/>
@@ -9835,9 +8292,6 @@
                             <m:sSubPr>
                               <m:ctrlPr>
                                 <a:rPr lang="en-US" altLang="zh-CN" sz="2800" b="0" i="1" smtClean="0">
-                                  <a:solidFill>
-                                    <a:schemeClr val="tx1"/>
-                                  </a:solidFill>
                                   <a:latin typeface="Cambria Math" panose="02040503050406030204" pitchFamily="18" charset="0"/>
                                 </a:rPr>
                               </m:ctrlPr>
@@ -9845,34 +8299,24 @@
                             <m:e>
                               <m:r>
                                 <a:rPr lang="en-US" altLang="zh-CN" sz="2800" b="0" i="1" smtClean="0">
-                                  <a:solidFill>
-                                    <a:schemeClr val="tx1"/>
-                                  </a:solidFill>
                                   <a:latin typeface="Cambria Math" panose="02040503050406030204" pitchFamily="18" charset="0"/>
                                 </a:rPr>
-                                <m:t>h</m:t>
+                                <m:t>𝑏</m:t>
                               </m:r>
                             </m:e>
                             <m:sub>
                               <m:r>
                                 <a:rPr lang="en-US" altLang="zh-CN" sz="2800" b="0" i="1" smtClean="0">
-                                  <a:solidFill>
-                                    <a:schemeClr val="tx1"/>
-                                  </a:solidFill>
                                   <a:latin typeface="Cambria Math" panose="02040503050406030204" pitchFamily="18" charset="0"/>
                                 </a:rPr>
-                                <m:t>1</m:t>
+                                <m:t>2</m:t>
                               </m:r>
                             </m:sub>
                           </m:sSub>
                         </m:oMath>
                       </m:oMathPara>
                     </a14:m>
-                    <a:endParaRPr lang="zh-CN" altLang="en-US" dirty="0">
-                      <a:solidFill>
-                        <a:schemeClr val="tx1"/>
-                      </a:solidFill>
-                    </a:endParaRPr>
+                    <a:endParaRPr lang="zh-CN" altLang="en-US" dirty="0"/>
                   </a:p>
                 </p:txBody>
               </p:sp>
@@ -9880,7 +8324,7 @@
             <mc:Fallback xmlns="">
               <p:sp>
                 <p:nvSpPr>
-                  <p:cNvPr id="53" name="文本框 52"/>
+                  <p:cNvPr id="27" name="文本框 26"/>
                   <p:cNvSpPr txBox="1">
                     <a:spLocks noRot="1" noChangeAspect="1" noMove="1" noResize="1" noEditPoints="1" noAdjustHandles="1" noChangeArrowheads="1" noChangeShapeType="1" noTextEdit="1"/>
                   </p:cNvSpPr>
@@ -9888,14 +8332,14 @@
                 </p:nvSpPr>
                 <p:spPr>
                   <a:xfrm>
-                    <a:off x="2950925" y="1539028"/>
-                    <a:ext cx="640111" cy="523220"/>
+                    <a:off x="2325246" y="1458727"/>
+                    <a:ext cx="632161" cy="523220"/>
                   </a:xfrm>
                   <a:prstGeom prst="rect">
                     <a:avLst/>
                   </a:prstGeom>
                   <a:blipFill>
-                    <a:blip r:embed="rId14"/>
+                    <a:blip r:embed="rId9"/>
                     <a:stretch>
                       <a:fillRect/>
                     </a:stretch>
@@ -9916,18 +8360,81 @@
               </p:sp>
             </mc:Fallback>
           </mc:AlternateContent>
+        </p:grpSp>
+        <p:grpSp>
+          <p:nvGrpSpPr>
+            <p:cNvPr id="28" name="组合 27"/>
+            <p:cNvGrpSpPr/>
+            <p:nvPr/>
+          </p:nvGrpSpPr>
+          <p:grpSpPr>
+            <a:xfrm>
+              <a:off x="8292786" y="4172523"/>
+              <a:ext cx="834035" cy="785004"/>
+              <a:chOff x="2222950" y="1362339"/>
+              <a:chExt cx="834035" cy="785004"/>
+            </a:xfrm>
+          </p:grpSpPr>
+          <p:sp>
+            <p:nvSpPr>
+              <p:cNvPr id="29" name="椭圆 28"/>
+              <p:cNvSpPr/>
+              <p:nvPr/>
+            </p:nvSpPr>
+            <p:spPr>
+              <a:xfrm>
+                <a:off x="2222950" y="1362339"/>
+                <a:ext cx="785004" cy="785004"/>
+              </a:xfrm>
+              <a:prstGeom prst="ellipse">
+                <a:avLst/>
+              </a:prstGeom>
+              <a:solidFill>
+                <a:srgbClr val="FFEB3B"/>
+              </a:solidFill>
+              <a:ln w="38100">
+                <a:solidFill>
+                  <a:schemeClr val="tx1"/>
+                </a:solidFill>
+              </a:ln>
+            </p:spPr>
+            <p:style>
+              <a:lnRef idx="2">
+                <a:schemeClr val="accent1">
+                  <a:shade val="50000"/>
+                </a:schemeClr>
+              </a:lnRef>
+              <a:fillRef idx="1">
+                <a:schemeClr val="accent1"/>
+              </a:fillRef>
+              <a:effectRef idx="0">
+                <a:schemeClr val="accent1"/>
+              </a:effectRef>
+              <a:fontRef idx="minor">
+                <a:schemeClr val="lt1"/>
+              </a:fontRef>
+            </p:style>
+            <p:txBody>
+              <a:bodyPr rtlCol="0" anchor="ctr"/>
+              <a:lstStyle/>
+              <a:p>
+                <a:pPr algn="ctr"/>
+                <a:endParaRPr lang="zh-CN" altLang="en-US" dirty="0"/>
+              </a:p>
+            </p:txBody>
+          </p:sp>
           <mc:AlternateContent xmlns:mc="http://schemas.openxmlformats.org/markup-compatibility/2006" xmlns:a14="http://schemas.microsoft.com/office/drawing/2010/main">
             <mc:Choice Requires="a14">
               <p:sp>
                 <p:nvSpPr>
-                  <p:cNvPr id="54" name="文本框 53"/>
+                  <p:cNvPr id="30" name="文本框 29"/>
                   <p:cNvSpPr txBox="1"/>
                   <p:nvPr/>
                 </p:nvSpPr>
                 <p:spPr>
                   <a:xfrm>
-                    <a:off x="4396877" y="1539028"/>
-                    <a:ext cx="648383" cy="523220"/>
+                    <a:off x="2325246" y="1458727"/>
+                    <a:ext cx="731739" cy="523220"/>
                   </a:xfrm>
                   <a:prstGeom prst="rect">
                     <a:avLst/>
@@ -9951,9 +8458,6 @@
                             <m:sSubPr>
                               <m:ctrlPr>
                                 <a:rPr lang="en-US" altLang="zh-CN" sz="2800" b="0" i="1" smtClean="0">
-                                  <a:solidFill>
-                                    <a:schemeClr val="tx1"/>
-                                  </a:solidFill>
                                   <a:latin typeface="Cambria Math" panose="02040503050406030204" pitchFamily="18" charset="0"/>
                                 </a:rPr>
                               </m:ctrlPr>
@@ -9961,34 +8465,24 @@
                             <m:e>
                               <m:r>
                                 <a:rPr lang="en-US" altLang="zh-CN" sz="2800" b="0" i="1" smtClean="0">
-                                  <a:solidFill>
-                                    <a:schemeClr val="tx1"/>
-                                  </a:solidFill>
                                   <a:latin typeface="Cambria Math" panose="02040503050406030204" pitchFamily="18" charset="0"/>
                                 </a:rPr>
-                                <m:t>h</m:t>
+                                <m:t>𝑏</m:t>
                               </m:r>
                             </m:e>
                             <m:sub>
                               <m:r>
                                 <a:rPr lang="en-US" altLang="zh-CN" sz="2800" b="0" i="1" smtClean="0">
-                                  <a:solidFill>
-                                    <a:schemeClr val="tx1"/>
-                                  </a:solidFill>
                                   <a:latin typeface="Cambria Math" panose="02040503050406030204" pitchFamily="18" charset="0"/>
                                 </a:rPr>
-                                <m:t>2</m:t>
+                                <m:t>𝑚</m:t>
                               </m:r>
                             </m:sub>
                           </m:sSub>
                         </m:oMath>
                       </m:oMathPara>
                     </a14:m>
-                    <a:endParaRPr lang="zh-CN" altLang="en-US" dirty="0">
-                      <a:solidFill>
-                        <a:schemeClr val="tx1"/>
-                      </a:solidFill>
-                    </a:endParaRPr>
+                    <a:endParaRPr lang="zh-CN" altLang="en-US" dirty="0"/>
                   </a:p>
                 </p:txBody>
               </p:sp>
@@ -9996,7 +8490,7 @@
             <mc:Fallback xmlns="">
               <p:sp>
                 <p:nvSpPr>
-                  <p:cNvPr id="54" name="文本框 53"/>
+                  <p:cNvPr id="30" name="文本框 29"/>
                   <p:cNvSpPr txBox="1">
                     <a:spLocks noRot="1" noChangeAspect="1" noMove="1" noResize="1" noEditPoints="1" noAdjustHandles="1" noChangeArrowheads="1" noChangeShapeType="1" noTextEdit="1"/>
                   </p:cNvSpPr>
@@ -10004,14 +8498,14 @@
                 </p:nvSpPr>
                 <p:spPr>
                   <a:xfrm>
-                    <a:off x="4396877" y="1539028"/>
-                    <a:ext cx="648383" cy="523220"/>
+                    <a:off x="2325246" y="1458727"/>
+                    <a:ext cx="731739" cy="523220"/>
                   </a:xfrm>
                   <a:prstGeom prst="rect">
                     <a:avLst/>
                   </a:prstGeom>
                   <a:blipFill>
-                    <a:blip r:embed="rId17"/>
+                    <a:blip r:embed="rId10"/>
                     <a:stretch>
                       <a:fillRect/>
                     </a:stretch>
@@ -10032,18 +8526,81 @@
               </p:sp>
             </mc:Fallback>
           </mc:AlternateContent>
+        </p:grpSp>
+        <p:grpSp>
+          <p:nvGrpSpPr>
+            <p:cNvPr id="31" name="组合 30"/>
+            <p:cNvGrpSpPr/>
+            <p:nvPr/>
+          </p:nvGrpSpPr>
+          <p:grpSpPr>
+            <a:xfrm>
+              <a:off x="5991348" y="4172523"/>
+              <a:ext cx="785004" cy="785004"/>
+              <a:chOff x="2222950" y="1362339"/>
+              <a:chExt cx="785004" cy="785004"/>
+            </a:xfrm>
+          </p:grpSpPr>
+          <p:sp>
+            <p:nvSpPr>
+              <p:cNvPr id="32" name="椭圆 31"/>
+              <p:cNvSpPr/>
+              <p:nvPr/>
+            </p:nvSpPr>
+            <p:spPr>
+              <a:xfrm>
+                <a:off x="2222950" y="1362339"/>
+                <a:ext cx="785004" cy="785004"/>
+              </a:xfrm>
+              <a:prstGeom prst="ellipse">
+                <a:avLst/>
+              </a:prstGeom>
+              <a:solidFill>
+                <a:srgbClr val="FFEB3B"/>
+              </a:solidFill>
+              <a:ln w="38100">
+                <a:solidFill>
+                  <a:schemeClr val="tx1"/>
+                </a:solidFill>
+              </a:ln>
+            </p:spPr>
+            <p:style>
+              <a:lnRef idx="2">
+                <a:schemeClr val="accent1">
+                  <a:shade val="50000"/>
+                </a:schemeClr>
+              </a:lnRef>
+              <a:fillRef idx="1">
+                <a:schemeClr val="accent1"/>
+              </a:fillRef>
+              <a:effectRef idx="0">
+                <a:schemeClr val="accent1"/>
+              </a:effectRef>
+              <a:fontRef idx="minor">
+                <a:schemeClr val="lt1"/>
+              </a:fontRef>
+            </p:style>
+            <p:txBody>
+              <a:bodyPr rtlCol="0" anchor="ctr"/>
+              <a:lstStyle/>
+              <a:p>
+                <a:pPr algn="ctr"/>
+                <a:endParaRPr lang="zh-CN" altLang="en-US" dirty="0"/>
+              </a:p>
+            </p:txBody>
+          </p:sp>
           <mc:AlternateContent xmlns:mc="http://schemas.openxmlformats.org/markup-compatibility/2006" xmlns:a14="http://schemas.microsoft.com/office/drawing/2010/main">
             <mc:Choice Requires="a14">
               <p:sp>
                 <p:nvSpPr>
-                  <p:cNvPr id="55" name="文本框 54"/>
+                  <p:cNvPr id="33" name="文本框 32"/>
                   <p:cNvSpPr txBox="1"/>
                   <p:nvPr/>
                 </p:nvSpPr>
                 <p:spPr>
                   <a:xfrm>
-                    <a:off x="6722227" y="1540238"/>
-                    <a:ext cx="596382" cy="523220"/>
+                    <a:off x="2325246" y="1458727"/>
+                    <a:ext cx="580287" cy="557910"/>
                   </a:xfrm>
                   <a:prstGeom prst="rect">
                     <a:avLst/>
@@ -10067,9 +8624,6 @@
                             <m:sSubPr>
                               <m:ctrlPr>
                                 <a:rPr lang="en-US" altLang="zh-CN" sz="2800" b="0" i="1" smtClean="0">
-                                  <a:solidFill>
-                                    <a:schemeClr val="tx1"/>
-                                  </a:solidFill>
                                   <a:latin typeface="Cambria Math" panose="02040503050406030204" pitchFamily="18" charset="0"/>
                                 </a:rPr>
                               </m:ctrlPr>
@@ -10077,484 +8631,14 @@
                             <m:e>
                               <m:r>
                                 <a:rPr lang="en-US" altLang="zh-CN" sz="2800" b="0" i="1" smtClean="0">
-                                  <a:solidFill>
-                                    <a:schemeClr val="tx1"/>
-                                  </a:solidFill>
                                   <a:latin typeface="Cambria Math" panose="02040503050406030204" pitchFamily="18" charset="0"/>
                                 </a:rPr>
-                                <m:t>h</m:t>
+                                <m:t>𝑏</m:t>
                               </m:r>
                             </m:e>
                             <m:sub>
                               <m:r>
                                 <a:rPr lang="en-US" altLang="zh-CN" sz="2800" b="0" i="1" smtClean="0">
-                                  <a:solidFill>
-                                    <a:schemeClr val="tx1"/>
-                                  </a:solidFill>
-                                  <a:latin typeface="Cambria Math" panose="02040503050406030204" pitchFamily="18" charset="0"/>
-                                </a:rPr>
-                                <m:t>𝑖</m:t>
-                              </m:r>
-                            </m:sub>
-                          </m:sSub>
-                        </m:oMath>
-                      </m:oMathPara>
-                    </a14:m>
-                    <a:endParaRPr lang="zh-CN" altLang="en-US" dirty="0">
-                      <a:solidFill>
-                        <a:schemeClr val="tx1"/>
-                      </a:solidFill>
-                    </a:endParaRPr>
-                  </a:p>
-                </p:txBody>
-              </p:sp>
-            </mc:Choice>
-            <mc:Fallback xmlns="">
-              <p:sp>
-                <p:nvSpPr>
-                  <p:cNvPr id="55" name="文本框 54"/>
-                  <p:cNvSpPr txBox="1">
-                    <a:spLocks noRot="1" noChangeAspect="1" noMove="1" noResize="1" noEditPoints="1" noAdjustHandles="1" noChangeArrowheads="1" noChangeShapeType="1" noTextEdit="1"/>
-                  </p:cNvSpPr>
-                  <p:nvPr/>
-                </p:nvSpPr>
-                <p:spPr>
-                  <a:xfrm>
-                    <a:off x="6722227" y="1540238"/>
-                    <a:ext cx="596382" cy="523220"/>
-                  </a:xfrm>
-                  <a:prstGeom prst="rect">
-                    <a:avLst/>
-                  </a:prstGeom>
-                  <a:blipFill>
-                    <a:blip r:embed="rId18"/>
-                    <a:stretch>
-                      <a:fillRect/>
-                    </a:stretch>
-                  </a:blipFill>
-                </p:spPr>
-                <p:txBody>
-                  <a:bodyPr/>
-                  <a:lstStyle/>
-                  <a:p>
-                    <a:r>
-                      <a:rPr lang="zh-CN" altLang="en-US">
-                        <a:noFill/>
-                      </a:rPr>
-                      <a:t> </a:t>
-                    </a:r>
-                  </a:p>
-                </p:txBody>
-              </p:sp>
-            </mc:Fallback>
-          </mc:AlternateContent>
-          <mc:AlternateContent xmlns:mc="http://schemas.openxmlformats.org/markup-compatibility/2006" xmlns:a14="http://schemas.microsoft.com/office/drawing/2010/main">
-            <mc:Choice Requires="a14">
-              <p:sp>
-                <p:nvSpPr>
-                  <p:cNvPr id="56" name="文本框 55"/>
-                  <p:cNvSpPr txBox="1"/>
-                  <p:nvPr/>
-                </p:nvSpPr>
-                <p:spPr>
-                  <a:xfrm>
-                    <a:off x="9026230" y="1539028"/>
-                    <a:ext cx="670505" cy="523220"/>
-                  </a:xfrm>
-                  <a:prstGeom prst="rect">
-                    <a:avLst/>
-                  </a:prstGeom>
-                  <a:noFill/>
-                </p:spPr>
-                <p:txBody>
-                  <a:bodyPr wrap="none" rtlCol="0">
-                    <a:spAutoFit/>
-                  </a:bodyPr>
-                  <a:lstStyle/>
-                  <a:p>
-                    <a:pPr/>
-                    <a14:m>
-                      <m:oMathPara xmlns:m="http://schemas.openxmlformats.org/officeDocument/2006/math">
-                        <m:oMathParaPr>
-                          <m:jc m:val="centerGroup"/>
-                        </m:oMathParaPr>
-                        <m:oMath xmlns:m="http://schemas.openxmlformats.org/officeDocument/2006/math">
-                          <m:sSub>
-                            <m:sSubPr>
-                              <m:ctrlPr>
-                                <a:rPr lang="en-US" altLang="zh-CN" sz="2800" b="0" i="1" smtClean="0">
-                                  <a:solidFill>
-                                    <a:schemeClr val="tx1"/>
-                                  </a:solidFill>
-                                  <a:latin typeface="Cambria Math" panose="02040503050406030204" pitchFamily="18" charset="0"/>
-                                </a:rPr>
-                              </m:ctrlPr>
-                            </m:sSubPr>
-                            <m:e>
-                              <m:r>
-                                <a:rPr lang="en-US" altLang="zh-CN" sz="2800" b="0" i="1" smtClean="0">
-                                  <a:solidFill>
-                                    <a:schemeClr val="tx1"/>
-                                  </a:solidFill>
-                                  <a:latin typeface="Cambria Math" panose="02040503050406030204" pitchFamily="18" charset="0"/>
-                                </a:rPr>
-                                <m:t>h</m:t>
-                              </m:r>
-                            </m:e>
-                            <m:sub>
-                              <m:r>
-                                <a:rPr lang="en-US" altLang="zh-CN" sz="2800" b="0" i="1" smtClean="0">
-                                  <a:solidFill>
-                                    <a:schemeClr val="tx1"/>
-                                  </a:solidFill>
-                                  <a:latin typeface="Cambria Math" panose="02040503050406030204" pitchFamily="18" charset="0"/>
-                                </a:rPr>
-                                <m:t>𝑛</m:t>
-                              </m:r>
-                            </m:sub>
-                          </m:sSub>
-                        </m:oMath>
-                      </m:oMathPara>
-                    </a14:m>
-                    <a:endParaRPr lang="zh-CN" altLang="en-US" dirty="0">
-                      <a:solidFill>
-                        <a:schemeClr val="tx1"/>
-                      </a:solidFill>
-                    </a:endParaRPr>
-                  </a:p>
-                </p:txBody>
-              </p:sp>
-            </mc:Choice>
-            <mc:Fallback xmlns="">
-              <p:sp>
-                <p:nvSpPr>
-                  <p:cNvPr id="56" name="文本框 55"/>
-                  <p:cNvSpPr txBox="1">
-                    <a:spLocks noRot="1" noChangeAspect="1" noMove="1" noResize="1" noEditPoints="1" noAdjustHandles="1" noChangeArrowheads="1" noChangeShapeType="1" noTextEdit="1"/>
-                  </p:cNvSpPr>
-                  <p:nvPr/>
-                </p:nvSpPr>
-                <p:spPr>
-                  <a:xfrm>
-                    <a:off x="9026230" y="1539028"/>
-                    <a:ext cx="670505" cy="523220"/>
-                  </a:xfrm>
-                  <a:prstGeom prst="rect">
-                    <a:avLst/>
-                  </a:prstGeom>
-                  <a:blipFill>
-                    <a:blip r:embed="rId19"/>
-                    <a:stretch>
-                      <a:fillRect/>
-                    </a:stretch>
-                  </a:blipFill>
-                </p:spPr>
-                <p:txBody>
-                  <a:bodyPr/>
-                  <a:lstStyle/>
-                  <a:p>
-                    <a:r>
-                      <a:rPr lang="zh-CN" altLang="en-US">
-                        <a:noFill/>
-                      </a:rPr>
-                      <a:t> </a:t>
-                    </a:r>
-                  </a:p>
-                </p:txBody>
-              </p:sp>
-            </mc:Fallback>
-          </mc:AlternateContent>
-          <mc:AlternateContent xmlns:mc="http://schemas.openxmlformats.org/markup-compatibility/2006" xmlns:a14="http://schemas.microsoft.com/office/drawing/2010/main">
-            <mc:Choice Requires="a14">
-              <p:sp>
-                <p:nvSpPr>
-                  <p:cNvPr id="57" name="文本框 56"/>
-                  <p:cNvSpPr txBox="1"/>
-                  <p:nvPr/>
-                </p:nvSpPr>
-                <p:spPr>
-                  <a:xfrm>
-                    <a:off x="2950494" y="4266059"/>
-                    <a:ext cx="640111" cy="523220"/>
-                  </a:xfrm>
-                  <a:prstGeom prst="rect">
-                    <a:avLst/>
-                  </a:prstGeom>
-                  <a:noFill/>
-                </p:spPr>
-                <p:txBody>
-                  <a:bodyPr wrap="none" rtlCol="0">
-                    <a:spAutoFit/>
-                  </a:bodyPr>
-                  <a:lstStyle/>
-                  <a:p>
-                    <a:pPr/>
-                    <a14:m>
-                      <m:oMathPara xmlns:m="http://schemas.openxmlformats.org/officeDocument/2006/math">
-                        <m:oMathParaPr>
-                          <m:jc m:val="centerGroup"/>
-                        </m:oMathParaPr>
-                        <m:oMath xmlns:m="http://schemas.openxmlformats.org/officeDocument/2006/math">
-                          <m:sSub>
-                            <m:sSubPr>
-                              <m:ctrlPr>
-                                <a:rPr lang="en-US" altLang="zh-CN" sz="2800" b="0" i="1" smtClean="0">
-                                  <a:solidFill>
-                                    <a:schemeClr val="tx1"/>
-                                  </a:solidFill>
-                                  <a:latin typeface="Cambria Math" panose="02040503050406030204" pitchFamily="18" charset="0"/>
-                                </a:rPr>
-                              </m:ctrlPr>
-                            </m:sSubPr>
-                            <m:e>
-                              <m:r>
-                                <a:rPr lang="en-US" altLang="zh-CN" sz="2800" b="0" i="1" smtClean="0">
-                                  <a:solidFill>
-                                    <a:schemeClr val="tx1"/>
-                                  </a:solidFill>
-                                  <a:latin typeface="Cambria Math" panose="02040503050406030204" pitchFamily="18" charset="0"/>
-                                </a:rPr>
-                                <m:t>𝑣</m:t>
-                              </m:r>
-                            </m:e>
-                            <m:sub>
-                              <m:r>
-                                <a:rPr lang="en-US" altLang="zh-CN" sz="2800" b="0" i="1" smtClean="0">
-                                  <a:solidFill>
-                                    <a:schemeClr val="tx1"/>
-                                  </a:solidFill>
-                                  <a:latin typeface="Cambria Math" panose="02040503050406030204" pitchFamily="18" charset="0"/>
-                                </a:rPr>
-                                <m:t>1</m:t>
-                              </m:r>
-                            </m:sub>
-                          </m:sSub>
-                        </m:oMath>
-                      </m:oMathPara>
-                    </a14:m>
-                    <a:endParaRPr lang="zh-CN" altLang="en-US" dirty="0">
-                      <a:solidFill>
-                        <a:schemeClr val="tx1"/>
-                      </a:solidFill>
-                    </a:endParaRPr>
-                  </a:p>
-                </p:txBody>
-              </p:sp>
-            </mc:Choice>
-            <mc:Fallback xmlns="">
-              <p:sp>
-                <p:nvSpPr>
-                  <p:cNvPr id="57" name="文本框 56"/>
-                  <p:cNvSpPr txBox="1">
-                    <a:spLocks noRot="1" noChangeAspect="1" noMove="1" noResize="1" noEditPoints="1" noAdjustHandles="1" noChangeArrowheads="1" noChangeShapeType="1" noTextEdit="1"/>
-                  </p:cNvSpPr>
-                  <p:nvPr/>
-                </p:nvSpPr>
-                <p:spPr>
-                  <a:xfrm>
-                    <a:off x="2950494" y="4266059"/>
-                    <a:ext cx="640111" cy="523220"/>
-                  </a:xfrm>
-                  <a:prstGeom prst="rect">
-                    <a:avLst/>
-                  </a:prstGeom>
-                  <a:blipFill>
-                    <a:blip r:embed="rId20"/>
-                    <a:stretch>
-                      <a:fillRect/>
-                    </a:stretch>
-                  </a:blipFill>
-                </p:spPr>
-                <p:txBody>
-                  <a:bodyPr/>
-                  <a:lstStyle/>
-                  <a:p>
-                    <a:r>
-                      <a:rPr lang="zh-CN" altLang="en-US">
-                        <a:noFill/>
-                      </a:rPr>
-                      <a:t> </a:t>
-                    </a:r>
-                  </a:p>
-                </p:txBody>
-              </p:sp>
-            </mc:Fallback>
-          </mc:AlternateContent>
-          <mc:AlternateContent xmlns:mc="http://schemas.openxmlformats.org/markup-compatibility/2006" xmlns:a14="http://schemas.microsoft.com/office/drawing/2010/main">
-            <mc:Choice Requires="a14">
-              <p:sp>
-                <p:nvSpPr>
-                  <p:cNvPr id="63" name="文本框 62"/>
-                  <p:cNvSpPr txBox="1"/>
-                  <p:nvPr/>
-                </p:nvSpPr>
-                <p:spPr>
-                  <a:xfrm>
-                    <a:off x="4396446" y="4266059"/>
-                    <a:ext cx="648383" cy="523220"/>
-                  </a:xfrm>
-                  <a:prstGeom prst="rect">
-                    <a:avLst/>
-                  </a:prstGeom>
-                  <a:noFill/>
-                </p:spPr>
-                <p:txBody>
-                  <a:bodyPr wrap="none" rtlCol="0">
-                    <a:spAutoFit/>
-                  </a:bodyPr>
-                  <a:lstStyle/>
-                  <a:p>
-                    <a:pPr/>
-                    <a14:m>
-                      <m:oMathPara xmlns:m="http://schemas.openxmlformats.org/officeDocument/2006/math">
-                        <m:oMathParaPr>
-                          <m:jc m:val="centerGroup"/>
-                        </m:oMathParaPr>
-                        <m:oMath xmlns:m="http://schemas.openxmlformats.org/officeDocument/2006/math">
-                          <m:sSub>
-                            <m:sSubPr>
-                              <m:ctrlPr>
-                                <a:rPr lang="en-US" altLang="zh-CN" sz="2800" b="0" i="1" smtClean="0">
-                                  <a:solidFill>
-                                    <a:schemeClr val="tx1"/>
-                                  </a:solidFill>
-                                  <a:latin typeface="Cambria Math" panose="02040503050406030204" pitchFamily="18" charset="0"/>
-                                </a:rPr>
-                              </m:ctrlPr>
-                            </m:sSubPr>
-                            <m:e>
-                              <m:r>
-                                <a:rPr lang="en-US" altLang="zh-CN" sz="2800" b="0" i="1" smtClean="0">
-                                  <a:solidFill>
-                                    <a:schemeClr val="tx1"/>
-                                  </a:solidFill>
-                                  <a:latin typeface="Cambria Math" panose="02040503050406030204" pitchFamily="18" charset="0"/>
-                                </a:rPr>
-                                <m:t>𝑣</m:t>
-                              </m:r>
-                            </m:e>
-                            <m:sub>
-                              <m:r>
-                                <a:rPr lang="en-US" altLang="zh-CN" sz="2800" b="0" i="1" smtClean="0">
-                                  <a:solidFill>
-                                    <a:schemeClr val="tx1"/>
-                                  </a:solidFill>
-                                  <a:latin typeface="Cambria Math" panose="02040503050406030204" pitchFamily="18" charset="0"/>
-                                </a:rPr>
-                                <m:t>2</m:t>
-                              </m:r>
-                            </m:sub>
-                          </m:sSub>
-                        </m:oMath>
-                      </m:oMathPara>
-                    </a14:m>
-                    <a:endParaRPr lang="zh-CN" altLang="en-US" dirty="0">
-                      <a:solidFill>
-                        <a:schemeClr val="tx1"/>
-                      </a:solidFill>
-                    </a:endParaRPr>
-                  </a:p>
-                </p:txBody>
-              </p:sp>
-            </mc:Choice>
-            <mc:Fallback xmlns="">
-              <p:sp>
-                <p:nvSpPr>
-                  <p:cNvPr id="63" name="文本框 62"/>
-                  <p:cNvSpPr txBox="1">
-                    <a:spLocks noRot="1" noChangeAspect="1" noMove="1" noResize="1" noEditPoints="1" noAdjustHandles="1" noChangeArrowheads="1" noChangeShapeType="1" noTextEdit="1"/>
-                  </p:cNvSpPr>
-                  <p:nvPr/>
-                </p:nvSpPr>
-                <p:spPr>
-                  <a:xfrm>
-                    <a:off x="4396446" y="4266059"/>
-                    <a:ext cx="648383" cy="523220"/>
-                  </a:xfrm>
-                  <a:prstGeom prst="rect">
-                    <a:avLst/>
-                  </a:prstGeom>
-                  <a:blipFill>
-                    <a:blip r:embed="rId21"/>
-                    <a:stretch>
-                      <a:fillRect/>
-                    </a:stretch>
-                  </a:blipFill>
-                </p:spPr>
-                <p:txBody>
-                  <a:bodyPr/>
-                  <a:lstStyle/>
-                  <a:p>
-                    <a:r>
-                      <a:rPr lang="zh-CN" altLang="en-US">
-                        <a:noFill/>
-                      </a:rPr>
-                      <a:t> </a:t>
-                    </a:r>
-                  </a:p>
-                </p:txBody>
-              </p:sp>
-            </mc:Fallback>
-          </mc:AlternateContent>
-          <mc:AlternateContent xmlns:mc="http://schemas.openxmlformats.org/markup-compatibility/2006" xmlns:a14="http://schemas.microsoft.com/office/drawing/2010/main">
-            <mc:Choice Requires="a14">
-              <p:sp>
-                <p:nvSpPr>
-                  <p:cNvPr id="64" name="文本框 63"/>
-                  <p:cNvSpPr txBox="1"/>
-                  <p:nvPr/>
-                </p:nvSpPr>
-                <p:spPr>
-                  <a:xfrm>
-                    <a:off x="6721796" y="4267269"/>
-                    <a:ext cx="589777" cy="557910"/>
-                  </a:xfrm>
-                  <a:prstGeom prst="rect">
-                    <a:avLst/>
-                  </a:prstGeom>
-                  <a:noFill/>
-                </p:spPr>
-                <p:txBody>
-                  <a:bodyPr wrap="none" rtlCol="0">
-                    <a:spAutoFit/>
-                  </a:bodyPr>
-                  <a:lstStyle/>
-                  <a:p>
-                    <a:pPr/>
-                    <a14:m>
-                      <m:oMathPara xmlns:m="http://schemas.openxmlformats.org/officeDocument/2006/math">
-                        <m:oMathParaPr>
-                          <m:jc m:val="centerGroup"/>
-                        </m:oMathParaPr>
-                        <m:oMath xmlns:m="http://schemas.openxmlformats.org/officeDocument/2006/math">
-                          <m:sSub>
-                            <m:sSubPr>
-                              <m:ctrlPr>
-                                <a:rPr lang="en-US" altLang="zh-CN" sz="2800" b="0" i="1" smtClean="0">
-                                  <a:solidFill>
-                                    <a:schemeClr val="tx1"/>
-                                  </a:solidFill>
-                                  <a:latin typeface="Cambria Math" panose="02040503050406030204" pitchFamily="18" charset="0"/>
-                                </a:rPr>
-                              </m:ctrlPr>
-                            </m:sSubPr>
-                            <m:e>
-                              <m:r>
-                                <a:rPr lang="en-US" altLang="zh-CN" sz="2800" b="0" i="1" smtClean="0">
-                                  <a:solidFill>
-                                    <a:schemeClr val="tx1"/>
-                                  </a:solidFill>
-                                  <a:latin typeface="Cambria Math" panose="02040503050406030204" pitchFamily="18" charset="0"/>
-                                </a:rPr>
-                                <m:t>𝑣</m:t>
-                              </m:r>
-                            </m:e>
-                            <m:sub>
-                              <m:r>
-                                <a:rPr lang="en-US" altLang="zh-CN" sz="2800" b="0" i="1" smtClean="0">
-                                  <a:solidFill>
-                                    <a:schemeClr val="tx1"/>
-                                  </a:solidFill>
                                   <a:latin typeface="Cambria Math" panose="02040503050406030204" pitchFamily="18" charset="0"/>
                                 </a:rPr>
                                 <m:t>𝑗</m:t>
@@ -10564,11 +8648,7 @@
                         </m:oMath>
                       </m:oMathPara>
                     </a14:m>
-                    <a:endParaRPr lang="zh-CN" altLang="en-US" dirty="0">
-                      <a:solidFill>
-                        <a:schemeClr val="tx1"/>
-                      </a:solidFill>
-                    </a:endParaRPr>
+                    <a:endParaRPr lang="zh-CN" altLang="en-US" dirty="0"/>
                   </a:p>
                 </p:txBody>
               </p:sp>
@@ -10576,7 +8656,7 @@
             <mc:Fallback xmlns="">
               <p:sp>
                 <p:nvSpPr>
-                  <p:cNvPr id="64" name="文本框 63"/>
+                  <p:cNvPr id="33" name="文本框 32"/>
                   <p:cNvSpPr txBox="1">
                     <a:spLocks noRot="1" noChangeAspect="1" noMove="1" noResize="1" noEditPoints="1" noAdjustHandles="1" noChangeArrowheads="1" noChangeShapeType="1" noTextEdit="1"/>
                   </p:cNvSpPr>
@@ -10584,130 +8664,14 @@
                 </p:nvSpPr>
                 <p:spPr>
                   <a:xfrm>
-                    <a:off x="6721796" y="4267269"/>
-                    <a:ext cx="589777" cy="557910"/>
+                    <a:off x="2325246" y="1458727"/>
+                    <a:ext cx="580287" cy="557910"/>
                   </a:xfrm>
                   <a:prstGeom prst="rect">
                     <a:avLst/>
                   </a:prstGeom>
                   <a:blipFill>
-                    <a:blip r:embed="rId22"/>
-                    <a:stretch>
-                      <a:fillRect/>
-                    </a:stretch>
-                  </a:blipFill>
-                </p:spPr>
-                <p:txBody>
-                  <a:bodyPr/>
-                  <a:lstStyle/>
-                  <a:p>
-                    <a:r>
-                      <a:rPr lang="zh-CN" altLang="en-US">
-                        <a:noFill/>
-                      </a:rPr>
-                      <a:t> </a:t>
-                    </a:r>
-                  </a:p>
-                </p:txBody>
-              </p:sp>
-            </mc:Fallback>
-          </mc:AlternateContent>
-          <mc:AlternateContent xmlns:mc="http://schemas.openxmlformats.org/markup-compatibility/2006" xmlns:a14="http://schemas.microsoft.com/office/drawing/2010/main">
-            <mc:Choice Requires="a14">
-              <p:sp>
-                <p:nvSpPr>
-                  <p:cNvPr id="65" name="文本框 64"/>
-                  <p:cNvSpPr txBox="1"/>
-                  <p:nvPr/>
-                </p:nvSpPr>
-                <p:spPr>
-                  <a:xfrm>
-                    <a:off x="9025799" y="4266059"/>
-                    <a:ext cx="721608" cy="523220"/>
-                  </a:xfrm>
-                  <a:prstGeom prst="rect">
-                    <a:avLst/>
-                  </a:prstGeom>
-                  <a:noFill/>
-                </p:spPr>
-                <p:txBody>
-                  <a:bodyPr wrap="none" rtlCol="0">
-                    <a:spAutoFit/>
-                  </a:bodyPr>
-                  <a:lstStyle/>
-                  <a:p>
-                    <a:pPr/>
-                    <a14:m>
-                      <m:oMathPara xmlns:m="http://schemas.openxmlformats.org/officeDocument/2006/math">
-                        <m:oMathParaPr>
-                          <m:jc m:val="centerGroup"/>
-                        </m:oMathParaPr>
-                        <m:oMath xmlns:m="http://schemas.openxmlformats.org/officeDocument/2006/math">
-                          <m:sSub>
-                            <m:sSubPr>
-                              <m:ctrlPr>
-                                <a:rPr lang="en-US" altLang="zh-CN" sz="2800" b="0" i="1" smtClean="0">
-                                  <a:solidFill>
-                                    <a:schemeClr val="tx1"/>
-                                  </a:solidFill>
-                                  <a:latin typeface="Cambria Math" panose="02040503050406030204" pitchFamily="18" charset="0"/>
-                                </a:rPr>
-                              </m:ctrlPr>
-                            </m:sSubPr>
-                            <m:e>
-                              <m:r>
-                                <a:rPr lang="en-US" altLang="zh-CN" sz="2800" b="0" i="1" smtClean="0">
-                                  <a:solidFill>
-                                    <a:schemeClr val="tx1"/>
-                                  </a:solidFill>
-                                  <a:latin typeface="Cambria Math" panose="02040503050406030204" pitchFamily="18" charset="0"/>
-                                </a:rPr>
-                                <m:t>𝑣</m:t>
-                              </m:r>
-                            </m:e>
-                            <m:sub>
-                              <m:r>
-                                <a:rPr lang="en-US" altLang="zh-CN" sz="2800" b="0" i="1" smtClean="0">
-                                  <a:solidFill>
-                                    <a:schemeClr val="tx1"/>
-                                  </a:solidFill>
-                                  <a:latin typeface="Cambria Math" panose="02040503050406030204" pitchFamily="18" charset="0"/>
-                                </a:rPr>
-                                <m:t>𝑚</m:t>
-                              </m:r>
-                            </m:sub>
-                          </m:sSub>
-                        </m:oMath>
-                      </m:oMathPara>
-                    </a14:m>
-                    <a:endParaRPr lang="zh-CN" altLang="en-US" dirty="0">
-                      <a:solidFill>
-                        <a:schemeClr val="tx1"/>
-                      </a:solidFill>
-                    </a:endParaRPr>
-                  </a:p>
-                </p:txBody>
-              </p:sp>
-            </mc:Choice>
-            <mc:Fallback xmlns="">
-              <p:sp>
-                <p:nvSpPr>
-                  <p:cNvPr id="65" name="文本框 64"/>
-                  <p:cNvSpPr txBox="1">
-                    <a:spLocks noRot="1" noChangeAspect="1" noMove="1" noResize="1" noEditPoints="1" noAdjustHandles="1" noChangeArrowheads="1" noChangeShapeType="1" noTextEdit="1"/>
-                  </p:cNvSpPr>
-                  <p:nvPr/>
-                </p:nvSpPr>
-                <p:spPr>
-                  <a:xfrm>
-                    <a:off x="9025799" y="4266059"/>
-                    <a:ext cx="721608" cy="523220"/>
-                  </a:xfrm>
-                  <a:prstGeom prst="rect">
-                    <a:avLst/>
-                  </a:prstGeom>
-                  <a:blipFill>
-                    <a:blip r:embed="rId23"/>
+                    <a:blip r:embed="rId11"/>
                     <a:stretch>
                       <a:fillRect/>
                     </a:stretch>
@@ -10729,7 +8693,1979 @@
             </mc:Fallback>
           </mc:AlternateContent>
         </p:grpSp>
+        <mc:AlternateContent xmlns:mc="http://schemas.openxmlformats.org/markup-compatibility/2006" xmlns:a14="http://schemas.microsoft.com/office/drawing/2010/main">
+          <mc:Choice Requires="a14">
+            <p:sp>
+              <p:nvSpPr>
+                <p:cNvPr id="36" name="文本框 35"/>
+                <p:cNvSpPr txBox="1"/>
+                <p:nvPr/>
+              </p:nvSpPr>
+              <p:spPr>
+                <a:xfrm>
+                  <a:off x="4893125" y="4078552"/>
+                  <a:ext cx="712053" cy="707886"/>
+                </a:xfrm>
+                <a:prstGeom prst="rect">
+                  <a:avLst/>
+                </a:prstGeom>
+                <a:noFill/>
+              </p:spPr>
+              <p:txBody>
+                <a:bodyPr wrap="none" rtlCol="0">
+                  <a:spAutoFit/>
+                </a:bodyPr>
+                <a:lstStyle/>
+                <a:p>
+                  <a:pPr/>
+                  <a14:m>
+                    <m:oMathPara xmlns:m="http://schemas.openxmlformats.org/officeDocument/2006/math">
+                      <m:oMathParaPr>
+                        <m:jc m:val="centerGroup"/>
+                      </m:oMathParaPr>
+                      <m:oMath xmlns:m="http://schemas.openxmlformats.org/officeDocument/2006/math">
+                        <m:r>
+                          <a:rPr lang="en-US" altLang="zh-CN" sz="4000" b="0" i="1" smtClean="0">
+                            <a:latin typeface="Cambria Math" panose="02040503050406030204" pitchFamily="18" charset="0"/>
+                          </a:rPr>
+                          <m:t>…</m:t>
+                        </m:r>
+                      </m:oMath>
+                    </m:oMathPara>
+                  </a14:m>
+                  <a:endParaRPr lang="zh-CN" altLang="en-US" sz="4000" dirty="0"/>
+                </a:p>
+              </p:txBody>
+            </p:sp>
+          </mc:Choice>
+          <mc:Fallback xmlns="">
+            <p:sp>
+              <p:nvSpPr>
+                <p:cNvPr id="36" name="文本框 35"/>
+                <p:cNvSpPr txBox="1">
+                  <a:spLocks noRot="1" noChangeAspect="1" noMove="1" noResize="1" noEditPoints="1" noAdjustHandles="1" noChangeArrowheads="1" noChangeShapeType="1" noTextEdit="1"/>
+                </p:cNvSpPr>
+                <p:nvPr/>
+              </p:nvSpPr>
+              <p:spPr>
+                <a:xfrm>
+                  <a:off x="4893125" y="4078552"/>
+                  <a:ext cx="712053" cy="707886"/>
+                </a:xfrm>
+                <a:prstGeom prst="rect">
+                  <a:avLst/>
+                </a:prstGeom>
+                <a:blipFill>
+                  <a:blip r:embed="rId12"/>
+                  <a:stretch>
+                    <a:fillRect/>
+                  </a:stretch>
+                </a:blipFill>
+              </p:spPr>
+              <p:txBody>
+                <a:bodyPr/>
+                <a:lstStyle/>
+                <a:p>
+                  <a:r>
+                    <a:rPr lang="zh-CN" altLang="en-US">
+                      <a:noFill/>
+                    </a:rPr>
+                    <a:t> </a:t>
+                  </a:r>
+                </a:p>
+              </p:txBody>
+            </p:sp>
+          </mc:Fallback>
+        </mc:AlternateContent>
+        <mc:AlternateContent xmlns:mc="http://schemas.openxmlformats.org/markup-compatibility/2006" xmlns:a14="http://schemas.microsoft.com/office/drawing/2010/main">
+          <mc:Choice Requires="a14">
+            <p:sp>
+              <p:nvSpPr>
+                <p:cNvPr id="37" name="文本框 36"/>
+                <p:cNvSpPr txBox="1"/>
+                <p:nvPr/>
+              </p:nvSpPr>
+              <p:spPr>
+                <a:xfrm>
+                  <a:off x="7224543" y="4072859"/>
+                  <a:ext cx="712053" cy="707886"/>
+                </a:xfrm>
+                <a:prstGeom prst="rect">
+                  <a:avLst/>
+                </a:prstGeom>
+                <a:noFill/>
+              </p:spPr>
+              <p:txBody>
+                <a:bodyPr wrap="none" rtlCol="0">
+                  <a:spAutoFit/>
+                </a:bodyPr>
+                <a:lstStyle/>
+                <a:p>
+                  <a:pPr/>
+                  <a14:m>
+                    <m:oMathPara xmlns:m="http://schemas.openxmlformats.org/officeDocument/2006/math">
+                      <m:oMathParaPr>
+                        <m:jc m:val="centerGroup"/>
+                      </m:oMathParaPr>
+                      <m:oMath xmlns:m="http://schemas.openxmlformats.org/officeDocument/2006/math">
+                        <m:r>
+                          <a:rPr lang="en-US" altLang="zh-CN" sz="4000" b="0" i="1" smtClean="0">
+                            <a:latin typeface="Cambria Math" panose="02040503050406030204" pitchFamily="18" charset="0"/>
+                          </a:rPr>
+                          <m:t>…</m:t>
+                        </m:r>
+                      </m:oMath>
+                    </m:oMathPara>
+                  </a14:m>
+                  <a:endParaRPr lang="zh-CN" altLang="en-US" sz="4000" dirty="0"/>
+                </a:p>
+              </p:txBody>
+            </p:sp>
+          </mc:Choice>
+          <mc:Fallback xmlns="">
+            <p:sp>
+              <p:nvSpPr>
+                <p:cNvPr id="37" name="文本框 36"/>
+                <p:cNvSpPr txBox="1">
+                  <a:spLocks noRot="1" noChangeAspect="1" noMove="1" noResize="1" noEditPoints="1" noAdjustHandles="1" noChangeArrowheads="1" noChangeShapeType="1" noTextEdit="1"/>
+                </p:cNvSpPr>
+                <p:nvPr/>
+              </p:nvSpPr>
+              <p:spPr>
+                <a:xfrm>
+                  <a:off x="7224543" y="4072859"/>
+                  <a:ext cx="712053" cy="707886"/>
+                </a:xfrm>
+                <a:prstGeom prst="rect">
+                  <a:avLst/>
+                </a:prstGeom>
+                <a:blipFill>
+                  <a:blip r:embed="rId13"/>
+                  <a:stretch>
+                    <a:fillRect/>
+                  </a:stretch>
+                </a:blipFill>
+              </p:spPr>
+              <p:txBody>
+                <a:bodyPr/>
+                <a:lstStyle/>
+                <a:p>
+                  <a:r>
+                    <a:rPr lang="zh-CN" altLang="en-US">
+                      <a:noFill/>
+                    </a:rPr>
+                    <a:t> </a:t>
+                  </a:r>
+                </a:p>
+              </p:txBody>
+            </p:sp>
+          </mc:Fallback>
+        </mc:AlternateContent>
       </p:grpSp>
+      <p:cxnSp>
+        <p:nvCxnSpPr>
+          <p:cNvPr id="41" name="直接连接符 40"/>
+          <p:cNvCxnSpPr>
+            <a:cxnSpLocks/>
+            <a:stCxn id="4" idx="4"/>
+            <a:endCxn id="17" idx="0"/>
+          </p:cNvCxnSpPr>
+          <p:nvPr/>
+        </p:nvCxnSpPr>
+        <p:spPr>
+          <a:xfrm>
+            <a:off x="2615452" y="2195537"/>
+            <a:ext cx="0" cy="1976986"/>
+          </a:xfrm>
+          <a:prstGeom prst="line">
+            <a:avLst/>
+          </a:prstGeom>
+          <a:ln w="28575">
+            <a:solidFill>
+              <a:schemeClr val="tx1"/>
+            </a:solidFill>
+          </a:ln>
+        </p:spPr>
+        <p:style>
+          <a:lnRef idx="1">
+            <a:schemeClr val="accent1"/>
+          </a:lnRef>
+          <a:fillRef idx="0">
+            <a:schemeClr val="accent1"/>
+          </a:fillRef>
+          <a:effectRef idx="0">
+            <a:schemeClr val="accent1"/>
+          </a:effectRef>
+          <a:fontRef idx="minor">
+            <a:schemeClr val="tx1"/>
+          </a:fontRef>
+        </p:style>
+      </p:cxnSp>
+      <p:cxnSp>
+        <p:nvCxnSpPr>
+          <p:cNvPr id="43" name="直接连接符 42"/>
+          <p:cNvCxnSpPr>
+            <a:cxnSpLocks/>
+            <a:stCxn id="4" idx="4"/>
+            <a:endCxn id="26" idx="0"/>
+          </p:cNvCxnSpPr>
+          <p:nvPr/>
+        </p:nvCxnSpPr>
+        <p:spPr>
+          <a:xfrm>
+            <a:off x="2615452" y="2195537"/>
+            <a:ext cx="1444859" cy="1976986"/>
+          </a:xfrm>
+          <a:prstGeom prst="line">
+            <a:avLst/>
+          </a:prstGeom>
+          <a:ln w="28575">
+            <a:solidFill>
+              <a:schemeClr val="tx1"/>
+            </a:solidFill>
+          </a:ln>
+        </p:spPr>
+        <p:style>
+          <a:lnRef idx="1">
+            <a:schemeClr val="accent1"/>
+          </a:lnRef>
+          <a:fillRef idx="0">
+            <a:schemeClr val="accent1"/>
+          </a:fillRef>
+          <a:effectRef idx="0">
+            <a:schemeClr val="accent1"/>
+          </a:effectRef>
+          <a:fontRef idx="minor">
+            <a:schemeClr val="tx1"/>
+          </a:fontRef>
+        </p:style>
+      </p:cxnSp>
+      <p:cxnSp>
+        <p:nvCxnSpPr>
+          <p:cNvPr id="46" name="直接连接符 45"/>
+          <p:cNvCxnSpPr>
+            <a:cxnSpLocks/>
+            <a:stCxn id="4" idx="4"/>
+            <a:endCxn id="32" idx="0"/>
+          </p:cNvCxnSpPr>
+          <p:nvPr/>
+        </p:nvCxnSpPr>
+        <p:spPr>
+          <a:xfrm>
+            <a:off x="2615452" y="2195537"/>
+            <a:ext cx="3768398" cy="1976986"/>
+          </a:xfrm>
+          <a:prstGeom prst="line">
+            <a:avLst/>
+          </a:prstGeom>
+          <a:ln w="28575">
+            <a:solidFill>
+              <a:schemeClr val="tx1"/>
+            </a:solidFill>
+          </a:ln>
+        </p:spPr>
+        <p:style>
+          <a:lnRef idx="1">
+            <a:schemeClr val="accent1"/>
+          </a:lnRef>
+          <a:fillRef idx="0">
+            <a:schemeClr val="accent1"/>
+          </a:fillRef>
+          <a:effectRef idx="0">
+            <a:schemeClr val="accent1"/>
+          </a:effectRef>
+          <a:fontRef idx="minor">
+            <a:schemeClr val="tx1"/>
+          </a:fontRef>
+        </p:style>
+      </p:cxnSp>
+      <p:cxnSp>
+        <p:nvCxnSpPr>
+          <p:cNvPr id="47" name="直接连接符 46"/>
+          <p:cNvCxnSpPr>
+            <a:cxnSpLocks/>
+            <a:stCxn id="4" idx="4"/>
+            <a:endCxn id="29" idx="0"/>
+          </p:cNvCxnSpPr>
+          <p:nvPr/>
+        </p:nvCxnSpPr>
+        <p:spPr>
+          <a:xfrm>
+            <a:off x="2615452" y="2195537"/>
+            <a:ext cx="6069836" cy="1976986"/>
+          </a:xfrm>
+          <a:prstGeom prst="line">
+            <a:avLst/>
+          </a:prstGeom>
+          <a:ln w="28575">
+            <a:solidFill>
+              <a:schemeClr val="tx1"/>
+            </a:solidFill>
+          </a:ln>
+        </p:spPr>
+        <p:style>
+          <a:lnRef idx="1">
+            <a:schemeClr val="accent1"/>
+          </a:lnRef>
+          <a:fillRef idx="0">
+            <a:schemeClr val="accent1"/>
+          </a:fillRef>
+          <a:effectRef idx="0">
+            <a:schemeClr val="accent1"/>
+          </a:effectRef>
+          <a:fontRef idx="minor">
+            <a:schemeClr val="tx1"/>
+          </a:fontRef>
+        </p:style>
+      </p:cxnSp>
+      <p:cxnSp>
+        <p:nvCxnSpPr>
+          <p:cNvPr id="48" name="直接连接符 47"/>
+          <p:cNvCxnSpPr>
+            <a:cxnSpLocks/>
+            <a:stCxn id="8" idx="4"/>
+            <a:endCxn id="17" idx="0"/>
+          </p:cNvCxnSpPr>
+          <p:nvPr/>
+        </p:nvCxnSpPr>
+        <p:spPr>
+          <a:xfrm flipH="1">
+            <a:off x="2615452" y="2195537"/>
+            <a:ext cx="1444859" cy="1976986"/>
+          </a:xfrm>
+          <a:prstGeom prst="line">
+            <a:avLst/>
+          </a:prstGeom>
+          <a:ln w="28575">
+            <a:solidFill>
+              <a:schemeClr val="tx1"/>
+            </a:solidFill>
+          </a:ln>
+        </p:spPr>
+        <p:style>
+          <a:lnRef idx="1">
+            <a:schemeClr val="accent1"/>
+          </a:lnRef>
+          <a:fillRef idx="0">
+            <a:schemeClr val="accent1"/>
+          </a:fillRef>
+          <a:effectRef idx="0">
+            <a:schemeClr val="accent1"/>
+          </a:effectRef>
+          <a:fontRef idx="minor">
+            <a:schemeClr val="tx1"/>
+          </a:fontRef>
+        </p:style>
+      </p:cxnSp>
+      <p:cxnSp>
+        <p:nvCxnSpPr>
+          <p:cNvPr id="49" name="直接连接符 48"/>
+          <p:cNvCxnSpPr>
+            <a:cxnSpLocks/>
+            <a:stCxn id="8" idx="4"/>
+            <a:endCxn id="26" idx="0"/>
+          </p:cNvCxnSpPr>
+          <p:nvPr/>
+        </p:nvCxnSpPr>
+        <p:spPr>
+          <a:xfrm>
+            <a:off x="4060311" y="2195537"/>
+            <a:ext cx="0" cy="1976986"/>
+          </a:xfrm>
+          <a:prstGeom prst="line">
+            <a:avLst/>
+          </a:prstGeom>
+          <a:ln w="28575">
+            <a:solidFill>
+              <a:schemeClr val="tx1"/>
+            </a:solidFill>
+          </a:ln>
+        </p:spPr>
+        <p:style>
+          <a:lnRef idx="1">
+            <a:schemeClr val="accent1"/>
+          </a:lnRef>
+          <a:fillRef idx="0">
+            <a:schemeClr val="accent1"/>
+          </a:fillRef>
+          <a:effectRef idx="0">
+            <a:schemeClr val="accent1"/>
+          </a:effectRef>
+          <a:fontRef idx="minor">
+            <a:schemeClr val="tx1"/>
+          </a:fontRef>
+        </p:style>
+      </p:cxnSp>
+      <p:cxnSp>
+        <p:nvCxnSpPr>
+          <p:cNvPr id="58" name="直接连接符 57"/>
+          <p:cNvCxnSpPr>
+            <a:cxnSpLocks/>
+            <a:stCxn id="11" idx="4"/>
+            <a:endCxn id="26" idx="0"/>
+          </p:cNvCxnSpPr>
+          <p:nvPr/>
+        </p:nvCxnSpPr>
+        <p:spPr>
+          <a:xfrm flipH="1">
+            <a:off x="4060311" y="2195537"/>
+            <a:ext cx="2324746" cy="1976986"/>
+          </a:xfrm>
+          <a:prstGeom prst="line">
+            <a:avLst/>
+          </a:prstGeom>
+          <a:ln w="28575">
+            <a:solidFill>
+              <a:schemeClr val="tx1"/>
+            </a:solidFill>
+          </a:ln>
+        </p:spPr>
+        <p:style>
+          <a:lnRef idx="1">
+            <a:schemeClr val="accent1"/>
+          </a:lnRef>
+          <a:fillRef idx="0">
+            <a:schemeClr val="accent1"/>
+          </a:fillRef>
+          <a:effectRef idx="0">
+            <a:schemeClr val="accent1"/>
+          </a:effectRef>
+          <a:fontRef idx="minor">
+            <a:schemeClr val="tx1"/>
+          </a:fontRef>
+        </p:style>
+      </p:cxnSp>
+      <p:cxnSp>
+        <p:nvCxnSpPr>
+          <p:cNvPr id="59" name="直接连接符 58"/>
+          <p:cNvCxnSpPr>
+            <a:cxnSpLocks/>
+            <a:stCxn id="11" idx="4"/>
+            <a:endCxn id="29" idx="0"/>
+          </p:cNvCxnSpPr>
+          <p:nvPr/>
+        </p:nvCxnSpPr>
+        <p:spPr>
+          <a:xfrm>
+            <a:off x="6385057" y="2195537"/>
+            <a:ext cx="2300231" cy="1976986"/>
+          </a:xfrm>
+          <a:prstGeom prst="line">
+            <a:avLst/>
+          </a:prstGeom>
+          <a:ln w="28575">
+            <a:solidFill>
+              <a:schemeClr val="tx1"/>
+            </a:solidFill>
+          </a:ln>
+        </p:spPr>
+        <p:style>
+          <a:lnRef idx="1">
+            <a:schemeClr val="accent1"/>
+          </a:lnRef>
+          <a:fillRef idx="0">
+            <a:schemeClr val="accent1"/>
+          </a:fillRef>
+          <a:effectRef idx="0">
+            <a:schemeClr val="accent1"/>
+          </a:effectRef>
+          <a:fontRef idx="minor">
+            <a:schemeClr val="tx1"/>
+          </a:fontRef>
+        </p:style>
+      </p:cxnSp>
+      <p:cxnSp>
+        <p:nvCxnSpPr>
+          <p:cNvPr id="60" name="直接连接符 59"/>
+          <p:cNvCxnSpPr>
+            <a:cxnSpLocks/>
+            <a:stCxn id="11" idx="4"/>
+            <a:endCxn id="32" idx="0"/>
+          </p:cNvCxnSpPr>
+          <p:nvPr/>
+        </p:nvCxnSpPr>
+        <p:spPr>
+          <a:xfrm flipH="1">
+            <a:off x="6383850" y="2195537"/>
+            <a:ext cx="1207" cy="1976986"/>
+          </a:xfrm>
+          <a:prstGeom prst="line">
+            <a:avLst/>
+          </a:prstGeom>
+          <a:ln w="28575">
+            <a:solidFill>
+              <a:schemeClr val="tx1"/>
+            </a:solidFill>
+          </a:ln>
+        </p:spPr>
+        <p:style>
+          <a:lnRef idx="1">
+            <a:schemeClr val="accent1"/>
+          </a:lnRef>
+          <a:fillRef idx="0">
+            <a:schemeClr val="accent1"/>
+          </a:fillRef>
+          <a:effectRef idx="0">
+            <a:schemeClr val="accent1"/>
+          </a:effectRef>
+          <a:fontRef idx="minor">
+            <a:schemeClr val="tx1"/>
+          </a:fontRef>
+        </p:style>
+      </p:cxnSp>
+      <p:cxnSp>
+        <p:nvCxnSpPr>
+          <p:cNvPr id="61" name="直接连接符 60"/>
+          <p:cNvCxnSpPr>
+            <a:cxnSpLocks/>
+            <a:stCxn id="11" idx="4"/>
+            <a:endCxn id="17" idx="0"/>
+          </p:cNvCxnSpPr>
+          <p:nvPr/>
+        </p:nvCxnSpPr>
+        <p:spPr>
+          <a:xfrm flipH="1">
+            <a:off x="2615452" y="2195537"/>
+            <a:ext cx="3769605" cy="1976986"/>
+          </a:xfrm>
+          <a:prstGeom prst="line">
+            <a:avLst/>
+          </a:prstGeom>
+          <a:ln w="28575">
+            <a:solidFill>
+              <a:schemeClr val="tx1"/>
+            </a:solidFill>
+          </a:ln>
+        </p:spPr>
+        <p:style>
+          <a:lnRef idx="1">
+            <a:schemeClr val="accent1"/>
+          </a:lnRef>
+          <a:fillRef idx="0">
+            <a:schemeClr val="accent1"/>
+          </a:fillRef>
+          <a:effectRef idx="0">
+            <a:schemeClr val="accent1"/>
+          </a:effectRef>
+          <a:fontRef idx="minor">
+            <a:schemeClr val="tx1"/>
+          </a:fontRef>
+        </p:style>
+      </p:cxnSp>
+      <p:cxnSp>
+        <p:nvCxnSpPr>
+          <p:cNvPr id="62" name="直接连接符 61"/>
+          <p:cNvCxnSpPr>
+            <a:cxnSpLocks/>
+            <a:stCxn id="8" idx="4"/>
+            <a:endCxn id="32" idx="0"/>
+          </p:cNvCxnSpPr>
+          <p:nvPr/>
+        </p:nvCxnSpPr>
+        <p:spPr>
+          <a:xfrm>
+            <a:off x="4060311" y="2195537"/>
+            <a:ext cx="2323539" cy="1976986"/>
+          </a:xfrm>
+          <a:prstGeom prst="line">
+            <a:avLst/>
+          </a:prstGeom>
+          <a:ln w="28575">
+            <a:solidFill>
+              <a:schemeClr val="tx1"/>
+            </a:solidFill>
+          </a:ln>
+        </p:spPr>
+        <p:style>
+          <a:lnRef idx="1">
+            <a:schemeClr val="accent1"/>
+          </a:lnRef>
+          <a:fillRef idx="0">
+            <a:schemeClr val="accent1"/>
+          </a:fillRef>
+          <a:effectRef idx="0">
+            <a:schemeClr val="accent1"/>
+          </a:effectRef>
+          <a:fontRef idx="minor">
+            <a:schemeClr val="tx1"/>
+          </a:fontRef>
+        </p:style>
+      </p:cxnSp>
+      <p:cxnSp>
+        <p:nvCxnSpPr>
+          <p:cNvPr id="73" name="直接连接符 72"/>
+          <p:cNvCxnSpPr>
+            <a:cxnSpLocks/>
+            <a:stCxn id="8" idx="4"/>
+            <a:endCxn id="29" idx="0"/>
+          </p:cNvCxnSpPr>
+          <p:nvPr/>
+        </p:nvCxnSpPr>
+        <p:spPr>
+          <a:xfrm>
+            <a:off x="4060311" y="2195537"/>
+            <a:ext cx="4624977" cy="1976986"/>
+          </a:xfrm>
+          <a:prstGeom prst="line">
+            <a:avLst/>
+          </a:prstGeom>
+          <a:ln w="28575">
+            <a:solidFill>
+              <a:schemeClr val="tx1"/>
+            </a:solidFill>
+          </a:ln>
+        </p:spPr>
+        <p:style>
+          <a:lnRef idx="1">
+            <a:schemeClr val="accent1"/>
+          </a:lnRef>
+          <a:fillRef idx="0">
+            <a:schemeClr val="accent1"/>
+          </a:fillRef>
+          <a:effectRef idx="0">
+            <a:schemeClr val="accent1"/>
+          </a:effectRef>
+          <a:fontRef idx="minor">
+            <a:schemeClr val="tx1"/>
+          </a:fontRef>
+        </p:style>
+      </p:cxnSp>
+      <p:cxnSp>
+        <p:nvCxnSpPr>
+          <p:cNvPr id="76" name="直接连接符 75"/>
+          <p:cNvCxnSpPr>
+            <a:cxnSpLocks/>
+            <a:stCxn id="14" idx="4"/>
+            <a:endCxn id="29" idx="0"/>
+          </p:cNvCxnSpPr>
+          <p:nvPr/>
+        </p:nvCxnSpPr>
+        <p:spPr>
+          <a:xfrm flipH="1">
+            <a:off x="8685288" y="2195537"/>
+            <a:ext cx="24516" cy="1976986"/>
+          </a:xfrm>
+          <a:prstGeom prst="line">
+            <a:avLst/>
+          </a:prstGeom>
+          <a:ln w="28575">
+            <a:solidFill>
+              <a:schemeClr val="tx1"/>
+            </a:solidFill>
+          </a:ln>
+        </p:spPr>
+        <p:style>
+          <a:lnRef idx="1">
+            <a:schemeClr val="accent1"/>
+          </a:lnRef>
+          <a:fillRef idx="0">
+            <a:schemeClr val="accent1"/>
+          </a:fillRef>
+          <a:effectRef idx="0">
+            <a:schemeClr val="accent1"/>
+          </a:effectRef>
+          <a:fontRef idx="minor">
+            <a:schemeClr val="tx1"/>
+          </a:fontRef>
+        </p:style>
+      </p:cxnSp>
+      <p:cxnSp>
+        <p:nvCxnSpPr>
+          <p:cNvPr id="77" name="直接连接符 76"/>
+          <p:cNvCxnSpPr>
+            <a:cxnSpLocks/>
+            <a:stCxn id="14" idx="4"/>
+            <a:endCxn id="32" idx="0"/>
+          </p:cNvCxnSpPr>
+          <p:nvPr/>
+        </p:nvCxnSpPr>
+        <p:spPr>
+          <a:xfrm flipH="1">
+            <a:off x="6383850" y="2195537"/>
+            <a:ext cx="2325954" cy="1976986"/>
+          </a:xfrm>
+          <a:prstGeom prst="line">
+            <a:avLst/>
+          </a:prstGeom>
+          <a:ln w="28575">
+            <a:solidFill>
+              <a:schemeClr val="tx1"/>
+            </a:solidFill>
+          </a:ln>
+        </p:spPr>
+        <p:style>
+          <a:lnRef idx="1">
+            <a:schemeClr val="accent1"/>
+          </a:lnRef>
+          <a:fillRef idx="0">
+            <a:schemeClr val="accent1"/>
+          </a:fillRef>
+          <a:effectRef idx="0">
+            <a:schemeClr val="accent1"/>
+          </a:effectRef>
+          <a:fontRef idx="minor">
+            <a:schemeClr val="tx1"/>
+          </a:fontRef>
+        </p:style>
+      </p:cxnSp>
+      <p:cxnSp>
+        <p:nvCxnSpPr>
+          <p:cNvPr id="78" name="直接连接符 77"/>
+          <p:cNvCxnSpPr>
+            <a:cxnSpLocks/>
+            <a:stCxn id="14" idx="4"/>
+            <a:endCxn id="26" idx="0"/>
+          </p:cNvCxnSpPr>
+          <p:nvPr/>
+        </p:nvCxnSpPr>
+        <p:spPr>
+          <a:xfrm flipH="1">
+            <a:off x="4060311" y="2195537"/>
+            <a:ext cx="4649493" cy="1976986"/>
+          </a:xfrm>
+          <a:prstGeom prst="line">
+            <a:avLst/>
+          </a:prstGeom>
+          <a:ln w="28575">
+            <a:solidFill>
+              <a:schemeClr val="tx1"/>
+            </a:solidFill>
+          </a:ln>
+        </p:spPr>
+        <p:style>
+          <a:lnRef idx="1">
+            <a:schemeClr val="accent1"/>
+          </a:lnRef>
+          <a:fillRef idx="0">
+            <a:schemeClr val="accent1"/>
+          </a:fillRef>
+          <a:effectRef idx="0">
+            <a:schemeClr val="accent1"/>
+          </a:effectRef>
+          <a:fontRef idx="minor">
+            <a:schemeClr val="tx1"/>
+          </a:fontRef>
+        </p:style>
+      </p:cxnSp>
+      <p:cxnSp>
+        <p:nvCxnSpPr>
+          <p:cNvPr id="79" name="直接连接符 78"/>
+          <p:cNvCxnSpPr>
+            <a:cxnSpLocks/>
+            <a:stCxn id="14" idx="4"/>
+            <a:endCxn id="17" idx="0"/>
+          </p:cNvCxnSpPr>
+          <p:nvPr/>
+        </p:nvCxnSpPr>
+        <p:spPr>
+          <a:xfrm flipH="1">
+            <a:off x="2615452" y="2195537"/>
+            <a:ext cx="6094352" cy="1976986"/>
+          </a:xfrm>
+          <a:prstGeom prst="line">
+            <a:avLst/>
+          </a:prstGeom>
+          <a:ln w="28575">
+            <a:solidFill>
+              <a:schemeClr val="tx1"/>
+            </a:solidFill>
+          </a:ln>
+        </p:spPr>
+        <p:style>
+          <a:lnRef idx="1">
+            <a:schemeClr val="accent1"/>
+          </a:lnRef>
+          <a:fillRef idx="0">
+            <a:schemeClr val="accent1"/>
+          </a:fillRef>
+          <a:effectRef idx="0">
+            <a:schemeClr val="accent1"/>
+          </a:effectRef>
+          <a:fontRef idx="minor">
+            <a:schemeClr val="tx1"/>
+          </a:fontRef>
+        </p:style>
+      </p:cxnSp>
+      <mc:AlternateContent xmlns:mc="http://schemas.openxmlformats.org/markup-compatibility/2006">
+        <mc:Choice xmlns:a14="http://schemas.microsoft.com/office/drawing/2010/main" Requires="a14">
+          <p:sp>
+            <p:nvSpPr>
+              <p:cNvPr id="140" name="文本框 139"/>
+              <p:cNvSpPr txBox="1"/>
+              <p:nvPr/>
+            </p:nvSpPr>
+            <p:spPr>
+              <a:xfrm>
+                <a:off x="8712880" y="2966766"/>
+                <a:ext cx="557460" cy="523220"/>
+              </a:xfrm>
+              <a:prstGeom prst="rect">
+                <a:avLst/>
+              </a:prstGeom>
+              <a:noFill/>
+            </p:spPr>
+            <p:txBody>
+              <a:bodyPr wrap="none" rtlCol="0">
+                <a:spAutoFit/>
+              </a:bodyPr>
+              <a:lstStyle/>
+              <a:p>
+                <a:pPr/>
+                <a14:m>
+                  <m:oMathPara xmlns:m="http://schemas.openxmlformats.org/officeDocument/2006/math">
+                    <m:oMathParaPr>
+                      <m:jc m:val="centerGroup"/>
+                    </m:oMathParaPr>
+                    <m:oMath xmlns:m="http://schemas.openxmlformats.org/officeDocument/2006/math">
+                      <m:r>
+                        <a:rPr lang="en-US" altLang="zh-CN" sz="2800" b="0" i="1" smtClean="0">
+                          <a:latin typeface="Cambria Math" panose="02040503050406030204" pitchFamily="18" charset="0"/>
+                        </a:rPr>
+                        <m:t>𝑤</m:t>
+                      </m:r>
+                    </m:oMath>
+                  </m:oMathPara>
+                </a14:m>
+                <a:endParaRPr lang="zh-CN" altLang="en-US" sz="2800" dirty="0"/>
+              </a:p>
+            </p:txBody>
+          </p:sp>
+        </mc:Choice>
+        <mc:Fallback>
+          <p:sp>
+            <p:nvSpPr>
+              <p:cNvPr id="140" name="文本框 139"/>
+              <p:cNvSpPr txBox="1">
+                <a:spLocks noRot="1" noChangeAspect="1" noMove="1" noResize="1" noEditPoints="1" noAdjustHandles="1" noChangeArrowheads="1" noChangeShapeType="1" noTextEdit="1"/>
+              </p:cNvSpPr>
+              <p:nvPr/>
+            </p:nvSpPr>
+            <p:spPr>
+              <a:xfrm>
+                <a:off x="8712880" y="2966766"/>
+                <a:ext cx="557460" cy="523220"/>
+              </a:xfrm>
+              <a:prstGeom prst="rect">
+                <a:avLst/>
+              </a:prstGeom>
+              <a:blipFill>
+                <a:blip r:embed="rId14"/>
+                <a:stretch>
+                  <a:fillRect/>
+                </a:stretch>
+              </a:blipFill>
+            </p:spPr>
+            <p:txBody>
+              <a:bodyPr/>
+              <a:lstStyle/>
+              <a:p>
+                <a:r>
+                  <a:rPr lang="en-US">
+                    <a:noFill/>
+                  </a:rPr>
+                  <a:t> </a:t>
+                </a:r>
+              </a:p>
+            </p:txBody>
+          </p:sp>
+        </mc:Fallback>
+      </mc:AlternateContent>
+      <mc:AlternateContent xmlns:mc="http://schemas.openxmlformats.org/markup-compatibility/2006">
+        <mc:Choice xmlns:a14="http://schemas.microsoft.com/office/drawing/2010/main" Requires="a14">
+          <p:sp>
+            <p:nvSpPr>
+              <p:cNvPr id="147" name="文本框 146"/>
+              <p:cNvSpPr txBox="1"/>
+              <p:nvPr/>
+            </p:nvSpPr>
+            <p:spPr>
+              <a:xfrm>
+                <a:off x="1562376" y="4311842"/>
+                <a:ext cx="516487" cy="523220"/>
+              </a:xfrm>
+              <a:prstGeom prst="rect">
+                <a:avLst/>
+              </a:prstGeom>
+              <a:noFill/>
+            </p:spPr>
+            <p:txBody>
+              <a:bodyPr wrap="none" rtlCol="0">
+                <a:spAutoFit/>
+              </a:bodyPr>
+              <a:lstStyle/>
+              <a:p>
+                <a:pPr/>
+                <a14:m>
+                  <m:oMathPara xmlns:m="http://schemas.openxmlformats.org/officeDocument/2006/math">
+                    <m:oMathParaPr>
+                      <m:jc m:val="centerGroup"/>
+                    </m:oMathParaPr>
+                    <m:oMath xmlns:m="http://schemas.openxmlformats.org/officeDocument/2006/math">
+                      <m:r>
+                        <a:rPr lang="en-US" altLang="zh-CN" sz="2800" b="1" i="1" smtClean="0">
+                          <a:latin typeface="Cambria Math" panose="02040503050406030204" pitchFamily="18" charset="0"/>
+                        </a:rPr>
+                        <m:t>𝑽</m:t>
+                      </m:r>
+                    </m:oMath>
+                  </m:oMathPara>
+                </a14:m>
+                <a:endParaRPr lang="zh-CN" altLang="en-US" sz="2000" b="1" dirty="0"/>
+              </a:p>
+            </p:txBody>
+          </p:sp>
+        </mc:Choice>
+        <mc:Fallback>
+          <p:sp>
+            <p:nvSpPr>
+              <p:cNvPr id="147" name="文本框 146"/>
+              <p:cNvSpPr txBox="1">
+                <a:spLocks noRot="1" noChangeAspect="1" noMove="1" noResize="1" noEditPoints="1" noAdjustHandles="1" noChangeArrowheads="1" noChangeShapeType="1" noTextEdit="1"/>
+              </p:cNvSpPr>
+              <p:nvPr/>
+            </p:nvSpPr>
+            <p:spPr>
+              <a:xfrm>
+                <a:off x="1562376" y="4311842"/>
+                <a:ext cx="516487" cy="523220"/>
+              </a:xfrm>
+              <a:prstGeom prst="rect">
+                <a:avLst/>
+              </a:prstGeom>
+              <a:blipFill>
+                <a:blip r:embed="rId15"/>
+                <a:stretch>
+                  <a:fillRect/>
+                </a:stretch>
+              </a:blipFill>
+            </p:spPr>
+            <p:txBody>
+              <a:bodyPr/>
+              <a:lstStyle/>
+              <a:p>
+                <a:r>
+                  <a:rPr lang="en-US">
+                    <a:noFill/>
+                  </a:rPr>
+                  <a:t> </a:t>
+                </a:r>
+              </a:p>
+            </p:txBody>
+          </p:sp>
+        </mc:Fallback>
+      </mc:AlternateContent>
+      <mc:AlternateContent xmlns:mc="http://schemas.openxmlformats.org/markup-compatibility/2006">
+        <mc:Choice xmlns:a14="http://schemas.microsoft.com/office/drawing/2010/main" Requires="a14">
+          <p:sp>
+            <p:nvSpPr>
+              <p:cNvPr id="148" name="文本框 147"/>
+              <p:cNvSpPr txBox="1"/>
+              <p:nvPr/>
+            </p:nvSpPr>
+            <p:spPr>
+              <a:xfrm>
+                <a:off x="1531884" y="1541425"/>
+                <a:ext cx="567784" cy="523220"/>
+              </a:xfrm>
+              <a:prstGeom prst="rect">
+                <a:avLst/>
+              </a:prstGeom>
+              <a:noFill/>
+            </p:spPr>
+            <p:txBody>
+              <a:bodyPr wrap="none" rtlCol="0">
+                <a:spAutoFit/>
+              </a:bodyPr>
+              <a:lstStyle/>
+              <a:p>
+                <a:pPr/>
+                <a14:m>
+                  <m:oMathPara xmlns:m="http://schemas.openxmlformats.org/officeDocument/2006/math">
+                    <m:oMathParaPr>
+                      <m:jc m:val="centerGroup"/>
+                    </m:oMathParaPr>
+                    <m:oMath xmlns:m="http://schemas.openxmlformats.org/officeDocument/2006/math">
+                      <m:r>
+                        <a:rPr lang="en-US" altLang="zh-CN" sz="2800" b="1" i="1" smtClean="0">
+                          <a:latin typeface="Cambria Math" panose="02040503050406030204" pitchFamily="18" charset="0"/>
+                        </a:rPr>
+                        <m:t>𝑯</m:t>
+                      </m:r>
+                    </m:oMath>
+                  </m:oMathPara>
+                </a14:m>
+                <a:endParaRPr lang="zh-CN" altLang="en-US" sz="2000" b="1" dirty="0"/>
+              </a:p>
+            </p:txBody>
+          </p:sp>
+        </mc:Choice>
+        <mc:Fallback>
+          <p:sp>
+            <p:nvSpPr>
+              <p:cNvPr id="148" name="文本框 147"/>
+              <p:cNvSpPr txBox="1">
+                <a:spLocks noRot="1" noChangeAspect="1" noMove="1" noResize="1" noEditPoints="1" noAdjustHandles="1" noChangeArrowheads="1" noChangeShapeType="1" noTextEdit="1"/>
+              </p:cNvSpPr>
+              <p:nvPr/>
+            </p:nvSpPr>
+            <p:spPr>
+              <a:xfrm>
+                <a:off x="1531884" y="1541425"/>
+                <a:ext cx="567784" cy="523220"/>
+              </a:xfrm>
+              <a:prstGeom prst="rect">
+                <a:avLst/>
+              </a:prstGeom>
+              <a:blipFill>
+                <a:blip r:embed="rId16"/>
+                <a:stretch>
+                  <a:fillRect/>
+                </a:stretch>
+              </a:blipFill>
+            </p:spPr>
+            <p:txBody>
+              <a:bodyPr/>
+              <a:lstStyle/>
+              <a:p>
+                <a:r>
+                  <a:rPr lang="en-US">
+                    <a:noFill/>
+                  </a:rPr>
+                  <a:t> </a:t>
+                </a:r>
+              </a:p>
+            </p:txBody>
+          </p:sp>
+        </mc:Fallback>
+      </mc:AlternateContent>
+      <mc:AlternateContent xmlns:mc="http://schemas.openxmlformats.org/markup-compatibility/2006">
+        <mc:Choice xmlns:a14="http://schemas.microsoft.com/office/drawing/2010/main" Requires="a14">
+          <p:sp>
+            <p:nvSpPr>
+              <p:cNvPr id="53" name="文本框 52"/>
+              <p:cNvSpPr txBox="1"/>
+              <p:nvPr/>
+            </p:nvSpPr>
+            <p:spPr>
+              <a:xfrm>
+                <a:off x="2950925" y="1539028"/>
+                <a:ext cx="640111" cy="523220"/>
+              </a:xfrm>
+              <a:prstGeom prst="rect">
+                <a:avLst/>
+              </a:prstGeom>
+              <a:noFill/>
+            </p:spPr>
+            <p:txBody>
+              <a:bodyPr wrap="none" rtlCol="0">
+                <a:spAutoFit/>
+              </a:bodyPr>
+              <a:lstStyle/>
+              <a:p>
+                <a:pPr/>
+                <a14:m>
+                  <m:oMathPara xmlns:m="http://schemas.openxmlformats.org/officeDocument/2006/math">
+                    <m:oMathParaPr>
+                      <m:jc m:val="centerGroup"/>
+                    </m:oMathParaPr>
+                    <m:oMath xmlns:m="http://schemas.openxmlformats.org/officeDocument/2006/math">
+                      <m:sSub>
+                        <m:sSubPr>
+                          <m:ctrlPr>
+                            <a:rPr lang="en-US" altLang="zh-CN" sz="2800" b="0" i="1" smtClean="0">
+                              <a:solidFill>
+                                <a:schemeClr val="tx1"/>
+                              </a:solidFill>
+                              <a:latin typeface="Cambria Math" panose="02040503050406030204" pitchFamily="18" charset="0"/>
+                            </a:rPr>
+                          </m:ctrlPr>
+                        </m:sSubPr>
+                        <m:e>
+                          <m:r>
+                            <a:rPr lang="en-US" altLang="zh-CN" sz="2800" b="0" i="1" smtClean="0">
+                              <a:solidFill>
+                                <a:schemeClr val="tx1"/>
+                              </a:solidFill>
+                              <a:latin typeface="Cambria Math" panose="02040503050406030204" pitchFamily="18" charset="0"/>
+                            </a:rPr>
+                            <m:t>h</m:t>
+                          </m:r>
+                        </m:e>
+                        <m:sub>
+                          <m:r>
+                            <a:rPr lang="en-US" altLang="zh-CN" sz="2800" b="0" i="1" smtClean="0">
+                              <a:solidFill>
+                                <a:schemeClr val="tx1"/>
+                              </a:solidFill>
+                              <a:latin typeface="Cambria Math" panose="02040503050406030204" pitchFamily="18" charset="0"/>
+                            </a:rPr>
+                            <m:t>1</m:t>
+                          </m:r>
+                        </m:sub>
+                      </m:sSub>
+                    </m:oMath>
+                  </m:oMathPara>
+                </a14:m>
+                <a:endParaRPr lang="zh-CN" altLang="en-US" dirty="0">
+                  <a:solidFill>
+                    <a:schemeClr val="tx1"/>
+                  </a:solidFill>
+                </a:endParaRPr>
+              </a:p>
+            </p:txBody>
+          </p:sp>
+        </mc:Choice>
+        <mc:Fallback>
+          <p:sp>
+            <p:nvSpPr>
+              <p:cNvPr id="53" name="文本框 52"/>
+              <p:cNvSpPr txBox="1">
+                <a:spLocks noRot="1" noChangeAspect="1" noMove="1" noResize="1" noEditPoints="1" noAdjustHandles="1" noChangeArrowheads="1" noChangeShapeType="1" noTextEdit="1"/>
+              </p:cNvSpPr>
+              <p:nvPr/>
+            </p:nvSpPr>
+            <p:spPr>
+              <a:xfrm>
+                <a:off x="2950925" y="1539028"/>
+                <a:ext cx="640111" cy="523220"/>
+              </a:xfrm>
+              <a:prstGeom prst="rect">
+                <a:avLst/>
+              </a:prstGeom>
+              <a:blipFill>
+                <a:blip r:embed="rId17"/>
+                <a:stretch>
+                  <a:fillRect b="-2381"/>
+                </a:stretch>
+              </a:blipFill>
+            </p:spPr>
+            <p:txBody>
+              <a:bodyPr/>
+              <a:lstStyle/>
+              <a:p>
+                <a:r>
+                  <a:rPr lang="en-US">
+                    <a:noFill/>
+                  </a:rPr>
+                  <a:t> </a:t>
+                </a:r>
+              </a:p>
+            </p:txBody>
+          </p:sp>
+        </mc:Fallback>
+      </mc:AlternateContent>
+      <mc:AlternateContent xmlns:mc="http://schemas.openxmlformats.org/markup-compatibility/2006">
+        <mc:Choice xmlns:a14="http://schemas.microsoft.com/office/drawing/2010/main" Requires="a14">
+          <p:sp>
+            <p:nvSpPr>
+              <p:cNvPr id="54" name="文本框 53"/>
+              <p:cNvSpPr txBox="1"/>
+              <p:nvPr/>
+            </p:nvSpPr>
+            <p:spPr>
+              <a:xfrm>
+                <a:off x="4396877" y="1539028"/>
+                <a:ext cx="648383" cy="523220"/>
+              </a:xfrm>
+              <a:prstGeom prst="rect">
+                <a:avLst/>
+              </a:prstGeom>
+              <a:noFill/>
+            </p:spPr>
+            <p:txBody>
+              <a:bodyPr wrap="none" rtlCol="0">
+                <a:spAutoFit/>
+              </a:bodyPr>
+              <a:lstStyle/>
+              <a:p>
+                <a:pPr/>
+                <a14:m>
+                  <m:oMathPara xmlns:m="http://schemas.openxmlformats.org/officeDocument/2006/math">
+                    <m:oMathParaPr>
+                      <m:jc m:val="centerGroup"/>
+                    </m:oMathParaPr>
+                    <m:oMath xmlns:m="http://schemas.openxmlformats.org/officeDocument/2006/math">
+                      <m:sSub>
+                        <m:sSubPr>
+                          <m:ctrlPr>
+                            <a:rPr lang="en-US" altLang="zh-CN" sz="2800" b="0" i="1" smtClean="0">
+                              <a:solidFill>
+                                <a:schemeClr val="tx1"/>
+                              </a:solidFill>
+                              <a:latin typeface="Cambria Math" panose="02040503050406030204" pitchFamily="18" charset="0"/>
+                            </a:rPr>
+                          </m:ctrlPr>
+                        </m:sSubPr>
+                        <m:e>
+                          <m:r>
+                            <a:rPr lang="en-US" altLang="zh-CN" sz="2800" b="0" i="1" smtClean="0">
+                              <a:solidFill>
+                                <a:schemeClr val="tx1"/>
+                              </a:solidFill>
+                              <a:latin typeface="Cambria Math" panose="02040503050406030204" pitchFamily="18" charset="0"/>
+                            </a:rPr>
+                            <m:t>h</m:t>
+                          </m:r>
+                        </m:e>
+                        <m:sub>
+                          <m:r>
+                            <a:rPr lang="en-US" altLang="zh-CN" sz="2800" b="0" i="1" smtClean="0">
+                              <a:solidFill>
+                                <a:schemeClr val="tx1"/>
+                              </a:solidFill>
+                              <a:latin typeface="Cambria Math" panose="02040503050406030204" pitchFamily="18" charset="0"/>
+                            </a:rPr>
+                            <m:t>2</m:t>
+                          </m:r>
+                        </m:sub>
+                      </m:sSub>
+                    </m:oMath>
+                  </m:oMathPara>
+                </a14:m>
+                <a:endParaRPr lang="zh-CN" altLang="en-US" dirty="0">
+                  <a:solidFill>
+                    <a:schemeClr val="tx1"/>
+                  </a:solidFill>
+                </a:endParaRPr>
+              </a:p>
+            </p:txBody>
+          </p:sp>
+        </mc:Choice>
+        <mc:Fallback>
+          <p:sp>
+            <p:nvSpPr>
+              <p:cNvPr id="54" name="文本框 53"/>
+              <p:cNvSpPr txBox="1">
+                <a:spLocks noRot="1" noChangeAspect="1" noMove="1" noResize="1" noEditPoints="1" noAdjustHandles="1" noChangeArrowheads="1" noChangeShapeType="1" noTextEdit="1"/>
+              </p:cNvSpPr>
+              <p:nvPr/>
+            </p:nvSpPr>
+            <p:spPr>
+              <a:xfrm>
+                <a:off x="4396877" y="1539028"/>
+                <a:ext cx="648383" cy="523220"/>
+              </a:xfrm>
+              <a:prstGeom prst="rect">
+                <a:avLst/>
+              </a:prstGeom>
+              <a:blipFill>
+                <a:blip r:embed="rId18"/>
+                <a:stretch>
+                  <a:fillRect b="-2381"/>
+                </a:stretch>
+              </a:blipFill>
+            </p:spPr>
+            <p:txBody>
+              <a:bodyPr/>
+              <a:lstStyle/>
+              <a:p>
+                <a:r>
+                  <a:rPr lang="en-US">
+                    <a:noFill/>
+                  </a:rPr>
+                  <a:t> </a:t>
+                </a:r>
+              </a:p>
+            </p:txBody>
+          </p:sp>
+        </mc:Fallback>
+      </mc:AlternateContent>
+      <mc:AlternateContent xmlns:mc="http://schemas.openxmlformats.org/markup-compatibility/2006">
+        <mc:Choice xmlns:a14="http://schemas.microsoft.com/office/drawing/2010/main" Requires="a14">
+          <p:sp>
+            <p:nvSpPr>
+              <p:cNvPr id="55" name="文本框 54"/>
+              <p:cNvSpPr txBox="1"/>
+              <p:nvPr/>
+            </p:nvSpPr>
+            <p:spPr>
+              <a:xfrm>
+                <a:off x="6722227" y="1540238"/>
+                <a:ext cx="596382" cy="523220"/>
+              </a:xfrm>
+              <a:prstGeom prst="rect">
+                <a:avLst/>
+              </a:prstGeom>
+              <a:noFill/>
+            </p:spPr>
+            <p:txBody>
+              <a:bodyPr wrap="none" rtlCol="0">
+                <a:spAutoFit/>
+              </a:bodyPr>
+              <a:lstStyle/>
+              <a:p>
+                <a:pPr/>
+                <a14:m>
+                  <m:oMathPara xmlns:m="http://schemas.openxmlformats.org/officeDocument/2006/math">
+                    <m:oMathParaPr>
+                      <m:jc m:val="centerGroup"/>
+                    </m:oMathParaPr>
+                    <m:oMath xmlns:m="http://schemas.openxmlformats.org/officeDocument/2006/math">
+                      <m:sSub>
+                        <m:sSubPr>
+                          <m:ctrlPr>
+                            <a:rPr lang="en-US" altLang="zh-CN" sz="2800" b="0" i="1" smtClean="0">
+                              <a:solidFill>
+                                <a:schemeClr val="tx1"/>
+                              </a:solidFill>
+                              <a:latin typeface="Cambria Math" panose="02040503050406030204" pitchFamily="18" charset="0"/>
+                            </a:rPr>
+                          </m:ctrlPr>
+                        </m:sSubPr>
+                        <m:e>
+                          <m:r>
+                            <a:rPr lang="en-US" altLang="zh-CN" sz="2800" b="0" i="1" smtClean="0">
+                              <a:solidFill>
+                                <a:schemeClr val="tx1"/>
+                              </a:solidFill>
+                              <a:latin typeface="Cambria Math" panose="02040503050406030204" pitchFamily="18" charset="0"/>
+                            </a:rPr>
+                            <m:t>h</m:t>
+                          </m:r>
+                        </m:e>
+                        <m:sub>
+                          <m:r>
+                            <a:rPr lang="en-US" altLang="zh-CN" sz="2800" b="0" i="1" smtClean="0">
+                              <a:solidFill>
+                                <a:schemeClr val="tx1"/>
+                              </a:solidFill>
+                              <a:latin typeface="Cambria Math" panose="02040503050406030204" pitchFamily="18" charset="0"/>
+                            </a:rPr>
+                            <m:t>𝑖</m:t>
+                          </m:r>
+                        </m:sub>
+                      </m:sSub>
+                    </m:oMath>
+                  </m:oMathPara>
+                </a14:m>
+                <a:endParaRPr lang="zh-CN" altLang="en-US" dirty="0">
+                  <a:solidFill>
+                    <a:schemeClr val="tx1"/>
+                  </a:solidFill>
+                </a:endParaRPr>
+              </a:p>
+            </p:txBody>
+          </p:sp>
+        </mc:Choice>
+        <mc:Fallback>
+          <p:sp>
+            <p:nvSpPr>
+              <p:cNvPr id="55" name="文本框 54"/>
+              <p:cNvSpPr txBox="1">
+                <a:spLocks noRot="1" noChangeAspect="1" noMove="1" noResize="1" noEditPoints="1" noAdjustHandles="1" noChangeArrowheads="1" noChangeShapeType="1" noTextEdit="1"/>
+              </p:cNvSpPr>
+              <p:nvPr/>
+            </p:nvSpPr>
+            <p:spPr>
+              <a:xfrm>
+                <a:off x="6722227" y="1540238"/>
+                <a:ext cx="596382" cy="523220"/>
+              </a:xfrm>
+              <a:prstGeom prst="rect">
+                <a:avLst/>
+              </a:prstGeom>
+              <a:blipFill>
+                <a:blip r:embed="rId19"/>
+                <a:stretch>
+                  <a:fillRect b="-2381"/>
+                </a:stretch>
+              </a:blipFill>
+            </p:spPr>
+            <p:txBody>
+              <a:bodyPr/>
+              <a:lstStyle/>
+              <a:p>
+                <a:r>
+                  <a:rPr lang="en-US">
+                    <a:noFill/>
+                  </a:rPr>
+                  <a:t> </a:t>
+                </a:r>
+              </a:p>
+            </p:txBody>
+          </p:sp>
+        </mc:Fallback>
+      </mc:AlternateContent>
+      <mc:AlternateContent xmlns:mc="http://schemas.openxmlformats.org/markup-compatibility/2006">
+        <mc:Choice xmlns:a14="http://schemas.microsoft.com/office/drawing/2010/main" Requires="a14">
+          <p:sp>
+            <p:nvSpPr>
+              <p:cNvPr id="56" name="文本框 55"/>
+              <p:cNvSpPr txBox="1"/>
+              <p:nvPr/>
+            </p:nvSpPr>
+            <p:spPr>
+              <a:xfrm>
+                <a:off x="9026230" y="1539028"/>
+                <a:ext cx="670505" cy="523220"/>
+              </a:xfrm>
+              <a:prstGeom prst="rect">
+                <a:avLst/>
+              </a:prstGeom>
+              <a:noFill/>
+            </p:spPr>
+            <p:txBody>
+              <a:bodyPr wrap="none" rtlCol="0">
+                <a:spAutoFit/>
+              </a:bodyPr>
+              <a:lstStyle/>
+              <a:p>
+                <a:pPr/>
+                <a14:m>
+                  <m:oMathPara xmlns:m="http://schemas.openxmlformats.org/officeDocument/2006/math">
+                    <m:oMathParaPr>
+                      <m:jc m:val="centerGroup"/>
+                    </m:oMathParaPr>
+                    <m:oMath xmlns:m="http://schemas.openxmlformats.org/officeDocument/2006/math">
+                      <m:sSub>
+                        <m:sSubPr>
+                          <m:ctrlPr>
+                            <a:rPr lang="en-US" altLang="zh-CN" sz="2800" b="0" i="1" smtClean="0">
+                              <a:solidFill>
+                                <a:schemeClr val="tx1"/>
+                              </a:solidFill>
+                              <a:latin typeface="Cambria Math" panose="02040503050406030204" pitchFamily="18" charset="0"/>
+                            </a:rPr>
+                          </m:ctrlPr>
+                        </m:sSubPr>
+                        <m:e>
+                          <m:r>
+                            <a:rPr lang="en-US" altLang="zh-CN" sz="2800" b="0" i="1" smtClean="0">
+                              <a:solidFill>
+                                <a:schemeClr val="tx1"/>
+                              </a:solidFill>
+                              <a:latin typeface="Cambria Math" panose="02040503050406030204" pitchFamily="18" charset="0"/>
+                            </a:rPr>
+                            <m:t>h</m:t>
+                          </m:r>
+                        </m:e>
+                        <m:sub>
+                          <m:r>
+                            <a:rPr lang="en-US" altLang="zh-CN" sz="2800" b="0" i="1" smtClean="0">
+                              <a:solidFill>
+                                <a:schemeClr val="tx1"/>
+                              </a:solidFill>
+                              <a:latin typeface="Cambria Math" panose="02040503050406030204" pitchFamily="18" charset="0"/>
+                            </a:rPr>
+                            <m:t>𝑛</m:t>
+                          </m:r>
+                        </m:sub>
+                      </m:sSub>
+                    </m:oMath>
+                  </m:oMathPara>
+                </a14:m>
+                <a:endParaRPr lang="zh-CN" altLang="en-US" dirty="0">
+                  <a:solidFill>
+                    <a:schemeClr val="tx1"/>
+                  </a:solidFill>
+                </a:endParaRPr>
+              </a:p>
+            </p:txBody>
+          </p:sp>
+        </mc:Choice>
+        <mc:Fallback>
+          <p:sp>
+            <p:nvSpPr>
+              <p:cNvPr id="56" name="文本框 55"/>
+              <p:cNvSpPr txBox="1">
+                <a:spLocks noRot="1" noChangeAspect="1" noMove="1" noResize="1" noEditPoints="1" noAdjustHandles="1" noChangeArrowheads="1" noChangeShapeType="1" noTextEdit="1"/>
+              </p:cNvSpPr>
+              <p:nvPr/>
+            </p:nvSpPr>
+            <p:spPr>
+              <a:xfrm>
+                <a:off x="9026230" y="1539028"/>
+                <a:ext cx="670505" cy="523220"/>
+              </a:xfrm>
+              <a:prstGeom prst="rect">
+                <a:avLst/>
+              </a:prstGeom>
+              <a:blipFill>
+                <a:blip r:embed="rId20"/>
+                <a:stretch>
+                  <a:fillRect/>
+                </a:stretch>
+              </a:blipFill>
+            </p:spPr>
+            <p:txBody>
+              <a:bodyPr/>
+              <a:lstStyle/>
+              <a:p>
+                <a:r>
+                  <a:rPr lang="en-US">
+                    <a:noFill/>
+                  </a:rPr>
+                  <a:t> </a:t>
+                </a:r>
+              </a:p>
+            </p:txBody>
+          </p:sp>
+        </mc:Fallback>
+      </mc:AlternateContent>
+      <mc:AlternateContent xmlns:mc="http://schemas.openxmlformats.org/markup-compatibility/2006">
+        <mc:Choice xmlns:a14="http://schemas.microsoft.com/office/drawing/2010/main" Requires="a14">
+          <p:sp>
+            <p:nvSpPr>
+              <p:cNvPr id="57" name="文本框 56"/>
+              <p:cNvSpPr txBox="1"/>
+              <p:nvPr/>
+            </p:nvSpPr>
+            <p:spPr>
+              <a:xfrm>
+                <a:off x="2950494" y="4266059"/>
+                <a:ext cx="640111" cy="523220"/>
+              </a:xfrm>
+              <a:prstGeom prst="rect">
+                <a:avLst/>
+              </a:prstGeom>
+              <a:noFill/>
+            </p:spPr>
+            <p:txBody>
+              <a:bodyPr wrap="none" rtlCol="0">
+                <a:spAutoFit/>
+              </a:bodyPr>
+              <a:lstStyle/>
+              <a:p>
+                <a:pPr/>
+                <a14:m>
+                  <m:oMathPara xmlns:m="http://schemas.openxmlformats.org/officeDocument/2006/math">
+                    <m:oMathParaPr>
+                      <m:jc m:val="centerGroup"/>
+                    </m:oMathParaPr>
+                    <m:oMath xmlns:m="http://schemas.openxmlformats.org/officeDocument/2006/math">
+                      <m:sSub>
+                        <m:sSubPr>
+                          <m:ctrlPr>
+                            <a:rPr lang="en-US" altLang="zh-CN" sz="2800" b="0" i="1" smtClean="0">
+                              <a:solidFill>
+                                <a:schemeClr val="tx1"/>
+                              </a:solidFill>
+                              <a:latin typeface="Cambria Math" panose="02040503050406030204" pitchFamily="18" charset="0"/>
+                            </a:rPr>
+                          </m:ctrlPr>
+                        </m:sSubPr>
+                        <m:e>
+                          <m:r>
+                            <a:rPr lang="en-US" altLang="zh-CN" sz="2800" b="0" i="1" smtClean="0">
+                              <a:solidFill>
+                                <a:schemeClr val="tx1"/>
+                              </a:solidFill>
+                              <a:latin typeface="Cambria Math" panose="02040503050406030204" pitchFamily="18" charset="0"/>
+                            </a:rPr>
+                            <m:t>𝑣</m:t>
+                          </m:r>
+                        </m:e>
+                        <m:sub>
+                          <m:r>
+                            <a:rPr lang="en-US" altLang="zh-CN" sz="2800" b="0" i="1" smtClean="0">
+                              <a:solidFill>
+                                <a:schemeClr val="tx1"/>
+                              </a:solidFill>
+                              <a:latin typeface="Cambria Math" panose="02040503050406030204" pitchFamily="18" charset="0"/>
+                            </a:rPr>
+                            <m:t>1</m:t>
+                          </m:r>
+                        </m:sub>
+                      </m:sSub>
+                    </m:oMath>
+                  </m:oMathPara>
+                </a14:m>
+                <a:endParaRPr lang="zh-CN" altLang="en-US" dirty="0">
+                  <a:solidFill>
+                    <a:schemeClr val="tx1"/>
+                  </a:solidFill>
+                </a:endParaRPr>
+              </a:p>
+            </p:txBody>
+          </p:sp>
+        </mc:Choice>
+        <mc:Fallback>
+          <p:sp>
+            <p:nvSpPr>
+              <p:cNvPr id="57" name="文本框 56"/>
+              <p:cNvSpPr txBox="1">
+                <a:spLocks noRot="1" noChangeAspect="1" noMove="1" noResize="1" noEditPoints="1" noAdjustHandles="1" noChangeArrowheads="1" noChangeShapeType="1" noTextEdit="1"/>
+              </p:cNvSpPr>
+              <p:nvPr/>
+            </p:nvSpPr>
+            <p:spPr>
+              <a:xfrm>
+                <a:off x="2950494" y="4266059"/>
+                <a:ext cx="640111" cy="523220"/>
+              </a:xfrm>
+              <a:prstGeom prst="rect">
+                <a:avLst/>
+              </a:prstGeom>
+              <a:blipFill>
+                <a:blip r:embed="rId21"/>
+                <a:stretch>
+                  <a:fillRect/>
+                </a:stretch>
+              </a:blipFill>
+            </p:spPr>
+            <p:txBody>
+              <a:bodyPr/>
+              <a:lstStyle/>
+              <a:p>
+                <a:r>
+                  <a:rPr lang="en-US">
+                    <a:noFill/>
+                  </a:rPr>
+                  <a:t> </a:t>
+                </a:r>
+              </a:p>
+            </p:txBody>
+          </p:sp>
+        </mc:Fallback>
+      </mc:AlternateContent>
+      <mc:AlternateContent xmlns:mc="http://schemas.openxmlformats.org/markup-compatibility/2006">
+        <mc:Choice xmlns:a14="http://schemas.microsoft.com/office/drawing/2010/main" Requires="a14">
+          <p:sp>
+            <p:nvSpPr>
+              <p:cNvPr id="63" name="文本框 62"/>
+              <p:cNvSpPr txBox="1"/>
+              <p:nvPr/>
+            </p:nvSpPr>
+            <p:spPr>
+              <a:xfrm>
+                <a:off x="4396446" y="4266059"/>
+                <a:ext cx="648383" cy="523220"/>
+              </a:xfrm>
+              <a:prstGeom prst="rect">
+                <a:avLst/>
+              </a:prstGeom>
+              <a:noFill/>
+            </p:spPr>
+            <p:txBody>
+              <a:bodyPr wrap="none" rtlCol="0">
+                <a:spAutoFit/>
+              </a:bodyPr>
+              <a:lstStyle/>
+              <a:p>
+                <a:pPr/>
+                <a14:m>
+                  <m:oMathPara xmlns:m="http://schemas.openxmlformats.org/officeDocument/2006/math">
+                    <m:oMathParaPr>
+                      <m:jc m:val="centerGroup"/>
+                    </m:oMathParaPr>
+                    <m:oMath xmlns:m="http://schemas.openxmlformats.org/officeDocument/2006/math">
+                      <m:sSub>
+                        <m:sSubPr>
+                          <m:ctrlPr>
+                            <a:rPr lang="en-US" altLang="zh-CN" sz="2800" b="0" i="1" smtClean="0">
+                              <a:solidFill>
+                                <a:schemeClr val="tx1"/>
+                              </a:solidFill>
+                              <a:latin typeface="Cambria Math" panose="02040503050406030204" pitchFamily="18" charset="0"/>
+                            </a:rPr>
+                          </m:ctrlPr>
+                        </m:sSubPr>
+                        <m:e>
+                          <m:r>
+                            <a:rPr lang="en-US" altLang="zh-CN" sz="2800" b="0" i="1" smtClean="0">
+                              <a:solidFill>
+                                <a:schemeClr val="tx1"/>
+                              </a:solidFill>
+                              <a:latin typeface="Cambria Math" panose="02040503050406030204" pitchFamily="18" charset="0"/>
+                            </a:rPr>
+                            <m:t>𝑣</m:t>
+                          </m:r>
+                        </m:e>
+                        <m:sub>
+                          <m:r>
+                            <a:rPr lang="en-US" altLang="zh-CN" sz="2800" b="0" i="1" smtClean="0">
+                              <a:solidFill>
+                                <a:schemeClr val="tx1"/>
+                              </a:solidFill>
+                              <a:latin typeface="Cambria Math" panose="02040503050406030204" pitchFamily="18" charset="0"/>
+                            </a:rPr>
+                            <m:t>2</m:t>
+                          </m:r>
+                        </m:sub>
+                      </m:sSub>
+                    </m:oMath>
+                  </m:oMathPara>
+                </a14:m>
+                <a:endParaRPr lang="zh-CN" altLang="en-US" dirty="0">
+                  <a:solidFill>
+                    <a:schemeClr val="tx1"/>
+                  </a:solidFill>
+                </a:endParaRPr>
+              </a:p>
+            </p:txBody>
+          </p:sp>
+        </mc:Choice>
+        <mc:Fallback>
+          <p:sp>
+            <p:nvSpPr>
+              <p:cNvPr id="63" name="文本框 62"/>
+              <p:cNvSpPr txBox="1">
+                <a:spLocks noRot="1" noChangeAspect="1" noMove="1" noResize="1" noEditPoints="1" noAdjustHandles="1" noChangeArrowheads="1" noChangeShapeType="1" noTextEdit="1"/>
+              </p:cNvSpPr>
+              <p:nvPr/>
+            </p:nvSpPr>
+            <p:spPr>
+              <a:xfrm>
+                <a:off x="4396446" y="4266059"/>
+                <a:ext cx="648383" cy="523220"/>
+              </a:xfrm>
+              <a:prstGeom prst="rect">
+                <a:avLst/>
+              </a:prstGeom>
+              <a:blipFill>
+                <a:blip r:embed="rId22"/>
+                <a:stretch>
+                  <a:fillRect/>
+                </a:stretch>
+              </a:blipFill>
+            </p:spPr>
+            <p:txBody>
+              <a:bodyPr/>
+              <a:lstStyle/>
+              <a:p>
+                <a:r>
+                  <a:rPr lang="en-US">
+                    <a:noFill/>
+                  </a:rPr>
+                  <a:t> </a:t>
+                </a:r>
+              </a:p>
+            </p:txBody>
+          </p:sp>
+        </mc:Fallback>
+      </mc:AlternateContent>
+      <mc:AlternateContent xmlns:mc="http://schemas.openxmlformats.org/markup-compatibility/2006">
+        <mc:Choice xmlns:a14="http://schemas.microsoft.com/office/drawing/2010/main" Requires="a14">
+          <p:sp>
+            <p:nvSpPr>
+              <p:cNvPr id="64" name="文本框 63"/>
+              <p:cNvSpPr txBox="1"/>
+              <p:nvPr/>
+            </p:nvSpPr>
+            <p:spPr>
+              <a:xfrm>
+                <a:off x="6721796" y="4267269"/>
+                <a:ext cx="589777" cy="557910"/>
+              </a:xfrm>
+              <a:prstGeom prst="rect">
+                <a:avLst/>
+              </a:prstGeom>
+              <a:noFill/>
+            </p:spPr>
+            <p:txBody>
+              <a:bodyPr wrap="none" rtlCol="0">
+                <a:spAutoFit/>
+              </a:bodyPr>
+              <a:lstStyle/>
+              <a:p>
+                <a:pPr/>
+                <a14:m>
+                  <m:oMathPara xmlns:m="http://schemas.openxmlformats.org/officeDocument/2006/math">
+                    <m:oMathParaPr>
+                      <m:jc m:val="centerGroup"/>
+                    </m:oMathParaPr>
+                    <m:oMath xmlns:m="http://schemas.openxmlformats.org/officeDocument/2006/math">
+                      <m:sSub>
+                        <m:sSubPr>
+                          <m:ctrlPr>
+                            <a:rPr lang="en-US" altLang="zh-CN" sz="2800" b="0" i="1" smtClean="0">
+                              <a:solidFill>
+                                <a:schemeClr val="tx1"/>
+                              </a:solidFill>
+                              <a:latin typeface="Cambria Math" panose="02040503050406030204" pitchFamily="18" charset="0"/>
+                            </a:rPr>
+                          </m:ctrlPr>
+                        </m:sSubPr>
+                        <m:e>
+                          <m:r>
+                            <a:rPr lang="en-US" altLang="zh-CN" sz="2800" b="0" i="1" smtClean="0">
+                              <a:solidFill>
+                                <a:schemeClr val="tx1"/>
+                              </a:solidFill>
+                              <a:latin typeface="Cambria Math" panose="02040503050406030204" pitchFamily="18" charset="0"/>
+                            </a:rPr>
+                            <m:t>𝑣</m:t>
+                          </m:r>
+                        </m:e>
+                        <m:sub>
+                          <m:r>
+                            <a:rPr lang="en-US" altLang="zh-CN" sz="2800" b="0" i="1" smtClean="0">
+                              <a:solidFill>
+                                <a:schemeClr val="tx1"/>
+                              </a:solidFill>
+                              <a:latin typeface="Cambria Math" panose="02040503050406030204" pitchFamily="18" charset="0"/>
+                            </a:rPr>
+                            <m:t>𝑗</m:t>
+                          </m:r>
+                        </m:sub>
+                      </m:sSub>
+                    </m:oMath>
+                  </m:oMathPara>
+                </a14:m>
+                <a:endParaRPr lang="zh-CN" altLang="en-US" dirty="0">
+                  <a:solidFill>
+                    <a:schemeClr val="tx1"/>
+                  </a:solidFill>
+                </a:endParaRPr>
+              </a:p>
+            </p:txBody>
+          </p:sp>
+        </mc:Choice>
+        <mc:Fallback>
+          <p:sp>
+            <p:nvSpPr>
+              <p:cNvPr id="64" name="文本框 63"/>
+              <p:cNvSpPr txBox="1">
+                <a:spLocks noRot="1" noChangeAspect="1" noMove="1" noResize="1" noEditPoints="1" noAdjustHandles="1" noChangeArrowheads="1" noChangeShapeType="1" noTextEdit="1"/>
+              </p:cNvSpPr>
+              <p:nvPr/>
+            </p:nvSpPr>
+            <p:spPr>
+              <a:xfrm>
+                <a:off x="6721796" y="4267269"/>
+                <a:ext cx="589777" cy="557910"/>
+              </a:xfrm>
+              <a:prstGeom prst="rect">
+                <a:avLst/>
+              </a:prstGeom>
+              <a:blipFill>
+                <a:blip r:embed="rId23"/>
+                <a:stretch>
+                  <a:fillRect b="-11364"/>
+                </a:stretch>
+              </a:blipFill>
+            </p:spPr>
+            <p:txBody>
+              <a:bodyPr/>
+              <a:lstStyle/>
+              <a:p>
+                <a:r>
+                  <a:rPr lang="en-US">
+                    <a:noFill/>
+                  </a:rPr>
+                  <a:t> </a:t>
+                </a:r>
+              </a:p>
+            </p:txBody>
+          </p:sp>
+        </mc:Fallback>
+      </mc:AlternateContent>
+      <mc:AlternateContent xmlns:mc="http://schemas.openxmlformats.org/markup-compatibility/2006">
+        <mc:Choice xmlns:a14="http://schemas.microsoft.com/office/drawing/2010/main" Requires="a14">
+          <p:sp>
+            <p:nvSpPr>
+              <p:cNvPr id="65" name="文本框 64"/>
+              <p:cNvSpPr txBox="1"/>
+              <p:nvPr/>
+            </p:nvSpPr>
+            <p:spPr>
+              <a:xfrm>
+                <a:off x="9025799" y="4266059"/>
+                <a:ext cx="721608" cy="523220"/>
+              </a:xfrm>
+              <a:prstGeom prst="rect">
+                <a:avLst/>
+              </a:prstGeom>
+              <a:noFill/>
+            </p:spPr>
+            <p:txBody>
+              <a:bodyPr wrap="none" rtlCol="0">
+                <a:spAutoFit/>
+              </a:bodyPr>
+              <a:lstStyle/>
+              <a:p>
+                <a:pPr/>
+                <a14:m>
+                  <m:oMathPara xmlns:m="http://schemas.openxmlformats.org/officeDocument/2006/math">
+                    <m:oMathParaPr>
+                      <m:jc m:val="centerGroup"/>
+                    </m:oMathParaPr>
+                    <m:oMath xmlns:m="http://schemas.openxmlformats.org/officeDocument/2006/math">
+                      <m:sSub>
+                        <m:sSubPr>
+                          <m:ctrlPr>
+                            <a:rPr lang="en-US" altLang="zh-CN" sz="2800" b="0" i="1" smtClean="0">
+                              <a:solidFill>
+                                <a:schemeClr val="tx1"/>
+                              </a:solidFill>
+                              <a:latin typeface="Cambria Math" panose="02040503050406030204" pitchFamily="18" charset="0"/>
+                            </a:rPr>
+                          </m:ctrlPr>
+                        </m:sSubPr>
+                        <m:e>
+                          <m:r>
+                            <a:rPr lang="en-US" altLang="zh-CN" sz="2800" b="0" i="1" smtClean="0">
+                              <a:solidFill>
+                                <a:schemeClr val="tx1"/>
+                              </a:solidFill>
+                              <a:latin typeface="Cambria Math" panose="02040503050406030204" pitchFamily="18" charset="0"/>
+                            </a:rPr>
+                            <m:t>𝑣</m:t>
+                          </m:r>
+                        </m:e>
+                        <m:sub>
+                          <m:r>
+                            <a:rPr lang="en-US" altLang="zh-CN" sz="2800" b="0" i="1" smtClean="0">
+                              <a:solidFill>
+                                <a:schemeClr val="tx1"/>
+                              </a:solidFill>
+                              <a:latin typeface="Cambria Math" panose="02040503050406030204" pitchFamily="18" charset="0"/>
+                            </a:rPr>
+                            <m:t>𝑚</m:t>
+                          </m:r>
+                        </m:sub>
+                      </m:sSub>
+                    </m:oMath>
+                  </m:oMathPara>
+                </a14:m>
+                <a:endParaRPr lang="zh-CN" altLang="en-US" dirty="0">
+                  <a:solidFill>
+                    <a:schemeClr val="tx1"/>
+                  </a:solidFill>
+                </a:endParaRPr>
+              </a:p>
+            </p:txBody>
+          </p:sp>
+        </mc:Choice>
+        <mc:Fallback>
+          <p:sp>
+            <p:nvSpPr>
+              <p:cNvPr id="65" name="文本框 64"/>
+              <p:cNvSpPr txBox="1">
+                <a:spLocks noRot="1" noChangeAspect="1" noMove="1" noResize="1" noEditPoints="1" noAdjustHandles="1" noChangeArrowheads="1" noChangeShapeType="1" noTextEdit="1"/>
+              </p:cNvSpPr>
+              <p:nvPr/>
+            </p:nvSpPr>
+            <p:spPr>
+              <a:xfrm>
+                <a:off x="9025799" y="4266059"/>
+                <a:ext cx="721608" cy="523220"/>
+              </a:xfrm>
+              <a:prstGeom prst="rect">
+                <a:avLst/>
+              </a:prstGeom>
+              <a:blipFill>
+                <a:blip r:embed="rId24"/>
+                <a:stretch>
+                  <a:fillRect/>
+                </a:stretch>
+              </a:blipFill>
+            </p:spPr>
+            <p:txBody>
+              <a:bodyPr/>
+              <a:lstStyle/>
+              <a:p>
+                <a:r>
+                  <a:rPr lang="en-US">
+                    <a:noFill/>
+                  </a:rPr>
+                  <a:t> </a:t>
+                </a:r>
+              </a:p>
+            </p:txBody>
+          </p:sp>
+        </mc:Fallback>
+      </mc:AlternateContent>
     </p:spTree>
     <p:extLst>
       <p:ext uri="{BB962C8B-B14F-4D97-AF65-F5344CB8AC3E}">
@@ -14123,8 +14059,8 @@
               <a:chExt cx="6924640" cy="3336869"/>
             </a:xfrm>
           </p:grpSpPr>
-          <mc:AlternateContent xmlns:mc="http://schemas.openxmlformats.org/markup-compatibility/2006">
-            <mc:Choice xmlns:a14="http://schemas.microsoft.com/office/drawing/2010/main" Requires="a14">
+          <mc:AlternateContent xmlns:mc="http://schemas.openxmlformats.org/markup-compatibility/2006" xmlns:a14="http://schemas.microsoft.com/office/drawing/2010/main">
+            <mc:Choice Requires="a14">
               <p:sp>
                 <p:nvSpPr>
                   <p:cNvPr id="69" name="文本框 68"/>
@@ -14236,7 +14172,7 @@
                 </p:txBody>
               </p:sp>
             </mc:Choice>
-            <mc:Fallback>
+            <mc:Fallback xmlns="">
               <p:sp>
                 <p:nvSpPr>
                   <p:cNvPr id="69" name="文本框 68"/>
@@ -14275,8 +14211,8 @@
               </p:sp>
             </mc:Fallback>
           </mc:AlternateContent>
-          <mc:AlternateContent xmlns:mc="http://schemas.openxmlformats.org/markup-compatibility/2006">
-            <mc:Choice xmlns:a14="http://schemas.microsoft.com/office/drawing/2010/main" Requires="a14">
+          <mc:AlternateContent xmlns:mc="http://schemas.openxmlformats.org/markup-compatibility/2006" xmlns:a14="http://schemas.microsoft.com/office/drawing/2010/main">
+            <mc:Choice Requires="a14">
               <p:sp>
                 <p:nvSpPr>
                   <p:cNvPr id="70" name="文本框 69"/>
@@ -14388,7 +14324,7 @@
                 </p:txBody>
               </p:sp>
             </mc:Choice>
-            <mc:Fallback>
+            <mc:Fallback xmlns="">
               <p:sp>
                 <p:nvSpPr>
                   <p:cNvPr id="70" name="文本框 69"/>
@@ -14427,8 +14363,8 @@
               </p:sp>
             </mc:Fallback>
           </mc:AlternateContent>
-          <mc:AlternateContent xmlns:mc="http://schemas.openxmlformats.org/markup-compatibility/2006">
-            <mc:Choice xmlns:a14="http://schemas.microsoft.com/office/drawing/2010/main" Requires="a14">
+          <mc:AlternateContent xmlns:mc="http://schemas.openxmlformats.org/markup-compatibility/2006" xmlns:a14="http://schemas.microsoft.com/office/drawing/2010/main">
+            <mc:Choice Requires="a14">
               <p:sp>
                 <p:nvSpPr>
                   <p:cNvPr id="71" name="文本框 70"/>
@@ -14540,7 +14476,7 @@
                 </p:txBody>
               </p:sp>
             </mc:Choice>
-            <mc:Fallback>
+            <mc:Fallback xmlns="">
               <p:sp>
                 <p:nvSpPr>
                   <p:cNvPr id="71" name="文本框 70"/>
@@ -14579,8 +14515,8 @@
               </p:sp>
             </mc:Fallback>
           </mc:AlternateContent>
-          <mc:AlternateContent xmlns:mc="http://schemas.openxmlformats.org/markup-compatibility/2006">
-            <mc:Choice xmlns:a14="http://schemas.microsoft.com/office/drawing/2010/main" Requires="a14">
+          <mc:AlternateContent xmlns:mc="http://schemas.openxmlformats.org/markup-compatibility/2006" xmlns:a14="http://schemas.microsoft.com/office/drawing/2010/main">
+            <mc:Choice Requires="a14">
               <p:sp>
                 <p:nvSpPr>
                   <p:cNvPr id="72" name="文本框 71"/>
@@ -14692,7 +14628,7 @@
                 </p:txBody>
               </p:sp>
             </mc:Choice>
-            <mc:Fallback>
+            <mc:Fallback xmlns="">
               <p:sp>
                 <p:nvSpPr>
                   <p:cNvPr id="72" name="文本框 71"/>
@@ -14731,8 +14667,8 @@
               </p:sp>
             </mc:Fallback>
           </mc:AlternateContent>
-          <mc:AlternateContent xmlns:mc="http://schemas.openxmlformats.org/markup-compatibility/2006">
-            <mc:Choice xmlns:a14="http://schemas.microsoft.com/office/drawing/2010/main" Requires="a14">
+          <mc:AlternateContent xmlns:mc="http://schemas.openxmlformats.org/markup-compatibility/2006" xmlns:a14="http://schemas.microsoft.com/office/drawing/2010/main">
+            <mc:Choice Requires="a14">
               <p:sp>
                 <p:nvSpPr>
                   <p:cNvPr id="74" name="文本框 73"/>
@@ -14844,7 +14780,7 @@
                 </p:txBody>
               </p:sp>
             </mc:Choice>
-            <mc:Fallback>
+            <mc:Fallback xmlns="">
               <p:sp>
                 <p:nvSpPr>
                   <p:cNvPr id="74" name="文本框 73"/>
@@ -14883,8 +14819,8 @@
               </p:sp>
             </mc:Fallback>
           </mc:AlternateContent>
-          <mc:AlternateContent xmlns:mc="http://schemas.openxmlformats.org/markup-compatibility/2006">
-            <mc:Choice xmlns:a14="http://schemas.microsoft.com/office/drawing/2010/main" Requires="a14">
+          <mc:AlternateContent xmlns:mc="http://schemas.openxmlformats.org/markup-compatibility/2006" xmlns:a14="http://schemas.microsoft.com/office/drawing/2010/main">
+            <mc:Choice Requires="a14">
               <p:sp>
                 <p:nvSpPr>
                   <p:cNvPr id="75" name="文本框 74"/>
@@ -14996,7 +14932,7 @@
                 </p:txBody>
               </p:sp>
             </mc:Choice>
-            <mc:Fallback>
+            <mc:Fallback xmlns="">
               <p:sp>
                 <p:nvSpPr>
                   <p:cNvPr id="75" name="文本框 74"/>
@@ -15035,8 +14971,8 @@
               </p:sp>
             </mc:Fallback>
           </mc:AlternateContent>
-          <mc:AlternateContent xmlns:mc="http://schemas.openxmlformats.org/markup-compatibility/2006">
-            <mc:Choice xmlns:a14="http://schemas.microsoft.com/office/drawing/2010/main" Requires="a14">
+          <mc:AlternateContent xmlns:mc="http://schemas.openxmlformats.org/markup-compatibility/2006" xmlns:a14="http://schemas.microsoft.com/office/drawing/2010/main">
+            <mc:Choice Requires="a14">
               <p:sp>
                 <p:nvSpPr>
                   <p:cNvPr id="80" name="文本框 79"/>
@@ -15148,7 +15084,7 @@
                 </p:txBody>
               </p:sp>
             </mc:Choice>
-            <mc:Fallback>
+            <mc:Fallback xmlns="">
               <p:sp>
                 <p:nvSpPr>
                   <p:cNvPr id="80" name="文本框 79"/>
@@ -15187,8 +15123,8 @@
               </p:sp>
             </mc:Fallback>
           </mc:AlternateContent>
-          <mc:AlternateContent xmlns:mc="http://schemas.openxmlformats.org/markup-compatibility/2006">
-            <mc:Choice xmlns:a14="http://schemas.microsoft.com/office/drawing/2010/main" Requires="a14">
+          <mc:AlternateContent xmlns:mc="http://schemas.openxmlformats.org/markup-compatibility/2006" xmlns:a14="http://schemas.microsoft.com/office/drawing/2010/main">
+            <mc:Choice Requires="a14">
               <p:sp>
                 <p:nvSpPr>
                   <p:cNvPr id="81" name="文本框 80"/>
@@ -15300,7 +15236,7 @@
                 </p:txBody>
               </p:sp>
             </mc:Choice>
-            <mc:Fallback>
+            <mc:Fallback xmlns="">
               <p:sp>
                 <p:nvSpPr>
                   <p:cNvPr id="81" name="文本框 80"/>
@@ -15503,8 +15439,8 @@
                       </a:p>
                     </p:txBody>
                   </p:sp>
-                  <mc:AlternateContent xmlns:mc="http://schemas.openxmlformats.org/markup-compatibility/2006">
-                    <mc:Choice xmlns:a14="http://schemas.microsoft.com/office/drawing/2010/main" Requires="a14">
+                  <mc:AlternateContent xmlns:mc="http://schemas.openxmlformats.org/markup-compatibility/2006" xmlns:a14="http://schemas.microsoft.com/office/drawing/2010/main">
+                    <mc:Choice Requires="a14">
                       <p:sp>
                         <p:nvSpPr>
                           <p:cNvPr id="5" name="文本框 4"/>
@@ -15567,7 +15503,7 @@
                         </p:txBody>
                       </p:sp>
                     </mc:Choice>
-                    <mc:Fallback>
+                    <mc:Fallback xmlns="">
                       <p:sp>
                         <p:nvSpPr>
                           <p:cNvPr id="5" name="文本框 4"/>
@@ -15669,8 +15605,8 @@
                       </a:p>
                     </p:txBody>
                   </p:sp>
-                  <mc:AlternateContent xmlns:mc="http://schemas.openxmlformats.org/markup-compatibility/2006">
-                    <mc:Choice xmlns:a14="http://schemas.microsoft.com/office/drawing/2010/main" Requires="a14">
+                  <mc:AlternateContent xmlns:mc="http://schemas.openxmlformats.org/markup-compatibility/2006" xmlns:a14="http://schemas.microsoft.com/office/drawing/2010/main">
+                    <mc:Choice Requires="a14">
                       <p:sp>
                         <p:nvSpPr>
                           <p:cNvPr id="9" name="文本框 8"/>
@@ -15733,7 +15669,7 @@
                         </p:txBody>
                       </p:sp>
                     </mc:Choice>
-                    <mc:Fallback>
+                    <mc:Fallback xmlns="">
                       <p:sp>
                         <p:nvSpPr>
                           <p:cNvPr id="9" name="文本框 8"/>
@@ -15835,8 +15771,8 @@
                       </a:p>
                     </p:txBody>
                   </p:sp>
-                  <mc:AlternateContent xmlns:mc="http://schemas.openxmlformats.org/markup-compatibility/2006">
-                    <mc:Choice xmlns:a14="http://schemas.microsoft.com/office/drawing/2010/main" Requires="a14">
+                  <mc:AlternateContent xmlns:mc="http://schemas.openxmlformats.org/markup-compatibility/2006" xmlns:a14="http://schemas.microsoft.com/office/drawing/2010/main">
+                    <mc:Choice Requires="a14">
                       <p:sp>
                         <p:nvSpPr>
                           <p:cNvPr id="12" name="文本框 11"/>
@@ -15899,7 +15835,7 @@
                         </p:txBody>
                       </p:sp>
                     </mc:Choice>
-                    <mc:Fallback>
+                    <mc:Fallback xmlns="">
                       <p:sp>
                         <p:nvSpPr>
                           <p:cNvPr id="12" name="文本框 11"/>
@@ -16001,8 +15937,8 @@
                       </a:p>
                     </p:txBody>
                   </p:sp>
-                  <mc:AlternateContent xmlns:mc="http://schemas.openxmlformats.org/markup-compatibility/2006">
-                    <mc:Choice xmlns:a14="http://schemas.microsoft.com/office/drawing/2010/main" Requires="a14">
+                  <mc:AlternateContent xmlns:mc="http://schemas.openxmlformats.org/markup-compatibility/2006" xmlns:a14="http://schemas.microsoft.com/office/drawing/2010/main">
+                    <mc:Choice Requires="a14">
                       <p:sp>
                         <p:nvSpPr>
                           <p:cNvPr id="15" name="文本框 14"/>
@@ -16065,7 +16001,7 @@
                         </p:txBody>
                       </p:sp>
                     </mc:Choice>
-                    <mc:Fallback>
+                    <mc:Fallback xmlns="">
                       <p:sp>
                         <p:nvSpPr>
                           <p:cNvPr id="15" name="文本框 14"/>
@@ -16105,8 +16041,8 @@
                     </mc:Fallback>
                   </mc:AlternateContent>
                 </p:grpSp>
-                <mc:AlternateContent xmlns:mc="http://schemas.openxmlformats.org/markup-compatibility/2006">
-                  <mc:Choice xmlns:a14="http://schemas.microsoft.com/office/drawing/2010/main" Requires="a14">
+                <mc:AlternateContent xmlns:mc="http://schemas.openxmlformats.org/markup-compatibility/2006" xmlns:a14="http://schemas.microsoft.com/office/drawing/2010/main">
+                  <mc:Choice Requires="a14">
                     <p:sp>
                       <p:nvSpPr>
                         <p:cNvPr id="34" name="文本框 33"/>
@@ -16150,7 +16086,7 @@
                       </p:txBody>
                     </p:sp>
                   </mc:Choice>
-                  <mc:Fallback>
+                  <mc:Fallback xmlns="">
                     <p:sp>
                       <p:nvSpPr>
                         <p:cNvPr id="34" name="文本框 33"/>
@@ -16189,8 +16125,8 @@
                     </p:sp>
                   </mc:Fallback>
                 </mc:AlternateContent>
-                <mc:AlternateContent xmlns:mc="http://schemas.openxmlformats.org/markup-compatibility/2006">
-                  <mc:Choice xmlns:a14="http://schemas.microsoft.com/office/drawing/2010/main" Requires="a14">
+                <mc:AlternateContent xmlns:mc="http://schemas.openxmlformats.org/markup-compatibility/2006" xmlns:a14="http://schemas.microsoft.com/office/drawing/2010/main">
+                  <mc:Choice Requires="a14">
                     <p:sp>
                       <p:nvSpPr>
                         <p:cNvPr id="35" name="文本框 34"/>
@@ -16234,7 +16170,7 @@
                       </p:txBody>
                     </p:sp>
                   </mc:Choice>
-                  <mc:Fallback>
+                  <mc:Fallback xmlns="">
                     <p:sp>
                       <p:nvSpPr>
                         <p:cNvPr id="35" name="文本框 34"/>
@@ -16350,8 +16286,8 @@
                       </a:p>
                     </p:txBody>
                   </p:sp>
-                  <mc:AlternateContent xmlns:mc="http://schemas.openxmlformats.org/markup-compatibility/2006">
-                    <mc:Choice xmlns:a14="http://schemas.microsoft.com/office/drawing/2010/main" Requires="a14">
+                  <mc:AlternateContent xmlns:mc="http://schemas.openxmlformats.org/markup-compatibility/2006" xmlns:a14="http://schemas.microsoft.com/office/drawing/2010/main">
+                    <mc:Choice Requires="a14">
                       <p:sp>
                         <p:nvSpPr>
                           <p:cNvPr id="18" name="文本框 17"/>
@@ -16414,7 +16350,7 @@
                         </p:txBody>
                       </p:sp>
                     </mc:Choice>
-                    <mc:Fallback>
+                    <mc:Fallback xmlns="">
                       <p:sp>
                         <p:nvSpPr>
                           <p:cNvPr id="18" name="文本框 17"/>
@@ -16516,8 +16452,8 @@
                       </a:p>
                     </p:txBody>
                   </p:sp>
-                  <mc:AlternateContent xmlns:mc="http://schemas.openxmlformats.org/markup-compatibility/2006">
-                    <mc:Choice xmlns:a14="http://schemas.microsoft.com/office/drawing/2010/main" Requires="a14">
+                  <mc:AlternateContent xmlns:mc="http://schemas.openxmlformats.org/markup-compatibility/2006" xmlns:a14="http://schemas.microsoft.com/office/drawing/2010/main">
+                    <mc:Choice Requires="a14">
                       <p:sp>
                         <p:nvSpPr>
                           <p:cNvPr id="27" name="文本框 26"/>
@@ -16580,7 +16516,7 @@
                         </p:txBody>
                       </p:sp>
                     </mc:Choice>
-                    <mc:Fallback>
+                    <mc:Fallback xmlns="">
                       <p:sp>
                         <p:nvSpPr>
                           <p:cNvPr id="27" name="文本框 26"/>
@@ -16682,8 +16618,8 @@
                       </a:p>
                     </p:txBody>
                   </p:sp>
-                  <mc:AlternateContent xmlns:mc="http://schemas.openxmlformats.org/markup-compatibility/2006">
-                    <mc:Choice xmlns:a14="http://schemas.microsoft.com/office/drawing/2010/main" Requires="a14">
+                  <mc:AlternateContent xmlns:mc="http://schemas.openxmlformats.org/markup-compatibility/2006" xmlns:a14="http://schemas.microsoft.com/office/drawing/2010/main">
+                    <mc:Choice Requires="a14">
                       <p:sp>
                         <p:nvSpPr>
                           <p:cNvPr id="30" name="文本框 29"/>
@@ -16746,7 +16682,7 @@
                         </p:txBody>
                       </p:sp>
                     </mc:Choice>
-                    <mc:Fallback>
+                    <mc:Fallback xmlns="">
                       <p:sp>
                         <p:nvSpPr>
                           <p:cNvPr id="30" name="文本框 29"/>
@@ -16848,8 +16784,8 @@
                       </a:p>
                     </p:txBody>
                   </p:sp>
-                  <mc:AlternateContent xmlns:mc="http://schemas.openxmlformats.org/markup-compatibility/2006">
-                    <mc:Choice xmlns:a14="http://schemas.microsoft.com/office/drawing/2010/main" Requires="a14">
+                  <mc:AlternateContent xmlns:mc="http://schemas.openxmlformats.org/markup-compatibility/2006" xmlns:a14="http://schemas.microsoft.com/office/drawing/2010/main">
+                    <mc:Choice Requires="a14">
                       <p:sp>
                         <p:nvSpPr>
                           <p:cNvPr id="33" name="文本框 32"/>
@@ -16912,7 +16848,7 @@
                         </p:txBody>
                       </p:sp>
                     </mc:Choice>
-                    <mc:Fallback>
+                    <mc:Fallback xmlns="">
                       <p:sp>
                         <p:nvSpPr>
                           <p:cNvPr id="33" name="文本框 32"/>
@@ -16952,8 +16888,8 @@
                     </mc:Fallback>
                   </mc:AlternateContent>
                 </p:grpSp>
-                <mc:AlternateContent xmlns:mc="http://schemas.openxmlformats.org/markup-compatibility/2006">
-                  <mc:Choice xmlns:a14="http://schemas.microsoft.com/office/drawing/2010/main" Requires="a14">
+                <mc:AlternateContent xmlns:mc="http://schemas.openxmlformats.org/markup-compatibility/2006" xmlns:a14="http://schemas.microsoft.com/office/drawing/2010/main">
+                  <mc:Choice Requires="a14">
                     <p:sp>
                       <p:nvSpPr>
                         <p:cNvPr id="36" name="文本框 35"/>
@@ -16997,7 +16933,7 @@
                       </p:txBody>
                     </p:sp>
                   </mc:Choice>
-                  <mc:Fallback>
+                  <mc:Fallback xmlns="">
                     <p:sp>
                       <p:nvSpPr>
                         <p:cNvPr id="36" name="文本框 35"/>
@@ -17036,8 +16972,8 @@
                     </p:sp>
                   </mc:Fallback>
                 </mc:AlternateContent>
-                <mc:AlternateContent xmlns:mc="http://schemas.openxmlformats.org/markup-compatibility/2006">
-                  <mc:Choice xmlns:a14="http://schemas.microsoft.com/office/drawing/2010/main" Requires="a14">
+                <mc:AlternateContent xmlns:mc="http://schemas.openxmlformats.org/markup-compatibility/2006" xmlns:a14="http://schemas.microsoft.com/office/drawing/2010/main">
+                  <mc:Choice Requires="a14">
                     <p:sp>
                       <p:nvSpPr>
                         <p:cNvPr id="37" name="文本框 36"/>
@@ -17081,7 +17017,7 @@
                       </p:txBody>
                     </p:sp>
                   </mc:Choice>
-                  <mc:Fallback>
+                  <mc:Fallback xmlns="">
                     <p:sp>
                       <p:nvSpPr>
                         <p:cNvPr id="37" name="文本框 36"/>
@@ -18241,8 +18177,8 @@
                 </p:cxnSp>
               </p:grpSp>
             </p:grpSp>
-            <mc:AlternateContent xmlns:mc="http://schemas.openxmlformats.org/markup-compatibility/2006">
-              <mc:Choice xmlns:a14="http://schemas.microsoft.com/office/drawing/2010/main" Requires="a14">
+            <mc:AlternateContent xmlns:mc="http://schemas.openxmlformats.org/markup-compatibility/2006" xmlns:a14="http://schemas.microsoft.com/office/drawing/2010/main">
+              <mc:Choice Requires="a14">
                 <p:sp>
                   <p:nvSpPr>
                     <p:cNvPr id="140" name="文本框 139"/>
@@ -18305,7 +18241,7 @@
                   </p:txBody>
                 </p:sp>
               </mc:Choice>
-              <mc:Fallback>
+              <mc:Fallback xmlns="">
                 <p:sp>
                   <p:nvSpPr>
                     <p:cNvPr id="140" name="文本框 139"/>
@@ -18344,8 +18280,8 @@
                 </p:sp>
               </mc:Fallback>
             </mc:AlternateContent>
-            <mc:AlternateContent xmlns:mc="http://schemas.openxmlformats.org/markup-compatibility/2006">
-              <mc:Choice xmlns:a14="http://schemas.microsoft.com/office/drawing/2010/main" Requires="a14">
+            <mc:AlternateContent xmlns:mc="http://schemas.openxmlformats.org/markup-compatibility/2006" xmlns:a14="http://schemas.microsoft.com/office/drawing/2010/main">
+              <mc:Choice Requires="a14">
                 <p:sp>
                   <p:nvSpPr>
                     <p:cNvPr id="143" name="文本框 142"/>
@@ -18408,7 +18344,7 @@
                   </p:txBody>
                 </p:sp>
               </mc:Choice>
-              <mc:Fallback>
+              <mc:Fallback xmlns="">
                 <p:sp>
                   <p:nvSpPr>
                     <p:cNvPr id="143" name="文本框 142"/>
@@ -18447,8 +18383,8 @@
                 </p:sp>
               </mc:Fallback>
             </mc:AlternateContent>
-            <mc:AlternateContent xmlns:mc="http://schemas.openxmlformats.org/markup-compatibility/2006">
-              <mc:Choice xmlns:a14="http://schemas.microsoft.com/office/drawing/2010/main" Requires="a14">
+            <mc:AlternateContent xmlns:mc="http://schemas.openxmlformats.org/markup-compatibility/2006" xmlns:a14="http://schemas.microsoft.com/office/drawing/2010/main">
+              <mc:Choice Requires="a14">
                 <p:sp>
                   <p:nvSpPr>
                     <p:cNvPr id="144" name="文本框 143"/>
@@ -18511,7 +18447,7 @@
                   </p:txBody>
                 </p:sp>
               </mc:Choice>
-              <mc:Fallback>
+              <mc:Fallback xmlns="">
                 <p:sp>
                   <p:nvSpPr>
                     <p:cNvPr id="144" name="文本框 143"/>
@@ -18551,8 +18487,8 @@
               </mc:Fallback>
             </mc:AlternateContent>
           </p:grpSp>
-          <mc:AlternateContent xmlns:mc="http://schemas.openxmlformats.org/markup-compatibility/2006">
-            <mc:Choice xmlns:a14="http://schemas.microsoft.com/office/drawing/2010/main" Requires="a14">
+          <mc:AlternateContent xmlns:mc="http://schemas.openxmlformats.org/markup-compatibility/2006" xmlns:a14="http://schemas.microsoft.com/office/drawing/2010/main">
+            <mc:Choice Requires="a14">
               <p:sp>
                 <p:nvSpPr>
                   <p:cNvPr id="147" name="文本框 146"/>
@@ -18596,7 +18532,7 @@
                 </p:txBody>
               </p:sp>
             </mc:Choice>
-            <mc:Fallback>
+            <mc:Fallback xmlns="">
               <p:sp>
                 <p:nvSpPr>
                   <p:cNvPr id="147" name="文本框 146"/>
@@ -18635,8 +18571,8 @@
               </p:sp>
             </mc:Fallback>
           </mc:AlternateContent>
-          <mc:AlternateContent xmlns:mc="http://schemas.openxmlformats.org/markup-compatibility/2006">
-            <mc:Choice xmlns:a14="http://schemas.microsoft.com/office/drawing/2010/main" Requires="a14">
+          <mc:AlternateContent xmlns:mc="http://schemas.openxmlformats.org/markup-compatibility/2006" xmlns:a14="http://schemas.microsoft.com/office/drawing/2010/main">
+            <mc:Choice Requires="a14">
               <p:sp>
                 <p:nvSpPr>
                   <p:cNvPr id="148" name="文本框 147"/>
@@ -18680,7 +18616,7 @@
                 </p:txBody>
               </p:sp>
             </mc:Choice>
-            <mc:Fallback>
+            <mc:Fallback xmlns="">
               <p:sp>
                 <p:nvSpPr>
                   <p:cNvPr id="148" name="文本框 147"/>
@@ -18734,8 +18670,8 @@
               <a:chExt cx="6885125" cy="3303403"/>
             </a:xfrm>
           </p:grpSpPr>
-          <mc:AlternateContent xmlns:mc="http://schemas.openxmlformats.org/markup-compatibility/2006">
-            <mc:Choice xmlns:a14="http://schemas.microsoft.com/office/drawing/2010/main" Requires="a14">
+          <mc:AlternateContent xmlns:mc="http://schemas.openxmlformats.org/markup-compatibility/2006" xmlns:a14="http://schemas.microsoft.com/office/drawing/2010/main">
+            <mc:Choice Requires="a14">
               <p:sp>
                 <p:nvSpPr>
                   <p:cNvPr id="69" name="文本框 68"/>
@@ -18847,7 +18783,7 @@
                 </p:txBody>
               </p:sp>
             </mc:Choice>
-            <mc:Fallback>
+            <mc:Fallback xmlns="">
               <p:sp>
                 <p:nvSpPr>
                   <p:cNvPr id="69" name="文本框 68"/>
@@ -18886,8 +18822,8 @@
               </p:sp>
             </mc:Fallback>
           </mc:AlternateContent>
-          <mc:AlternateContent xmlns:mc="http://schemas.openxmlformats.org/markup-compatibility/2006">
-            <mc:Choice xmlns:a14="http://schemas.microsoft.com/office/drawing/2010/main" Requires="a14">
+          <mc:AlternateContent xmlns:mc="http://schemas.openxmlformats.org/markup-compatibility/2006" xmlns:a14="http://schemas.microsoft.com/office/drawing/2010/main">
+            <mc:Choice Requires="a14">
               <p:sp>
                 <p:nvSpPr>
                   <p:cNvPr id="70" name="文本框 69"/>
@@ -18999,7 +18935,7 @@
                 </p:txBody>
               </p:sp>
             </mc:Choice>
-            <mc:Fallback>
+            <mc:Fallback xmlns="">
               <p:sp>
                 <p:nvSpPr>
                   <p:cNvPr id="70" name="文本框 69"/>
@@ -19038,8 +18974,8 @@
               </p:sp>
             </mc:Fallback>
           </mc:AlternateContent>
-          <mc:AlternateContent xmlns:mc="http://schemas.openxmlformats.org/markup-compatibility/2006">
-            <mc:Choice xmlns:a14="http://schemas.microsoft.com/office/drawing/2010/main" Requires="a14">
+          <mc:AlternateContent xmlns:mc="http://schemas.openxmlformats.org/markup-compatibility/2006" xmlns:a14="http://schemas.microsoft.com/office/drawing/2010/main">
+            <mc:Choice Requires="a14">
               <p:sp>
                 <p:nvSpPr>
                   <p:cNvPr id="71" name="文本框 70"/>
@@ -19151,7 +19087,7 @@
                 </p:txBody>
               </p:sp>
             </mc:Choice>
-            <mc:Fallback>
+            <mc:Fallback xmlns="">
               <p:sp>
                 <p:nvSpPr>
                   <p:cNvPr id="71" name="文本框 70"/>
@@ -19190,8 +19126,8 @@
               </p:sp>
             </mc:Fallback>
           </mc:AlternateContent>
-          <mc:AlternateContent xmlns:mc="http://schemas.openxmlformats.org/markup-compatibility/2006">
-            <mc:Choice xmlns:a14="http://schemas.microsoft.com/office/drawing/2010/main" Requires="a14">
+          <mc:AlternateContent xmlns:mc="http://schemas.openxmlformats.org/markup-compatibility/2006" xmlns:a14="http://schemas.microsoft.com/office/drawing/2010/main">
+            <mc:Choice Requires="a14">
               <p:sp>
                 <p:nvSpPr>
                   <p:cNvPr id="72" name="文本框 71"/>
@@ -19303,7 +19239,7 @@
                 </p:txBody>
               </p:sp>
             </mc:Choice>
-            <mc:Fallback>
+            <mc:Fallback xmlns="">
               <p:sp>
                 <p:nvSpPr>
                   <p:cNvPr id="72" name="文本框 71"/>
@@ -22451,8 +22387,8 @@
               <a:chExt cx="6885125" cy="3303403"/>
             </a:xfrm>
           </p:grpSpPr>
-          <mc:AlternateContent xmlns:mc="http://schemas.openxmlformats.org/markup-compatibility/2006">
-            <mc:Choice xmlns:a14="http://schemas.microsoft.com/office/drawing/2010/main" Requires="a14">
+          <mc:AlternateContent xmlns:mc="http://schemas.openxmlformats.org/markup-compatibility/2006" xmlns:a14="http://schemas.microsoft.com/office/drawing/2010/main">
+            <mc:Choice Requires="a14">
               <p:sp>
                 <p:nvSpPr>
                   <p:cNvPr id="67" name="文本框 66"/>
@@ -22564,7 +22500,7 @@
                 </p:txBody>
               </p:sp>
             </mc:Choice>
-            <mc:Fallback>
+            <mc:Fallback xmlns="">
               <p:sp>
                 <p:nvSpPr>
                   <p:cNvPr id="67" name="文本框 66"/>
@@ -22603,8 +22539,8 @@
               </p:sp>
             </mc:Fallback>
           </mc:AlternateContent>
-          <mc:AlternateContent xmlns:mc="http://schemas.openxmlformats.org/markup-compatibility/2006">
-            <mc:Choice xmlns:a14="http://schemas.microsoft.com/office/drawing/2010/main" Requires="a14">
+          <mc:AlternateContent xmlns:mc="http://schemas.openxmlformats.org/markup-compatibility/2006" xmlns:a14="http://schemas.microsoft.com/office/drawing/2010/main">
+            <mc:Choice Requires="a14">
               <p:sp>
                 <p:nvSpPr>
                   <p:cNvPr id="68" name="文本框 67"/>
@@ -22716,7 +22652,7 @@
                 </p:txBody>
               </p:sp>
             </mc:Choice>
-            <mc:Fallback>
+            <mc:Fallback xmlns="">
               <p:sp>
                 <p:nvSpPr>
                   <p:cNvPr id="68" name="文本框 67"/>
@@ -22755,8 +22691,8 @@
               </p:sp>
             </mc:Fallback>
           </mc:AlternateContent>
-          <mc:AlternateContent xmlns:mc="http://schemas.openxmlformats.org/markup-compatibility/2006">
-            <mc:Choice xmlns:a14="http://schemas.microsoft.com/office/drawing/2010/main" Requires="a14">
+          <mc:AlternateContent xmlns:mc="http://schemas.openxmlformats.org/markup-compatibility/2006" xmlns:a14="http://schemas.microsoft.com/office/drawing/2010/main">
+            <mc:Choice Requires="a14">
               <p:sp>
                 <p:nvSpPr>
                   <p:cNvPr id="69" name="文本框 68"/>
@@ -22868,7 +22804,7 @@
                 </p:txBody>
               </p:sp>
             </mc:Choice>
-            <mc:Fallback>
+            <mc:Fallback xmlns="">
               <p:sp>
                 <p:nvSpPr>
                   <p:cNvPr id="69" name="文本框 68"/>
@@ -22907,8 +22843,8 @@
               </p:sp>
             </mc:Fallback>
           </mc:AlternateContent>
-          <mc:AlternateContent xmlns:mc="http://schemas.openxmlformats.org/markup-compatibility/2006">
-            <mc:Choice xmlns:a14="http://schemas.microsoft.com/office/drawing/2010/main" Requires="a14">
+          <mc:AlternateContent xmlns:mc="http://schemas.openxmlformats.org/markup-compatibility/2006" xmlns:a14="http://schemas.microsoft.com/office/drawing/2010/main">
+            <mc:Choice Requires="a14">
               <p:sp>
                 <p:nvSpPr>
                   <p:cNvPr id="70" name="文本框 69"/>
@@ -23020,7 +22956,7 @@
                 </p:txBody>
               </p:sp>
             </mc:Choice>
-            <mc:Fallback>
+            <mc:Fallback xmlns="">
               <p:sp>
                 <p:nvSpPr>
                   <p:cNvPr id="70" name="文本框 69"/>
